--- a/Aulas/Aula5/Aula05_Pandas.pptx
+++ b/Aulas/Aula5/Aula05_Pandas.pptx
@@ -5,62 +5,57 @@
     <p:sldMasterId id="2147483660" r:id="rId1"/>
   </p:sldMasterIdLst>
   <p:notesMasterIdLst>
-    <p:notesMasterId r:id="rId31"/>
+    <p:notesMasterId r:id="rId33"/>
   </p:notesMasterIdLst>
   <p:sldIdLst>
     <p:sldId id="256" r:id="rId2"/>
-    <p:sldId id="257" r:id="rId3"/>
-    <p:sldId id="296" r:id="rId4"/>
-    <p:sldId id="262" r:id="rId5"/>
-    <p:sldId id="263" r:id="rId6"/>
-    <p:sldId id="264" r:id="rId7"/>
-    <p:sldId id="265" r:id="rId8"/>
-    <p:sldId id="266" r:id="rId9"/>
-    <p:sldId id="295" r:id="rId10"/>
-    <p:sldId id="268" r:id="rId11"/>
-    <p:sldId id="269" r:id="rId12"/>
-    <p:sldId id="270" r:id="rId13"/>
-    <p:sldId id="271" r:id="rId14"/>
-    <p:sldId id="273" r:id="rId15"/>
-    <p:sldId id="274" r:id="rId16"/>
-    <p:sldId id="275" r:id="rId17"/>
-    <p:sldId id="276" r:id="rId18"/>
-    <p:sldId id="277" r:id="rId19"/>
-    <p:sldId id="278" r:id="rId20"/>
-    <p:sldId id="279" r:id="rId21"/>
-    <p:sldId id="280" r:id="rId22"/>
-    <p:sldId id="281" r:id="rId23"/>
-    <p:sldId id="282" r:id="rId24"/>
-    <p:sldId id="283" r:id="rId25"/>
-    <p:sldId id="284" r:id="rId26"/>
-    <p:sldId id="285" r:id="rId27"/>
-    <p:sldId id="292" r:id="rId28"/>
-    <p:sldId id="293" r:id="rId29"/>
-    <p:sldId id="294" r:id="rId30"/>
+    <p:sldId id="296" r:id="rId3"/>
+    <p:sldId id="259" r:id="rId4"/>
+    <p:sldId id="260" r:id="rId5"/>
+    <p:sldId id="261" r:id="rId6"/>
+    <p:sldId id="262" r:id="rId7"/>
+    <p:sldId id="263" r:id="rId8"/>
+    <p:sldId id="264" r:id="rId9"/>
+    <p:sldId id="265" r:id="rId10"/>
+    <p:sldId id="266" r:id="rId11"/>
+    <p:sldId id="295" r:id="rId12"/>
+    <p:sldId id="268" r:id="rId13"/>
+    <p:sldId id="269" r:id="rId14"/>
+    <p:sldId id="270" r:id="rId15"/>
+    <p:sldId id="271" r:id="rId16"/>
+    <p:sldId id="273" r:id="rId17"/>
+    <p:sldId id="274" r:id="rId18"/>
+    <p:sldId id="275" r:id="rId19"/>
+    <p:sldId id="276" r:id="rId20"/>
+    <p:sldId id="277" r:id="rId21"/>
+    <p:sldId id="278" r:id="rId22"/>
+    <p:sldId id="279" r:id="rId23"/>
+    <p:sldId id="280" r:id="rId24"/>
+    <p:sldId id="281" r:id="rId25"/>
+    <p:sldId id="282" r:id="rId26"/>
+    <p:sldId id="283" r:id="rId27"/>
+    <p:sldId id="284" r:id="rId28"/>
+    <p:sldId id="285" r:id="rId29"/>
+    <p:sldId id="292" r:id="rId30"/>
+    <p:sldId id="293" r:id="rId31"/>
+    <p:sldId id="294" r:id="rId32"/>
   </p:sldIdLst>
   <p:sldSz cx="13439775" cy="7559675"/>
   <p:notesSz cx="7559675" cy="10691813"/>
   <p:embeddedFontLst>
     <p:embeddedFont>
-      <p:font typeface="Calibri" panose="020F0502020204030204" pitchFamily="34" charset="0"/>
-      <p:regular r:id="rId32"/>
-      <p:bold r:id="rId33"/>
-      <p:italic r:id="rId34"/>
-      <p:boldItalic r:id="rId35"/>
-    </p:embeddedFont>
-    <p:embeddedFont>
       <p:font typeface="Consolas" panose="020B0609020204030204" pitchFamily="49" charset="0"/>
-      <p:regular r:id="rId36"/>
-      <p:bold r:id="rId37"/>
-      <p:italic r:id="rId38"/>
-      <p:boldItalic r:id="rId39"/>
+      <p:regular r:id="rId34"/>
+      <p:bold r:id="rId35"/>
+      <p:italic r:id="rId36"/>
+      <p:boldItalic r:id="rId37"/>
     </p:embeddedFont>
     <p:embeddedFont>
       <p:font typeface="Source Code Pro" panose="020B0509030403020204" pitchFamily="49" charset="0"/>
-      <p:regular r:id="rId40"/>
-      <p:bold r:id="rId41"/>
-      <p:italic r:id="rId42"/>
-      <p:boldItalic r:id="rId43"/>
+      <p:regular r:id="rId38"/>
+      <p:bold r:id="rId39"/>
+      <p:italic r:id="rId40"/>
+      <p:boldItalic r:id="rId41"/>
     </p:embeddedFont>
   </p:embeddedFontLst>
   <p:defaultTextStyle>
@@ -5061,7 +5056,7 @@
                 <a:cs typeface="Calibri"/>
                 <a:sym typeface="Calibri"/>
               </a:rPr>
-              <a:t>‹nº›</a:t>
+              <a:t>‹#›</a:t>
             </a:fld>
             <a:endParaRPr sz="1200" b="0" i="0" u="none" strike="noStrike" cap="none">
               <a:solidFill>
@@ -5437,6 +5432,255 @@
   <p:cSld>
     <p:spTree>
       <p:nvGrpSpPr>
+        <p:cNvPr id="1" name="Shape 152"/>
+        <p:cNvGrpSpPr/>
+        <p:nvPr/>
+      </p:nvGrpSpPr>
+      <p:grpSpPr>
+        <a:xfrm>
+          <a:off x="0" y="0"/>
+          <a:ext cx="0" cy="0"/>
+          <a:chOff x="0" y="0"/>
+          <a:chExt cx="0" cy="0"/>
+        </a:xfrm>
+      </p:grpSpPr>
+      <p:sp>
+        <p:nvSpPr>
+          <p:cNvPr id="153" name="Google Shape;153;p11:notes"/>
+          <p:cNvSpPr txBox="1">
+            <a:spLocks noGrp="1"/>
+          </p:cNvSpPr>
+          <p:nvPr>
+            <p:ph type="body" idx="1"/>
+          </p:nvPr>
+        </p:nvSpPr>
+        <p:spPr>
+          <a:xfrm>
+            <a:off x="755650" y="5145088"/>
+            <a:ext cx="6048375" cy="4210050"/>
+          </a:xfrm>
+          <a:prstGeom prst="rect">
+            <a:avLst/>
+          </a:prstGeom>
+          <a:noFill/>
+          <a:ln>
+            <a:noFill/>
+          </a:ln>
+        </p:spPr>
+        <p:txBody>
+          <a:bodyPr spcFirstLastPara="1" wrap="square" lIns="91425" tIns="45700" rIns="91425" bIns="45700" anchor="t" anchorCtr="0">
+            <a:noAutofit/>
+          </a:bodyPr>
+          <a:lstStyle/>
+          <a:p>
+            <a:pPr marL="0" lvl="0" indent="0" algn="l" rtl="0">
+              <a:lnSpc>
+                <a:spcPct val="100000"/>
+              </a:lnSpc>
+              <a:spcBef>
+                <a:spcPts val="0"/>
+              </a:spcBef>
+              <a:spcAft>
+                <a:spcPts val="0"/>
+              </a:spcAft>
+              <a:buSzPts val="1400"/>
+              <a:buNone/>
+            </a:pPr>
+            <a:endParaRPr/>
+          </a:p>
+        </p:txBody>
+      </p:sp>
+      <p:sp>
+        <p:nvSpPr>
+          <p:cNvPr id="154" name="Google Shape;154;p11:notes"/>
+          <p:cNvSpPr>
+            <a:spLocks noGrp="1" noRot="1" noChangeAspect="1"/>
+          </p:cNvSpPr>
+          <p:nvPr>
+            <p:ph type="sldImg" idx="2"/>
+          </p:nvPr>
+        </p:nvSpPr>
+        <p:spPr>
+          <a:xfrm>
+            <a:off x="573088" y="1336675"/>
+            <a:ext cx="6413500" cy="3608388"/>
+          </a:xfrm>
+          <a:custGeom>
+            <a:avLst/>
+            <a:gdLst/>
+            <a:ahLst/>
+            <a:cxnLst/>
+            <a:rect l="l" t="t" r="r" b="b"/>
+            <a:pathLst>
+              <a:path w="120000" h="120000" extrusionOk="0">
+                <a:moveTo>
+                  <a:pt x="0" y="0"/>
+                </a:moveTo>
+                <a:lnTo>
+                  <a:pt x="120000" y="0"/>
+                </a:lnTo>
+                <a:lnTo>
+                  <a:pt x="120000" y="120000"/>
+                </a:lnTo>
+                <a:lnTo>
+                  <a:pt x="0" y="120000"/>
+                </a:lnTo>
+                <a:close/>
+              </a:path>
+            </a:pathLst>
+          </a:custGeom>
+          <a:noFill/>
+          <a:ln w="12700" cap="flat" cmpd="sng">
+            <a:solidFill>
+              <a:srgbClr val="000000"/>
+            </a:solidFill>
+            <a:prstDash val="solid"/>
+            <a:round/>
+            <a:headEnd type="none" w="sm" len="sm"/>
+            <a:tailEnd type="none" w="sm" len="sm"/>
+          </a:ln>
+        </p:spPr>
+      </p:sp>
+    </p:spTree>
+  </p:cSld>
+  <p:clrMapOvr>
+    <a:masterClrMapping/>
+  </p:clrMapOvr>
+</p:notes>
+</file>
+
+<file path=ppt/notesSlides/notesSlide11.xml><?xml version="1.0" encoding="utf-8"?>
+<p:notes xmlns:a="http://schemas.openxmlformats.org/drawingml/2006/main" xmlns:r="http://schemas.openxmlformats.org/officeDocument/2006/relationships" xmlns:p="http://schemas.openxmlformats.org/presentationml/2006/main" showMasterSp="0" showMasterPhAnim="0">
+  <p:cSld>
+    <p:spTree>
+      <p:nvGrpSpPr>
+        <p:cNvPr id="1" name="Shape 152"/>
+        <p:cNvGrpSpPr/>
+        <p:nvPr/>
+      </p:nvGrpSpPr>
+      <p:grpSpPr>
+        <a:xfrm>
+          <a:off x="0" y="0"/>
+          <a:ext cx="0" cy="0"/>
+          <a:chOff x="0" y="0"/>
+          <a:chExt cx="0" cy="0"/>
+        </a:xfrm>
+      </p:grpSpPr>
+      <p:sp>
+        <p:nvSpPr>
+          <p:cNvPr id="153" name="Google Shape;153;p11:notes"/>
+          <p:cNvSpPr txBox="1">
+            <a:spLocks noGrp="1"/>
+          </p:cNvSpPr>
+          <p:nvPr>
+            <p:ph type="body" idx="1"/>
+          </p:nvPr>
+        </p:nvSpPr>
+        <p:spPr>
+          <a:xfrm>
+            <a:off x="755650" y="5145088"/>
+            <a:ext cx="6048375" cy="4210050"/>
+          </a:xfrm>
+          <a:prstGeom prst="rect">
+            <a:avLst/>
+          </a:prstGeom>
+          <a:noFill/>
+          <a:ln>
+            <a:noFill/>
+          </a:ln>
+        </p:spPr>
+        <p:txBody>
+          <a:bodyPr spcFirstLastPara="1" wrap="square" lIns="91425" tIns="45700" rIns="91425" bIns="45700" anchor="t" anchorCtr="0">
+            <a:noAutofit/>
+          </a:bodyPr>
+          <a:lstStyle/>
+          <a:p>
+            <a:pPr marL="0" lvl="0" indent="0" algn="l" rtl="0">
+              <a:lnSpc>
+                <a:spcPct val="100000"/>
+              </a:lnSpc>
+              <a:spcBef>
+                <a:spcPts val="0"/>
+              </a:spcBef>
+              <a:spcAft>
+                <a:spcPts val="0"/>
+              </a:spcAft>
+              <a:buSzPts val="1400"/>
+              <a:buNone/>
+            </a:pPr>
+            <a:endParaRPr/>
+          </a:p>
+        </p:txBody>
+      </p:sp>
+      <p:sp>
+        <p:nvSpPr>
+          <p:cNvPr id="154" name="Google Shape;154;p11:notes"/>
+          <p:cNvSpPr>
+            <a:spLocks noGrp="1" noRot="1" noChangeAspect="1"/>
+          </p:cNvSpPr>
+          <p:nvPr>
+            <p:ph type="sldImg" idx="2"/>
+          </p:nvPr>
+        </p:nvSpPr>
+        <p:spPr>
+          <a:xfrm>
+            <a:off x="573088" y="1336675"/>
+            <a:ext cx="6413500" cy="3608388"/>
+          </a:xfrm>
+          <a:custGeom>
+            <a:avLst/>
+            <a:gdLst/>
+            <a:ahLst/>
+            <a:cxnLst/>
+            <a:rect l="l" t="t" r="r" b="b"/>
+            <a:pathLst>
+              <a:path w="120000" h="120000" extrusionOk="0">
+                <a:moveTo>
+                  <a:pt x="0" y="0"/>
+                </a:moveTo>
+                <a:lnTo>
+                  <a:pt x="120000" y="0"/>
+                </a:lnTo>
+                <a:lnTo>
+                  <a:pt x="120000" y="120000"/>
+                </a:lnTo>
+                <a:lnTo>
+                  <a:pt x="0" y="120000"/>
+                </a:lnTo>
+                <a:close/>
+              </a:path>
+            </a:pathLst>
+          </a:custGeom>
+          <a:noFill/>
+          <a:ln w="12700" cap="flat" cmpd="sng">
+            <a:solidFill>
+              <a:srgbClr val="000000"/>
+            </a:solidFill>
+            <a:prstDash val="solid"/>
+            <a:round/>
+            <a:headEnd type="none" w="sm" len="sm"/>
+            <a:tailEnd type="none" w="sm" len="sm"/>
+          </a:ln>
+        </p:spPr>
+      </p:sp>
+    </p:spTree>
+    <p:extLst>
+      <p:ext uri="{BB962C8B-B14F-4D97-AF65-F5344CB8AC3E}">
+        <p14:creationId xmlns:p14="http://schemas.microsoft.com/office/powerpoint/2010/main" val="38297046"/>
+      </p:ext>
+    </p:extLst>
+  </p:cSld>
+  <p:clrMapOvr>
+    <a:masterClrMapping/>
+  </p:clrMapOvr>
+</p:notes>
+</file>
+
+<file path=ppt/notesSlides/notesSlide12.xml><?xml version="1.0" encoding="utf-8"?>
+<p:notes xmlns:a="http://schemas.openxmlformats.org/drawingml/2006/main" xmlns:r="http://schemas.openxmlformats.org/officeDocument/2006/relationships" xmlns:p="http://schemas.openxmlformats.org/presentationml/2006/main" showMasterSp="0" showMasterPhAnim="0">
+  <p:cSld>
+    <p:spTree>
+      <p:nvGrpSpPr>
         <p:cNvPr id="1" name="Shape 166"/>
         <p:cNvGrpSpPr/>
         <p:nvPr/>
@@ -5554,7 +5798,7 @@
 </p:notes>
 </file>
 
-<file path=ppt/notesSlides/notesSlide11.xml><?xml version="1.0" encoding="utf-8"?>
+<file path=ppt/notesSlides/notesSlide13.xml><?xml version="1.0" encoding="utf-8"?>
 <p:notes xmlns:a="http://schemas.openxmlformats.org/drawingml/2006/main" xmlns:r="http://schemas.openxmlformats.org/officeDocument/2006/relationships" xmlns:p="http://schemas.openxmlformats.org/presentationml/2006/main" showMasterSp="0" showMasterPhAnim="0">
   <p:cSld>
     <p:spTree>
@@ -5676,7 +5920,7 @@
 </p:notes>
 </file>
 
-<file path=ppt/notesSlides/notesSlide12.xml><?xml version="1.0" encoding="utf-8"?>
+<file path=ppt/notesSlides/notesSlide14.xml><?xml version="1.0" encoding="utf-8"?>
 <p:notes xmlns:a="http://schemas.openxmlformats.org/drawingml/2006/main" xmlns:r="http://schemas.openxmlformats.org/officeDocument/2006/relationships" xmlns:p="http://schemas.openxmlformats.org/presentationml/2006/main" showMasterSp="0" showMasterPhAnim="0">
   <p:cSld>
     <p:spTree>
@@ -5798,7 +6042,7 @@
 </p:notes>
 </file>
 
-<file path=ppt/notesSlides/notesSlide13.xml><?xml version="1.0" encoding="utf-8"?>
+<file path=ppt/notesSlides/notesSlide15.xml><?xml version="1.0" encoding="utf-8"?>
 <p:notes xmlns:a="http://schemas.openxmlformats.org/drawingml/2006/main" xmlns:r="http://schemas.openxmlformats.org/officeDocument/2006/relationships" xmlns:p="http://schemas.openxmlformats.org/presentationml/2006/main" showMasterSp="0" showMasterPhAnim="0">
   <p:cSld>
     <p:spTree>
@@ -5920,7 +6164,7 @@
 </p:notes>
 </file>
 
-<file path=ppt/notesSlides/notesSlide14.xml><?xml version="1.0" encoding="utf-8"?>
+<file path=ppt/notesSlides/notesSlide16.xml><?xml version="1.0" encoding="utf-8"?>
 <p:notes xmlns:a="http://schemas.openxmlformats.org/drawingml/2006/main" xmlns:r="http://schemas.openxmlformats.org/officeDocument/2006/relationships" xmlns:p="http://schemas.openxmlformats.org/presentationml/2006/main" showMasterSp="0" showMasterPhAnim="0">
   <p:cSld>
     <p:spTree>
@@ -6042,7 +6286,7 @@
 </p:notes>
 </file>
 
-<file path=ppt/notesSlides/notesSlide15.xml><?xml version="1.0" encoding="utf-8"?>
+<file path=ppt/notesSlides/notesSlide17.xml><?xml version="1.0" encoding="utf-8"?>
 <p:notes xmlns:a="http://schemas.openxmlformats.org/drawingml/2006/main" xmlns:r="http://schemas.openxmlformats.org/officeDocument/2006/relationships" xmlns:p="http://schemas.openxmlformats.org/presentationml/2006/main" showMasterSp="0" showMasterPhAnim="0">
   <p:cSld>
     <p:spTree>
@@ -6164,7 +6408,7 @@
 </p:notes>
 </file>
 
-<file path=ppt/notesSlides/notesSlide16.xml><?xml version="1.0" encoding="utf-8"?>
+<file path=ppt/notesSlides/notesSlide18.xml><?xml version="1.0" encoding="utf-8"?>
 <p:notes xmlns:a="http://schemas.openxmlformats.org/drawingml/2006/main" xmlns:r="http://schemas.openxmlformats.org/officeDocument/2006/relationships" xmlns:p="http://schemas.openxmlformats.org/presentationml/2006/main" showMasterSp="0" showMasterPhAnim="0">
   <p:cSld>
     <p:spTree>
@@ -6286,7 +6530,7 @@
 </p:notes>
 </file>
 
-<file path=ppt/notesSlides/notesSlide17.xml><?xml version="1.0" encoding="utf-8"?>
+<file path=ppt/notesSlides/notesSlide19.xml><?xml version="1.0" encoding="utf-8"?>
 <p:notes xmlns:a="http://schemas.openxmlformats.org/drawingml/2006/main" xmlns:r="http://schemas.openxmlformats.org/officeDocument/2006/relationships" xmlns:p="http://schemas.openxmlformats.org/presentationml/2006/main" showMasterSp="0" showMasterPhAnim="0">
   <p:cSld>
     <p:spTree>
@@ -6352,250 +6596,6 @@
       <p:sp>
         <p:nvSpPr>
           <p:cNvPr id="231" name="Google Shape;231;p21:notes"/>
-          <p:cNvSpPr>
-            <a:spLocks noGrp="1" noRot="1" noChangeAspect="1"/>
-          </p:cNvSpPr>
-          <p:nvPr>
-            <p:ph type="sldImg" idx="2"/>
-          </p:nvPr>
-        </p:nvSpPr>
-        <p:spPr>
-          <a:xfrm>
-            <a:off x="573088" y="1336675"/>
-            <a:ext cx="6413500" cy="3608388"/>
-          </a:xfrm>
-          <a:custGeom>
-            <a:avLst/>
-            <a:gdLst/>
-            <a:ahLst/>
-            <a:cxnLst/>
-            <a:rect l="l" t="t" r="r" b="b"/>
-            <a:pathLst>
-              <a:path w="120000" h="120000" extrusionOk="0">
-                <a:moveTo>
-                  <a:pt x="0" y="0"/>
-                </a:moveTo>
-                <a:lnTo>
-                  <a:pt x="120000" y="0"/>
-                </a:lnTo>
-                <a:lnTo>
-                  <a:pt x="120000" y="120000"/>
-                </a:lnTo>
-                <a:lnTo>
-                  <a:pt x="0" y="120000"/>
-                </a:lnTo>
-                <a:close/>
-              </a:path>
-            </a:pathLst>
-          </a:custGeom>
-          <a:noFill/>
-          <a:ln w="12700" cap="flat" cmpd="sng">
-            <a:solidFill>
-              <a:srgbClr val="000000"/>
-            </a:solidFill>
-            <a:prstDash val="solid"/>
-            <a:round/>
-            <a:headEnd type="none" w="sm" len="sm"/>
-            <a:tailEnd type="none" w="sm" len="sm"/>
-          </a:ln>
-        </p:spPr>
-      </p:sp>
-    </p:spTree>
-  </p:cSld>
-  <p:clrMapOvr>
-    <a:masterClrMapping/>
-  </p:clrMapOvr>
-</p:notes>
-</file>
-
-<file path=ppt/notesSlides/notesSlide18.xml><?xml version="1.0" encoding="utf-8"?>
-<p:notes xmlns:a="http://schemas.openxmlformats.org/drawingml/2006/main" xmlns:r="http://schemas.openxmlformats.org/officeDocument/2006/relationships" xmlns:p="http://schemas.openxmlformats.org/presentationml/2006/main" showMasterSp="0" showMasterPhAnim="0">
-  <p:cSld>
-    <p:spTree>
-      <p:nvGrpSpPr>
-        <p:cNvPr id="1" name="Shape 237"/>
-        <p:cNvGrpSpPr/>
-        <p:nvPr/>
-      </p:nvGrpSpPr>
-      <p:grpSpPr>
-        <a:xfrm>
-          <a:off x="0" y="0"/>
-          <a:ext cx="0" cy="0"/>
-          <a:chOff x="0" y="0"/>
-          <a:chExt cx="0" cy="0"/>
-        </a:xfrm>
-      </p:grpSpPr>
-      <p:sp>
-        <p:nvSpPr>
-          <p:cNvPr id="238" name="Google Shape;238;p22:notes"/>
-          <p:cNvSpPr txBox="1">
-            <a:spLocks noGrp="1"/>
-          </p:cNvSpPr>
-          <p:nvPr>
-            <p:ph type="body" idx="1"/>
-          </p:nvPr>
-        </p:nvSpPr>
-        <p:spPr>
-          <a:xfrm>
-            <a:off x="755650" y="5145088"/>
-            <a:ext cx="6048375" cy="4210050"/>
-          </a:xfrm>
-          <a:prstGeom prst="rect">
-            <a:avLst/>
-          </a:prstGeom>
-          <a:noFill/>
-          <a:ln>
-            <a:noFill/>
-          </a:ln>
-        </p:spPr>
-        <p:txBody>
-          <a:bodyPr spcFirstLastPara="1" wrap="square" lIns="91425" tIns="45700" rIns="91425" bIns="45700" anchor="t" anchorCtr="0">
-            <a:noAutofit/>
-          </a:bodyPr>
-          <a:lstStyle/>
-          <a:p>
-            <a:pPr marL="0" lvl="0" indent="0" algn="l" rtl="0">
-              <a:lnSpc>
-                <a:spcPct val="100000"/>
-              </a:lnSpc>
-              <a:spcBef>
-                <a:spcPts val="0"/>
-              </a:spcBef>
-              <a:spcAft>
-                <a:spcPts val="0"/>
-              </a:spcAft>
-              <a:buSzPts val="1400"/>
-              <a:buNone/>
-            </a:pPr>
-            <a:endParaRPr/>
-          </a:p>
-        </p:txBody>
-      </p:sp>
-      <p:sp>
-        <p:nvSpPr>
-          <p:cNvPr id="239" name="Google Shape;239;p22:notes"/>
-          <p:cNvSpPr>
-            <a:spLocks noGrp="1" noRot="1" noChangeAspect="1"/>
-          </p:cNvSpPr>
-          <p:nvPr>
-            <p:ph type="sldImg" idx="2"/>
-          </p:nvPr>
-        </p:nvSpPr>
-        <p:spPr>
-          <a:xfrm>
-            <a:off x="573088" y="1336675"/>
-            <a:ext cx="6413500" cy="3608388"/>
-          </a:xfrm>
-          <a:custGeom>
-            <a:avLst/>
-            <a:gdLst/>
-            <a:ahLst/>
-            <a:cxnLst/>
-            <a:rect l="l" t="t" r="r" b="b"/>
-            <a:pathLst>
-              <a:path w="120000" h="120000" extrusionOk="0">
-                <a:moveTo>
-                  <a:pt x="0" y="0"/>
-                </a:moveTo>
-                <a:lnTo>
-                  <a:pt x="120000" y="0"/>
-                </a:lnTo>
-                <a:lnTo>
-                  <a:pt x="120000" y="120000"/>
-                </a:lnTo>
-                <a:lnTo>
-                  <a:pt x="0" y="120000"/>
-                </a:lnTo>
-                <a:close/>
-              </a:path>
-            </a:pathLst>
-          </a:custGeom>
-          <a:noFill/>
-          <a:ln w="12700" cap="flat" cmpd="sng">
-            <a:solidFill>
-              <a:srgbClr val="000000"/>
-            </a:solidFill>
-            <a:prstDash val="solid"/>
-            <a:round/>
-            <a:headEnd type="none" w="sm" len="sm"/>
-            <a:tailEnd type="none" w="sm" len="sm"/>
-          </a:ln>
-        </p:spPr>
-      </p:sp>
-    </p:spTree>
-  </p:cSld>
-  <p:clrMapOvr>
-    <a:masterClrMapping/>
-  </p:clrMapOvr>
-</p:notes>
-</file>
-
-<file path=ppt/notesSlides/notesSlide19.xml><?xml version="1.0" encoding="utf-8"?>
-<p:notes xmlns:a="http://schemas.openxmlformats.org/drawingml/2006/main" xmlns:r="http://schemas.openxmlformats.org/officeDocument/2006/relationships" xmlns:p="http://schemas.openxmlformats.org/presentationml/2006/main" showMasterSp="0" showMasterPhAnim="0">
-  <p:cSld>
-    <p:spTree>
-      <p:nvGrpSpPr>
-        <p:cNvPr id="1" name="Shape 243"/>
-        <p:cNvGrpSpPr/>
-        <p:nvPr/>
-      </p:nvGrpSpPr>
-      <p:grpSpPr>
-        <a:xfrm>
-          <a:off x="0" y="0"/>
-          <a:ext cx="0" cy="0"/>
-          <a:chOff x="0" y="0"/>
-          <a:chExt cx="0" cy="0"/>
-        </a:xfrm>
-      </p:grpSpPr>
-      <p:sp>
-        <p:nvSpPr>
-          <p:cNvPr id="244" name="Google Shape;244;p23:notes"/>
-          <p:cNvSpPr txBox="1">
-            <a:spLocks noGrp="1"/>
-          </p:cNvSpPr>
-          <p:nvPr>
-            <p:ph type="body" idx="1"/>
-          </p:nvPr>
-        </p:nvSpPr>
-        <p:spPr>
-          <a:xfrm>
-            <a:off x="755650" y="5145088"/>
-            <a:ext cx="6048375" cy="4210050"/>
-          </a:xfrm>
-          <a:prstGeom prst="rect">
-            <a:avLst/>
-          </a:prstGeom>
-          <a:noFill/>
-          <a:ln>
-            <a:noFill/>
-          </a:ln>
-        </p:spPr>
-        <p:txBody>
-          <a:bodyPr spcFirstLastPara="1" wrap="square" lIns="91425" tIns="45700" rIns="91425" bIns="45700" anchor="t" anchorCtr="0">
-            <a:noAutofit/>
-          </a:bodyPr>
-          <a:lstStyle/>
-          <a:p>
-            <a:pPr marL="0" lvl="0" indent="0" algn="l" rtl="0">
-              <a:lnSpc>
-                <a:spcPct val="100000"/>
-              </a:lnSpc>
-              <a:spcBef>
-                <a:spcPts val="0"/>
-              </a:spcBef>
-              <a:spcAft>
-                <a:spcPts val="0"/>
-              </a:spcAft>
-              <a:buSzPts val="1400"/>
-              <a:buNone/>
-            </a:pPr>
-            <a:endParaRPr/>
-          </a:p>
-        </p:txBody>
-      </p:sp>
-      <p:sp>
-        <p:nvSpPr>
-          <p:cNvPr id="245" name="Google Shape;245;p23:notes"/>
           <p:cNvSpPr>
             <a:spLocks noGrp="1" noRot="1" noChangeAspect="1"/>
           </p:cNvSpPr>
@@ -6767,6 +6767,11 @@
         </p:spPr>
       </p:sp>
     </p:spTree>
+    <p:extLst>
+      <p:ext uri="{BB962C8B-B14F-4D97-AF65-F5344CB8AC3E}">
+        <p14:creationId xmlns:p14="http://schemas.microsoft.com/office/powerpoint/2010/main" val="3415444490"/>
+      </p:ext>
+    </p:extLst>
   </p:cSld>
   <p:clrMapOvr>
     <a:masterClrMapping/>
@@ -6775,6 +6780,250 @@
 </file>
 
 <file path=ppt/notesSlides/notesSlide20.xml><?xml version="1.0" encoding="utf-8"?>
+<p:notes xmlns:a="http://schemas.openxmlformats.org/drawingml/2006/main" xmlns:r="http://schemas.openxmlformats.org/officeDocument/2006/relationships" xmlns:p="http://schemas.openxmlformats.org/presentationml/2006/main" showMasterSp="0" showMasterPhAnim="0">
+  <p:cSld>
+    <p:spTree>
+      <p:nvGrpSpPr>
+        <p:cNvPr id="1" name="Shape 237"/>
+        <p:cNvGrpSpPr/>
+        <p:nvPr/>
+      </p:nvGrpSpPr>
+      <p:grpSpPr>
+        <a:xfrm>
+          <a:off x="0" y="0"/>
+          <a:ext cx="0" cy="0"/>
+          <a:chOff x="0" y="0"/>
+          <a:chExt cx="0" cy="0"/>
+        </a:xfrm>
+      </p:grpSpPr>
+      <p:sp>
+        <p:nvSpPr>
+          <p:cNvPr id="238" name="Google Shape;238;p22:notes"/>
+          <p:cNvSpPr txBox="1">
+            <a:spLocks noGrp="1"/>
+          </p:cNvSpPr>
+          <p:nvPr>
+            <p:ph type="body" idx="1"/>
+          </p:nvPr>
+        </p:nvSpPr>
+        <p:spPr>
+          <a:xfrm>
+            <a:off x="755650" y="5145088"/>
+            <a:ext cx="6048375" cy="4210050"/>
+          </a:xfrm>
+          <a:prstGeom prst="rect">
+            <a:avLst/>
+          </a:prstGeom>
+          <a:noFill/>
+          <a:ln>
+            <a:noFill/>
+          </a:ln>
+        </p:spPr>
+        <p:txBody>
+          <a:bodyPr spcFirstLastPara="1" wrap="square" lIns="91425" tIns="45700" rIns="91425" bIns="45700" anchor="t" anchorCtr="0">
+            <a:noAutofit/>
+          </a:bodyPr>
+          <a:lstStyle/>
+          <a:p>
+            <a:pPr marL="0" lvl="0" indent="0" algn="l" rtl="0">
+              <a:lnSpc>
+                <a:spcPct val="100000"/>
+              </a:lnSpc>
+              <a:spcBef>
+                <a:spcPts val="0"/>
+              </a:spcBef>
+              <a:spcAft>
+                <a:spcPts val="0"/>
+              </a:spcAft>
+              <a:buSzPts val="1400"/>
+              <a:buNone/>
+            </a:pPr>
+            <a:endParaRPr/>
+          </a:p>
+        </p:txBody>
+      </p:sp>
+      <p:sp>
+        <p:nvSpPr>
+          <p:cNvPr id="239" name="Google Shape;239;p22:notes"/>
+          <p:cNvSpPr>
+            <a:spLocks noGrp="1" noRot="1" noChangeAspect="1"/>
+          </p:cNvSpPr>
+          <p:nvPr>
+            <p:ph type="sldImg" idx="2"/>
+          </p:nvPr>
+        </p:nvSpPr>
+        <p:spPr>
+          <a:xfrm>
+            <a:off x="573088" y="1336675"/>
+            <a:ext cx="6413500" cy="3608388"/>
+          </a:xfrm>
+          <a:custGeom>
+            <a:avLst/>
+            <a:gdLst/>
+            <a:ahLst/>
+            <a:cxnLst/>
+            <a:rect l="l" t="t" r="r" b="b"/>
+            <a:pathLst>
+              <a:path w="120000" h="120000" extrusionOk="0">
+                <a:moveTo>
+                  <a:pt x="0" y="0"/>
+                </a:moveTo>
+                <a:lnTo>
+                  <a:pt x="120000" y="0"/>
+                </a:lnTo>
+                <a:lnTo>
+                  <a:pt x="120000" y="120000"/>
+                </a:lnTo>
+                <a:lnTo>
+                  <a:pt x="0" y="120000"/>
+                </a:lnTo>
+                <a:close/>
+              </a:path>
+            </a:pathLst>
+          </a:custGeom>
+          <a:noFill/>
+          <a:ln w="12700" cap="flat" cmpd="sng">
+            <a:solidFill>
+              <a:srgbClr val="000000"/>
+            </a:solidFill>
+            <a:prstDash val="solid"/>
+            <a:round/>
+            <a:headEnd type="none" w="sm" len="sm"/>
+            <a:tailEnd type="none" w="sm" len="sm"/>
+          </a:ln>
+        </p:spPr>
+      </p:sp>
+    </p:spTree>
+  </p:cSld>
+  <p:clrMapOvr>
+    <a:masterClrMapping/>
+  </p:clrMapOvr>
+</p:notes>
+</file>
+
+<file path=ppt/notesSlides/notesSlide21.xml><?xml version="1.0" encoding="utf-8"?>
+<p:notes xmlns:a="http://schemas.openxmlformats.org/drawingml/2006/main" xmlns:r="http://schemas.openxmlformats.org/officeDocument/2006/relationships" xmlns:p="http://schemas.openxmlformats.org/presentationml/2006/main" showMasterSp="0" showMasterPhAnim="0">
+  <p:cSld>
+    <p:spTree>
+      <p:nvGrpSpPr>
+        <p:cNvPr id="1" name="Shape 243"/>
+        <p:cNvGrpSpPr/>
+        <p:nvPr/>
+      </p:nvGrpSpPr>
+      <p:grpSpPr>
+        <a:xfrm>
+          <a:off x="0" y="0"/>
+          <a:ext cx="0" cy="0"/>
+          <a:chOff x="0" y="0"/>
+          <a:chExt cx="0" cy="0"/>
+        </a:xfrm>
+      </p:grpSpPr>
+      <p:sp>
+        <p:nvSpPr>
+          <p:cNvPr id="244" name="Google Shape;244;p23:notes"/>
+          <p:cNvSpPr txBox="1">
+            <a:spLocks noGrp="1"/>
+          </p:cNvSpPr>
+          <p:nvPr>
+            <p:ph type="body" idx="1"/>
+          </p:nvPr>
+        </p:nvSpPr>
+        <p:spPr>
+          <a:xfrm>
+            <a:off x="755650" y="5145088"/>
+            <a:ext cx="6048375" cy="4210050"/>
+          </a:xfrm>
+          <a:prstGeom prst="rect">
+            <a:avLst/>
+          </a:prstGeom>
+          <a:noFill/>
+          <a:ln>
+            <a:noFill/>
+          </a:ln>
+        </p:spPr>
+        <p:txBody>
+          <a:bodyPr spcFirstLastPara="1" wrap="square" lIns="91425" tIns="45700" rIns="91425" bIns="45700" anchor="t" anchorCtr="0">
+            <a:noAutofit/>
+          </a:bodyPr>
+          <a:lstStyle/>
+          <a:p>
+            <a:pPr marL="0" lvl="0" indent="0" algn="l" rtl="0">
+              <a:lnSpc>
+                <a:spcPct val="100000"/>
+              </a:lnSpc>
+              <a:spcBef>
+                <a:spcPts val="0"/>
+              </a:spcBef>
+              <a:spcAft>
+                <a:spcPts val="0"/>
+              </a:spcAft>
+              <a:buSzPts val="1400"/>
+              <a:buNone/>
+            </a:pPr>
+            <a:endParaRPr/>
+          </a:p>
+        </p:txBody>
+      </p:sp>
+      <p:sp>
+        <p:nvSpPr>
+          <p:cNvPr id="245" name="Google Shape;245;p23:notes"/>
+          <p:cNvSpPr>
+            <a:spLocks noGrp="1" noRot="1" noChangeAspect="1"/>
+          </p:cNvSpPr>
+          <p:nvPr>
+            <p:ph type="sldImg" idx="2"/>
+          </p:nvPr>
+        </p:nvSpPr>
+        <p:spPr>
+          <a:xfrm>
+            <a:off x="573088" y="1336675"/>
+            <a:ext cx="6413500" cy="3608388"/>
+          </a:xfrm>
+          <a:custGeom>
+            <a:avLst/>
+            <a:gdLst/>
+            <a:ahLst/>
+            <a:cxnLst/>
+            <a:rect l="l" t="t" r="r" b="b"/>
+            <a:pathLst>
+              <a:path w="120000" h="120000" extrusionOk="0">
+                <a:moveTo>
+                  <a:pt x="0" y="0"/>
+                </a:moveTo>
+                <a:lnTo>
+                  <a:pt x="120000" y="0"/>
+                </a:lnTo>
+                <a:lnTo>
+                  <a:pt x="120000" y="120000"/>
+                </a:lnTo>
+                <a:lnTo>
+                  <a:pt x="0" y="120000"/>
+                </a:lnTo>
+                <a:close/>
+              </a:path>
+            </a:pathLst>
+          </a:custGeom>
+          <a:noFill/>
+          <a:ln w="12700" cap="flat" cmpd="sng">
+            <a:solidFill>
+              <a:srgbClr val="000000"/>
+            </a:solidFill>
+            <a:prstDash val="solid"/>
+            <a:round/>
+            <a:headEnd type="none" w="sm" len="sm"/>
+            <a:tailEnd type="none" w="sm" len="sm"/>
+          </a:ln>
+        </p:spPr>
+      </p:sp>
+    </p:spTree>
+  </p:cSld>
+  <p:clrMapOvr>
+    <a:masterClrMapping/>
+  </p:clrMapOvr>
+</p:notes>
+</file>
+
+<file path=ppt/notesSlides/notesSlide22.xml><?xml version="1.0" encoding="utf-8"?>
 <p:notes xmlns:a="http://schemas.openxmlformats.org/drawingml/2006/main" xmlns:r="http://schemas.openxmlformats.org/officeDocument/2006/relationships" xmlns:p="http://schemas.openxmlformats.org/presentationml/2006/main" showMasterSp="0" showMasterPhAnim="0">
   <p:cSld>
     <p:spTree>
@@ -6896,7 +7145,7 @@
 </p:notes>
 </file>
 
-<file path=ppt/notesSlides/notesSlide21.xml><?xml version="1.0" encoding="utf-8"?>
+<file path=ppt/notesSlides/notesSlide23.xml><?xml version="1.0" encoding="utf-8"?>
 <p:notes xmlns:a="http://schemas.openxmlformats.org/drawingml/2006/main" xmlns:r="http://schemas.openxmlformats.org/officeDocument/2006/relationships" xmlns:p="http://schemas.openxmlformats.org/presentationml/2006/main" showMasterSp="0" showMasterPhAnim="0">
   <p:cSld>
     <p:spTree>
@@ -7018,7 +7267,7 @@
 </p:notes>
 </file>
 
-<file path=ppt/notesSlides/notesSlide22.xml><?xml version="1.0" encoding="utf-8"?>
+<file path=ppt/notesSlides/notesSlide24.xml><?xml version="1.0" encoding="utf-8"?>
 <p:notes xmlns:a="http://schemas.openxmlformats.org/drawingml/2006/main" xmlns:r="http://schemas.openxmlformats.org/officeDocument/2006/relationships" xmlns:p="http://schemas.openxmlformats.org/presentationml/2006/main" showMasterSp="0" showMasterPhAnim="0">
   <p:cSld>
     <p:spTree>
@@ -7140,7 +7389,7 @@
 </p:notes>
 </file>
 
-<file path=ppt/notesSlides/notesSlide23.xml><?xml version="1.0" encoding="utf-8"?>
+<file path=ppt/notesSlides/notesSlide25.xml><?xml version="1.0" encoding="utf-8"?>
 <p:notes xmlns:a="http://schemas.openxmlformats.org/drawingml/2006/main" xmlns:r="http://schemas.openxmlformats.org/officeDocument/2006/relationships" xmlns:p="http://schemas.openxmlformats.org/presentationml/2006/main" showMasterSp="0" showMasterPhAnim="0">
   <p:cSld>
     <p:spTree>
@@ -7262,7 +7511,7 @@
 </p:notes>
 </file>
 
-<file path=ppt/notesSlides/notesSlide24.xml><?xml version="1.0" encoding="utf-8"?>
+<file path=ppt/notesSlides/notesSlide26.xml><?xml version="1.0" encoding="utf-8"?>
 <p:notes xmlns:a="http://schemas.openxmlformats.org/drawingml/2006/main" xmlns:r="http://schemas.openxmlformats.org/officeDocument/2006/relationships" xmlns:p="http://schemas.openxmlformats.org/presentationml/2006/main" showMasterSp="0" showMasterPhAnim="0">
   <p:cSld>
     <p:spTree>
@@ -7328,250 +7577,6 @@
       <p:sp>
         <p:nvSpPr>
           <p:cNvPr id="283" name="Google Shape;283;p28:notes"/>
-          <p:cNvSpPr>
-            <a:spLocks noGrp="1" noRot="1" noChangeAspect="1"/>
-          </p:cNvSpPr>
-          <p:nvPr>
-            <p:ph type="sldImg" idx="2"/>
-          </p:nvPr>
-        </p:nvSpPr>
-        <p:spPr>
-          <a:xfrm>
-            <a:off x="573088" y="1336675"/>
-            <a:ext cx="6413500" cy="3608388"/>
-          </a:xfrm>
-          <a:custGeom>
-            <a:avLst/>
-            <a:gdLst/>
-            <a:ahLst/>
-            <a:cxnLst/>
-            <a:rect l="l" t="t" r="r" b="b"/>
-            <a:pathLst>
-              <a:path w="120000" h="120000" extrusionOk="0">
-                <a:moveTo>
-                  <a:pt x="0" y="0"/>
-                </a:moveTo>
-                <a:lnTo>
-                  <a:pt x="120000" y="0"/>
-                </a:lnTo>
-                <a:lnTo>
-                  <a:pt x="120000" y="120000"/>
-                </a:lnTo>
-                <a:lnTo>
-                  <a:pt x="0" y="120000"/>
-                </a:lnTo>
-                <a:close/>
-              </a:path>
-            </a:pathLst>
-          </a:custGeom>
-          <a:noFill/>
-          <a:ln w="12700" cap="flat" cmpd="sng">
-            <a:solidFill>
-              <a:srgbClr val="000000"/>
-            </a:solidFill>
-            <a:prstDash val="solid"/>
-            <a:round/>
-            <a:headEnd type="none" w="sm" len="sm"/>
-            <a:tailEnd type="none" w="sm" len="sm"/>
-          </a:ln>
-        </p:spPr>
-      </p:sp>
-    </p:spTree>
-  </p:cSld>
-  <p:clrMapOvr>
-    <a:masterClrMapping/>
-  </p:clrMapOvr>
-</p:notes>
-</file>
-
-<file path=ppt/notesSlides/notesSlide25.xml><?xml version="1.0" encoding="utf-8"?>
-<p:notes xmlns:a="http://schemas.openxmlformats.org/drawingml/2006/main" xmlns:r="http://schemas.openxmlformats.org/officeDocument/2006/relationships" xmlns:p="http://schemas.openxmlformats.org/presentationml/2006/main" showMasterSp="0" showMasterPhAnim="0">
-  <p:cSld>
-    <p:spTree>
-      <p:nvGrpSpPr>
-        <p:cNvPr id="1" name="Shape 291"/>
-        <p:cNvGrpSpPr/>
-        <p:nvPr/>
-      </p:nvGrpSpPr>
-      <p:grpSpPr>
-        <a:xfrm>
-          <a:off x="0" y="0"/>
-          <a:ext cx="0" cy="0"/>
-          <a:chOff x="0" y="0"/>
-          <a:chExt cx="0" cy="0"/>
-        </a:xfrm>
-      </p:grpSpPr>
-      <p:sp>
-        <p:nvSpPr>
-          <p:cNvPr id="292" name="Google Shape;292;p29:notes"/>
-          <p:cNvSpPr txBox="1">
-            <a:spLocks noGrp="1"/>
-          </p:cNvSpPr>
-          <p:nvPr>
-            <p:ph type="body" idx="1"/>
-          </p:nvPr>
-        </p:nvSpPr>
-        <p:spPr>
-          <a:xfrm>
-            <a:off x="755650" y="5145088"/>
-            <a:ext cx="6048375" cy="4210050"/>
-          </a:xfrm>
-          <a:prstGeom prst="rect">
-            <a:avLst/>
-          </a:prstGeom>
-          <a:noFill/>
-          <a:ln>
-            <a:noFill/>
-          </a:ln>
-        </p:spPr>
-        <p:txBody>
-          <a:bodyPr spcFirstLastPara="1" wrap="square" lIns="91425" tIns="45700" rIns="91425" bIns="45700" anchor="t" anchorCtr="0">
-            <a:noAutofit/>
-          </a:bodyPr>
-          <a:lstStyle/>
-          <a:p>
-            <a:pPr marL="0" lvl="0" indent="0" algn="l" rtl="0">
-              <a:lnSpc>
-                <a:spcPct val="100000"/>
-              </a:lnSpc>
-              <a:spcBef>
-                <a:spcPts val="0"/>
-              </a:spcBef>
-              <a:spcAft>
-                <a:spcPts val="0"/>
-              </a:spcAft>
-              <a:buSzPts val="1400"/>
-              <a:buNone/>
-            </a:pPr>
-            <a:endParaRPr/>
-          </a:p>
-        </p:txBody>
-      </p:sp>
-      <p:sp>
-        <p:nvSpPr>
-          <p:cNvPr id="293" name="Google Shape;293;p29:notes"/>
-          <p:cNvSpPr>
-            <a:spLocks noGrp="1" noRot="1" noChangeAspect="1"/>
-          </p:cNvSpPr>
-          <p:nvPr>
-            <p:ph type="sldImg" idx="2"/>
-          </p:nvPr>
-        </p:nvSpPr>
-        <p:spPr>
-          <a:xfrm>
-            <a:off x="573088" y="1336675"/>
-            <a:ext cx="6413500" cy="3608388"/>
-          </a:xfrm>
-          <a:custGeom>
-            <a:avLst/>
-            <a:gdLst/>
-            <a:ahLst/>
-            <a:cxnLst/>
-            <a:rect l="l" t="t" r="r" b="b"/>
-            <a:pathLst>
-              <a:path w="120000" h="120000" extrusionOk="0">
-                <a:moveTo>
-                  <a:pt x="0" y="0"/>
-                </a:moveTo>
-                <a:lnTo>
-                  <a:pt x="120000" y="0"/>
-                </a:lnTo>
-                <a:lnTo>
-                  <a:pt x="120000" y="120000"/>
-                </a:lnTo>
-                <a:lnTo>
-                  <a:pt x="0" y="120000"/>
-                </a:lnTo>
-                <a:close/>
-              </a:path>
-            </a:pathLst>
-          </a:custGeom>
-          <a:noFill/>
-          <a:ln w="12700" cap="flat" cmpd="sng">
-            <a:solidFill>
-              <a:srgbClr val="000000"/>
-            </a:solidFill>
-            <a:prstDash val="solid"/>
-            <a:round/>
-            <a:headEnd type="none" w="sm" len="sm"/>
-            <a:tailEnd type="none" w="sm" len="sm"/>
-          </a:ln>
-        </p:spPr>
-      </p:sp>
-    </p:spTree>
-  </p:cSld>
-  <p:clrMapOvr>
-    <a:masterClrMapping/>
-  </p:clrMapOvr>
-</p:notes>
-</file>
-
-<file path=ppt/notesSlides/notesSlide26.xml><?xml version="1.0" encoding="utf-8"?>
-<p:notes xmlns:a="http://schemas.openxmlformats.org/drawingml/2006/main" xmlns:r="http://schemas.openxmlformats.org/officeDocument/2006/relationships" xmlns:p="http://schemas.openxmlformats.org/presentationml/2006/main" showMasterSp="0" showMasterPhAnim="0">
-  <p:cSld>
-    <p:spTree>
-      <p:nvGrpSpPr>
-        <p:cNvPr id="1" name="Shape 303"/>
-        <p:cNvGrpSpPr/>
-        <p:nvPr/>
-      </p:nvGrpSpPr>
-      <p:grpSpPr>
-        <a:xfrm>
-          <a:off x="0" y="0"/>
-          <a:ext cx="0" cy="0"/>
-          <a:chOff x="0" y="0"/>
-          <a:chExt cx="0" cy="0"/>
-        </a:xfrm>
-      </p:grpSpPr>
-      <p:sp>
-        <p:nvSpPr>
-          <p:cNvPr id="304" name="Google Shape;304;p30:notes"/>
-          <p:cNvSpPr txBox="1">
-            <a:spLocks noGrp="1"/>
-          </p:cNvSpPr>
-          <p:nvPr>
-            <p:ph type="body" idx="1"/>
-          </p:nvPr>
-        </p:nvSpPr>
-        <p:spPr>
-          <a:xfrm>
-            <a:off x="755650" y="5145088"/>
-            <a:ext cx="6048375" cy="4210050"/>
-          </a:xfrm>
-          <a:prstGeom prst="rect">
-            <a:avLst/>
-          </a:prstGeom>
-          <a:noFill/>
-          <a:ln>
-            <a:noFill/>
-          </a:ln>
-        </p:spPr>
-        <p:txBody>
-          <a:bodyPr spcFirstLastPara="1" wrap="square" lIns="91425" tIns="45700" rIns="91425" bIns="45700" anchor="t" anchorCtr="0">
-            <a:noAutofit/>
-          </a:bodyPr>
-          <a:lstStyle/>
-          <a:p>
-            <a:pPr marL="0" lvl="0" indent="0" algn="l" rtl="0">
-              <a:lnSpc>
-                <a:spcPct val="100000"/>
-              </a:lnSpc>
-              <a:spcBef>
-                <a:spcPts val="0"/>
-              </a:spcBef>
-              <a:spcAft>
-                <a:spcPts val="0"/>
-              </a:spcAft>
-              <a:buSzPts val="1400"/>
-              <a:buNone/>
-            </a:pPr>
-            <a:endParaRPr/>
-          </a:p>
-        </p:txBody>
-      </p:sp>
-      <p:sp>
-        <p:nvSpPr>
-          <p:cNvPr id="305" name="Google Shape;305;p30:notes"/>
           <p:cNvSpPr>
             <a:spLocks noGrp="1" noRot="1" noChangeAspect="1"/>
           </p:cNvSpPr>
@@ -7743,6 +7748,250 @@
         </p:spPr>
       </p:sp>
     </p:spTree>
+  </p:cSld>
+  <p:clrMapOvr>
+    <a:masterClrMapping/>
+  </p:clrMapOvr>
+</p:notes>
+</file>
+
+<file path=ppt/notesSlides/notesSlide28.xml><?xml version="1.0" encoding="utf-8"?>
+<p:notes xmlns:a="http://schemas.openxmlformats.org/drawingml/2006/main" xmlns:r="http://schemas.openxmlformats.org/officeDocument/2006/relationships" xmlns:p="http://schemas.openxmlformats.org/presentationml/2006/main" showMasterSp="0" showMasterPhAnim="0">
+  <p:cSld>
+    <p:spTree>
+      <p:nvGrpSpPr>
+        <p:cNvPr id="1" name="Shape 303"/>
+        <p:cNvGrpSpPr/>
+        <p:nvPr/>
+      </p:nvGrpSpPr>
+      <p:grpSpPr>
+        <a:xfrm>
+          <a:off x="0" y="0"/>
+          <a:ext cx="0" cy="0"/>
+          <a:chOff x="0" y="0"/>
+          <a:chExt cx="0" cy="0"/>
+        </a:xfrm>
+      </p:grpSpPr>
+      <p:sp>
+        <p:nvSpPr>
+          <p:cNvPr id="304" name="Google Shape;304;p30:notes"/>
+          <p:cNvSpPr txBox="1">
+            <a:spLocks noGrp="1"/>
+          </p:cNvSpPr>
+          <p:nvPr>
+            <p:ph type="body" idx="1"/>
+          </p:nvPr>
+        </p:nvSpPr>
+        <p:spPr>
+          <a:xfrm>
+            <a:off x="755650" y="5145088"/>
+            <a:ext cx="6048375" cy="4210050"/>
+          </a:xfrm>
+          <a:prstGeom prst="rect">
+            <a:avLst/>
+          </a:prstGeom>
+          <a:noFill/>
+          <a:ln>
+            <a:noFill/>
+          </a:ln>
+        </p:spPr>
+        <p:txBody>
+          <a:bodyPr spcFirstLastPara="1" wrap="square" lIns="91425" tIns="45700" rIns="91425" bIns="45700" anchor="t" anchorCtr="0">
+            <a:noAutofit/>
+          </a:bodyPr>
+          <a:lstStyle/>
+          <a:p>
+            <a:pPr marL="0" lvl="0" indent="0" algn="l" rtl="0">
+              <a:lnSpc>
+                <a:spcPct val="100000"/>
+              </a:lnSpc>
+              <a:spcBef>
+                <a:spcPts val="0"/>
+              </a:spcBef>
+              <a:spcAft>
+                <a:spcPts val="0"/>
+              </a:spcAft>
+              <a:buSzPts val="1400"/>
+              <a:buNone/>
+            </a:pPr>
+            <a:endParaRPr/>
+          </a:p>
+        </p:txBody>
+      </p:sp>
+      <p:sp>
+        <p:nvSpPr>
+          <p:cNvPr id="305" name="Google Shape;305;p30:notes"/>
+          <p:cNvSpPr>
+            <a:spLocks noGrp="1" noRot="1" noChangeAspect="1"/>
+          </p:cNvSpPr>
+          <p:nvPr>
+            <p:ph type="sldImg" idx="2"/>
+          </p:nvPr>
+        </p:nvSpPr>
+        <p:spPr>
+          <a:xfrm>
+            <a:off x="573088" y="1336675"/>
+            <a:ext cx="6413500" cy="3608388"/>
+          </a:xfrm>
+          <a:custGeom>
+            <a:avLst/>
+            <a:gdLst/>
+            <a:ahLst/>
+            <a:cxnLst/>
+            <a:rect l="l" t="t" r="r" b="b"/>
+            <a:pathLst>
+              <a:path w="120000" h="120000" extrusionOk="0">
+                <a:moveTo>
+                  <a:pt x="0" y="0"/>
+                </a:moveTo>
+                <a:lnTo>
+                  <a:pt x="120000" y="0"/>
+                </a:lnTo>
+                <a:lnTo>
+                  <a:pt x="120000" y="120000"/>
+                </a:lnTo>
+                <a:lnTo>
+                  <a:pt x="0" y="120000"/>
+                </a:lnTo>
+                <a:close/>
+              </a:path>
+            </a:pathLst>
+          </a:custGeom>
+          <a:noFill/>
+          <a:ln w="12700" cap="flat" cmpd="sng">
+            <a:solidFill>
+              <a:srgbClr val="000000"/>
+            </a:solidFill>
+            <a:prstDash val="solid"/>
+            <a:round/>
+            <a:headEnd type="none" w="sm" len="sm"/>
+            <a:tailEnd type="none" w="sm" len="sm"/>
+          </a:ln>
+        </p:spPr>
+      </p:sp>
+    </p:spTree>
+  </p:cSld>
+  <p:clrMapOvr>
+    <a:masterClrMapping/>
+  </p:clrMapOvr>
+</p:notes>
+</file>
+
+<file path=ppt/notesSlides/notesSlide29.xml><?xml version="1.0" encoding="utf-8"?>
+<p:notes xmlns:a="http://schemas.openxmlformats.org/drawingml/2006/main" xmlns:r="http://schemas.openxmlformats.org/officeDocument/2006/relationships" xmlns:p="http://schemas.openxmlformats.org/presentationml/2006/main" showMasterSp="0" showMasterPhAnim="0">
+  <p:cSld>
+    <p:spTree>
+      <p:nvGrpSpPr>
+        <p:cNvPr id="1" name="Shape 291"/>
+        <p:cNvGrpSpPr/>
+        <p:nvPr/>
+      </p:nvGrpSpPr>
+      <p:grpSpPr>
+        <a:xfrm>
+          <a:off x="0" y="0"/>
+          <a:ext cx="0" cy="0"/>
+          <a:chOff x="0" y="0"/>
+          <a:chExt cx="0" cy="0"/>
+        </a:xfrm>
+      </p:grpSpPr>
+      <p:sp>
+        <p:nvSpPr>
+          <p:cNvPr id="292" name="Google Shape;292;p29:notes"/>
+          <p:cNvSpPr txBox="1">
+            <a:spLocks noGrp="1"/>
+          </p:cNvSpPr>
+          <p:nvPr>
+            <p:ph type="body" idx="1"/>
+          </p:nvPr>
+        </p:nvSpPr>
+        <p:spPr>
+          <a:xfrm>
+            <a:off x="755650" y="5145088"/>
+            <a:ext cx="6048375" cy="4210050"/>
+          </a:xfrm>
+          <a:prstGeom prst="rect">
+            <a:avLst/>
+          </a:prstGeom>
+          <a:noFill/>
+          <a:ln>
+            <a:noFill/>
+          </a:ln>
+        </p:spPr>
+        <p:txBody>
+          <a:bodyPr spcFirstLastPara="1" wrap="square" lIns="91425" tIns="45700" rIns="91425" bIns="45700" anchor="t" anchorCtr="0">
+            <a:noAutofit/>
+          </a:bodyPr>
+          <a:lstStyle/>
+          <a:p>
+            <a:pPr marL="0" lvl="0" indent="0" algn="l" rtl="0">
+              <a:lnSpc>
+                <a:spcPct val="100000"/>
+              </a:lnSpc>
+              <a:spcBef>
+                <a:spcPts val="0"/>
+              </a:spcBef>
+              <a:spcAft>
+                <a:spcPts val="0"/>
+              </a:spcAft>
+              <a:buSzPts val="1400"/>
+              <a:buNone/>
+            </a:pPr>
+            <a:endParaRPr/>
+          </a:p>
+        </p:txBody>
+      </p:sp>
+      <p:sp>
+        <p:nvSpPr>
+          <p:cNvPr id="293" name="Google Shape;293;p29:notes"/>
+          <p:cNvSpPr>
+            <a:spLocks noGrp="1" noRot="1" noChangeAspect="1"/>
+          </p:cNvSpPr>
+          <p:nvPr>
+            <p:ph type="sldImg" idx="2"/>
+          </p:nvPr>
+        </p:nvSpPr>
+        <p:spPr>
+          <a:xfrm>
+            <a:off x="573088" y="1336675"/>
+            <a:ext cx="6413500" cy="3608388"/>
+          </a:xfrm>
+          <a:custGeom>
+            <a:avLst/>
+            <a:gdLst/>
+            <a:ahLst/>
+            <a:cxnLst/>
+            <a:rect l="l" t="t" r="r" b="b"/>
+            <a:pathLst>
+              <a:path w="120000" h="120000" extrusionOk="0">
+                <a:moveTo>
+                  <a:pt x="0" y="0"/>
+                </a:moveTo>
+                <a:lnTo>
+                  <a:pt x="120000" y="0"/>
+                </a:lnTo>
+                <a:lnTo>
+                  <a:pt x="120000" y="120000"/>
+                </a:lnTo>
+                <a:lnTo>
+                  <a:pt x="0" y="120000"/>
+                </a:lnTo>
+                <a:close/>
+              </a:path>
+            </a:pathLst>
+          </a:custGeom>
+          <a:noFill/>
+          <a:ln w="12700" cap="flat" cmpd="sng">
+            <a:solidFill>
+              <a:srgbClr val="000000"/>
+            </a:solidFill>
+            <a:prstDash val="solid"/>
+            <a:round/>
+            <a:headEnd type="none" w="sm" len="sm"/>
+            <a:tailEnd type="none" w="sm" len="sm"/>
+          </a:ln>
+        </p:spPr>
+      </p:sp>
+    </p:spTree>
     <p:extLst>
       <p:ext uri="{BB962C8B-B14F-4D97-AF65-F5344CB8AC3E}">
         <p14:creationId xmlns:p14="http://schemas.microsoft.com/office/powerpoint/2010/main" val="717946896"/>
@@ -7755,7 +8004,129 @@
 </p:notes>
 </file>
 
-<file path=ppt/notesSlides/notesSlide28.xml><?xml version="1.0" encoding="utf-8"?>
+<file path=ppt/notesSlides/notesSlide3.xml><?xml version="1.0" encoding="utf-8"?>
+<p:notes xmlns:a="http://schemas.openxmlformats.org/drawingml/2006/main" xmlns:r="http://schemas.openxmlformats.org/officeDocument/2006/relationships" xmlns:p="http://schemas.openxmlformats.org/presentationml/2006/main" showMasterSp="0" showMasterPhAnim="0">
+  <p:cSld>
+    <p:spTree>
+      <p:nvGrpSpPr>
+        <p:cNvPr id="1" name="Shape 104"/>
+        <p:cNvGrpSpPr/>
+        <p:nvPr/>
+      </p:nvGrpSpPr>
+      <p:grpSpPr>
+        <a:xfrm>
+          <a:off x="0" y="0"/>
+          <a:ext cx="0" cy="0"/>
+          <a:chOff x="0" y="0"/>
+          <a:chExt cx="0" cy="0"/>
+        </a:xfrm>
+      </p:grpSpPr>
+      <p:sp>
+        <p:nvSpPr>
+          <p:cNvPr id="105" name="Google Shape;105;p4:notes"/>
+          <p:cNvSpPr txBox="1">
+            <a:spLocks noGrp="1"/>
+          </p:cNvSpPr>
+          <p:nvPr>
+            <p:ph type="body" idx="1"/>
+          </p:nvPr>
+        </p:nvSpPr>
+        <p:spPr>
+          <a:xfrm>
+            <a:off x="755650" y="5145088"/>
+            <a:ext cx="6048375" cy="4210050"/>
+          </a:xfrm>
+          <a:prstGeom prst="rect">
+            <a:avLst/>
+          </a:prstGeom>
+          <a:noFill/>
+          <a:ln>
+            <a:noFill/>
+          </a:ln>
+        </p:spPr>
+        <p:txBody>
+          <a:bodyPr spcFirstLastPara="1" wrap="square" lIns="91425" tIns="45700" rIns="91425" bIns="45700" anchor="t" anchorCtr="0">
+            <a:noAutofit/>
+          </a:bodyPr>
+          <a:lstStyle/>
+          <a:p>
+            <a:pPr marL="0" lvl="0" indent="0" algn="l" rtl="0">
+              <a:lnSpc>
+                <a:spcPct val="100000"/>
+              </a:lnSpc>
+              <a:spcBef>
+                <a:spcPts val="0"/>
+              </a:spcBef>
+              <a:spcAft>
+                <a:spcPts val="0"/>
+              </a:spcAft>
+              <a:buSzPts val="1400"/>
+              <a:buNone/>
+            </a:pPr>
+            <a:endParaRPr/>
+          </a:p>
+        </p:txBody>
+      </p:sp>
+      <p:sp>
+        <p:nvSpPr>
+          <p:cNvPr id="106" name="Google Shape;106;p4:notes"/>
+          <p:cNvSpPr>
+            <a:spLocks noGrp="1" noRot="1" noChangeAspect="1"/>
+          </p:cNvSpPr>
+          <p:nvPr>
+            <p:ph type="sldImg" idx="2"/>
+          </p:nvPr>
+        </p:nvSpPr>
+        <p:spPr>
+          <a:xfrm>
+            <a:off x="573088" y="1336675"/>
+            <a:ext cx="6413500" cy="3608388"/>
+          </a:xfrm>
+          <a:custGeom>
+            <a:avLst/>
+            <a:gdLst/>
+            <a:ahLst/>
+            <a:cxnLst/>
+            <a:rect l="l" t="t" r="r" b="b"/>
+            <a:pathLst>
+              <a:path w="120000" h="120000" extrusionOk="0">
+                <a:moveTo>
+                  <a:pt x="0" y="0"/>
+                </a:moveTo>
+                <a:lnTo>
+                  <a:pt x="120000" y="0"/>
+                </a:lnTo>
+                <a:lnTo>
+                  <a:pt x="120000" y="120000"/>
+                </a:lnTo>
+                <a:lnTo>
+                  <a:pt x="0" y="120000"/>
+                </a:lnTo>
+                <a:close/>
+              </a:path>
+            </a:pathLst>
+          </a:custGeom>
+          <a:noFill/>
+          <a:ln w="12700" cap="flat" cmpd="sng">
+            <a:solidFill>
+              <a:srgbClr val="000000"/>
+            </a:solidFill>
+            <a:prstDash val="solid"/>
+            <a:round/>
+            <a:headEnd type="none" w="sm" len="sm"/>
+            <a:tailEnd type="none" w="sm" len="sm"/>
+          </a:ln>
+        </p:spPr>
+      </p:sp>
+    </p:spTree>
+  </p:cSld>
+  <p:clrMapOvr>
+    <a:masterClrMapping/>
+  </p:clrMapOvr>
+</p:notes>
+</file>
+
+<file path=ppt/notesSlides/notesSlide30.xml><?xml version="1.0" encoding="utf-8"?>
 <p:notes xmlns:a="http://schemas.openxmlformats.org/drawingml/2006/main" xmlns:r="http://schemas.openxmlformats.org/officeDocument/2006/relationships" xmlns:p="http://schemas.openxmlformats.org/presentationml/2006/main" showMasterSp="0" showMasterPhAnim="0">
   <p:cSld>
     <p:spTree>
@@ -7882,7 +8253,7 @@
 </p:notes>
 </file>
 
-<file path=ppt/notesSlides/notesSlide29.xml><?xml version="1.0" encoding="utf-8"?>
+<file path=ppt/notesSlides/notesSlide31.xml><?xml version="1.0" encoding="utf-8"?>
 <p:notes xmlns:a="http://schemas.openxmlformats.org/drawingml/2006/main" xmlns:r="http://schemas.openxmlformats.org/officeDocument/2006/relationships" xmlns:p="http://schemas.openxmlformats.org/presentationml/2006/main" showMasterSp="0" showMasterPhAnim="0">
   <p:cSld>
     <p:spTree>
@@ -8004,12 +8375,12 @@
 </p:notes>
 </file>
 
-<file path=ppt/notesSlides/notesSlide3.xml><?xml version="1.0" encoding="utf-8"?>
+<file path=ppt/notesSlides/notesSlide4.xml><?xml version="1.0" encoding="utf-8"?>
 <p:notes xmlns:a="http://schemas.openxmlformats.org/drawingml/2006/main" xmlns:r="http://schemas.openxmlformats.org/officeDocument/2006/relationships" xmlns:p="http://schemas.openxmlformats.org/presentationml/2006/main" showMasterSp="0" showMasterPhAnim="0">
   <p:cSld>
     <p:spTree>
       <p:nvGrpSpPr>
-        <p:cNvPr id="1" name="Shape 90"/>
+        <p:cNvPr id="1" name="Shape 111"/>
         <p:cNvGrpSpPr/>
         <p:nvPr/>
       </p:nvGrpSpPr>
@@ -8023,7 +8394,7 @@
       </p:grpSpPr>
       <p:sp>
         <p:nvSpPr>
-          <p:cNvPr id="91" name="Google Shape;91;p2:notes"/>
+          <p:cNvPr id="112" name="Google Shape;112;p5:notes"/>
           <p:cNvSpPr txBox="1">
             <a:spLocks noGrp="1"/>
           </p:cNvSpPr>
@@ -8069,7 +8440,7 @@
       </p:sp>
       <p:sp>
         <p:nvSpPr>
-          <p:cNvPr id="92" name="Google Shape;92;p2:notes"/>
+          <p:cNvPr id="113" name="Google Shape;113;p5:notes"/>
           <p:cNvSpPr>
             <a:spLocks noGrp="1" noRot="1" noChangeAspect="1"/>
           </p:cNvSpPr>
@@ -8119,11 +8490,6 @@
         </p:spPr>
       </p:sp>
     </p:spTree>
-    <p:extLst>
-      <p:ext uri="{BB962C8B-B14F-4D97-AF65-F5344CB8AC3E}">
-        <p14:creationId xmlns:p14="http://schemas.microsoft.com/office/powerpoint/2010/main" val="3415444490"/>
-      </p:ext>
-    </p:extLst>
   </p:cSld>
   <p:clrMapOvr>
     <a:masterClrMapping/>
@@ -8131,7 +8497,129 @@
 </p:notes>
 </file>
 
-<file path=ppt/notesSlides/notesSlide4.xml><?xml version="1.0" encoding="utf-8"?>
+<file path=ppt/notesSlides/notesSlide5.xml><?xml version="1.0" encoding="utf-8"?>
+<p:notes xmlns:a="http://schemas.openxmlformats.org/drawingml/2006/main" xmlns:r="http://schemas.openxmlformats.org/officeDocument/2006/relationships" xmlns:p="http://schemas.openxmlformats.org/presentationml/2006/main" showMasterSp="0" showMasterPhAnim="0">
+  <p:cSld>
+    <p:spTree>
+      <p:nvGrpSpPr>
+        <p:cNvPr id="1" name="Shape 118"/>
+        <p:cNvGrpSpPr/>
+        <p:nvPr/>
+      </p:nvGrpSpPr>
+      <p:grpSpPr>
+        <a:xfrm>
+          <a:off x="0" y="0"/>
+          <a:ext cx="0" cy="0"/>
+          <a:chOff x="0" y="0"/>
+          <a:chExt cx="0" cy="0"/>
+        </a:xfrm>
+      </p:grpSpPr>
+      <p:sp>
+        <p:nvSpPr>
+          <p:cNvPr id="119" name="Google Shape;119;p6:notes"/>
+          <p:cNvSpPr txBox="1">
+            <a:spLocks noGrp="1"/>
+          </p:cNvSpPr>
+          <p:nvPr>
+            <p:ph type="body" idx="1"/>
+          </p:nvPr>
+        </p:nvSpPr>
+        <p:spPr>
+          <a:xfrm>
+            <a:off x="755650" y="5145088"/>
+            <a:ext cx="6048375" cy="4210050"/>
+          </a:xfrm>
+          <a:prstGeom prst="rect">
+            <a:avLst/>
+          </a:prstGeom>
+          <a:noFill/>
+          <a:ln>
+            <a:noFill/>
+          </a:ln>
+        </p:spPr>
+        <p:txBody>
+          <a:bodyPr spcFirstLastPara="1" wrap="square" lIns="91425" tIns="45700" rIns="91425" bIns="45700" anchor="t" anchorCtr="0">
+            <a:noAutofit/>
+          </a:bodyPr>
+          <a:lstStyle/>
+          <a:p>
+            <a:pPr marL="0" lvl="0" indent="0" algn="l" rtl="0">
+              <a:lnSpc>
+                <a:spcPct val="100000"/>
+              </a:lnSpc>
+              <a:spcBef>
+                <a:spcPts val="0"/>
+              </a:spcBef>
+              <a:spcAft>
+                <a:spcPts val="0"/>
+              </a:spcAft>
+              <a:buSzPts val="1400"/>
+              <a:buNone/>
+            </a:pPr>
+            <a:endParaRPr/>
+          </a:p>
+        </p:txBody>
+      </p:sp>
+      <p:sp>
+        <p:nvSpPr>
+          <p:cNvPr id="120" name="Google Shape;120;p6:notes"/>
+          <p:cNvSpPr>
+            <a:spLocks noGrp="1" noRot="1" noChangeAspect="1"/>
+          </p:cNvSpPr>
+          <p:nvPr>
+            <p:ph type="sldImg" idx="2"/>
+          </p:nvPr>
+        </p:nvSpPr>
+        <p:spPr>
+          <a:xfrm>
+            <a:off x="573088" y="1336675"/>
+            <a:ext cx="6413500" cy="3608388"/>
+          </a:xfrm>
+          <a:custGeom>
+            <a:avLst/>
+            <a:gdLst/>
+            <a:ahLst/>
+            <a:cxnLst/>
+            <a:rect l="l" t="t" r="r" b="b"/>
+            <a:pathLst>
+              <a:path w="120000" h="120000" extrusionOk="0">
+                <a:moveTo>
+                  <a:pt x="0" y="0"/>
+                </a:moveTo>
+                <a:lnTo>
+                  <a:pt x="120000" y="0"/>
+                </a:lnTo>
+                <a:lnTo>
+                  <a:pt x="120000" y="120000"/>
+                </a:lnTo>
+                <a:lnTo>
+                  <a:pt x="0" y="120000"/>
+                </a:lnTo>
+                <a:close/>
+              </a:path>
+            </a:pathLst>
+          </a:custGeom>
+          <a:noFill/>
+          <a:ln w="12700" cap="flat" cmpd="sng">
+            <a:solidFill>
+              <a:srgbClr val="000000"/>
+            </a:solidFill>
+            <a:prstDash val="solid"/>
+            <a:round/>
+            <a:headEnd type="none" w="sm" len="sm"/>
+            <a:tailEnd type="none" w="sm" len="sm"/>
+          </a:ln>
+        </p:spPr>
+      </p:sp>
+    </p:spTree>
+  </p:cSld>
+  <p:clrMapOvr>
+    <a:masterClrMapping/>
+  </p:clrMapOvr>
+</p:notes>
+</file>
+
+<file path=ppt/notesSlides/notesSlide6.xml><?xml version="1.0" encoding="utf-8"?>
 <p:notes xmlns:a="http://schemas.openxmlformats.org/drawingml/2006/main" xmlns:r="http://schemas.openxmlformats.org/officeDocument/2006/relationships" xmlns:p="http://schemas.openxmlformats.org/presentationml/2006/main" showMasterSp="0" showMasterPhAnim="0">
   <p:cSld>
     <p:spTree>
@@ -8253,7 +8741,7 @@
 </p:notes>
 </file>
 
-<file path=ppt/notesSlides/notesSlide5.xml><?xml version="1.0" encoding="utf-8"?>
+<file path=ppt/notesSlides/notesSlide7.xml><?xml version="1.0" encoding="utf-8"?>
 <p:notes xmlns:a="http://schemas.openxmlformats.org/drawingml/2006/main" xmlns:r="http://schemas.openxmlformats.org/officeDocument/2006/relationships" xmlns:p="http://schemas.openxmlformats.org/presentationml/2006/main" showMasterSp="0" showMasterPhAnim="0">
   <p:cSld>
     <p:spTree>
@@ -8375,7 +8863,7 @@
 </p:notes>
 </file>
 
-<file path=ppt/notesSlides/notesSlide6.xml><?xml version="1.0" encoding="utf-8"?>
+<file path=ppt/notesSlides/notesSlide8.xml><?xml version="1.0" encoding="utf-8"?>
 <p:notes xmlns:a="http://schemas.openxmlformats.org/drawingml/2006/main" xmlns:r="http://schemas.openxmlformats.org/officeDocument/2006/relationships" xmlns:p="http://schemas.openxmlformats.org/presentationml/2006/main" showMasterSp="0" showMasterPhAnim="0">
   <p:cSld>
     <p:spTree>
@@ -8497,7 +8985,7 @@
 </p:notes>
 </file>
 
-<file path=ppt/notesSlides/notesSlide7.xml><?xml version="1.0" encoding="utf-8"?>
+<file path=ppt/notesSlides/notesSlide9.xml><?xml version="1.0" encoding="utf-8"?>
 <p:notes xmlns:a="http://schemas.openxmlformats.org/drawingml/2006/main" xmlns:r="http://schemas.openxmlformats.org/officeDocument/2006/relationships" xmlns:p="http://schemas.openxmlformats.org/presentationml/2006/main" showMasterSp="0" showMasterPhAnim="0">
   <p:cSld>
     <p:spTree>
@@ -8612,255 +9100,6 @@
         </p:spPr>
       </p:sp>
     </p:spTree>
-  </p:cSld>
-  <p:clrMapOvr>
-    <a:masterClrMapping/>
-  </p:clrMapOvr>
-</p:notes>
-</file>
-
-<file path=ppt/notesSlides/notesSlide8.xml><?xml version="1.0" encoding="utf-8"?>
-<p:notes xmlns:a="http://schemas.openxmlformats.org/drawingml/2006/main" xmlns:r="http://schemas.openxmlformats.org/officeDocument/2006/relationships" xmlns:p="http://schemas.openxmlformats.org/presentationml/2006/main" showMasterSp="0" showMasterPhAnim="0">
-  <p:cSld>
-    <p:spTree>
-      <p:nvGrpSpPr>
-        <p:cNvPr id="1" name="Shape 152"/>
-        <p:cNvGrpSpPr/>
-        <p:nvPr/>
-      </p:nvGrpSpPr>
-      <p:grpSpPr>
-        <a:xfrm>
-          <a:off x="0" y="0"/>
-          <a:ext cx="0" cy="0"/>
-          <a:chOff x="0" y="0"/>
-          <a:chExt cx="0" cy="0"/>
-        </a:xfrm>
-      </p:grpSpPr>
-      <p:sp>
-        <p:nvSpPr>
-          <p:cNvPr id="153" name="Google Shape;153;p11:notes"/>
-          <p:cNvSpPr txBox="1">
-            <a:spLocks noGrp="1"/>
-          </p:cNvSpPr>
-          <p:nvPr>
-            <p:ph type="body" idx="1"/>
-          </p:nvPr>
-        </p:nvSpPr>
-        <p:spPr>
-          <a:xfrm>
-            <a:off x="755650" y="5145088"/>
-            <a:ext cx="6048375" cy="4210050"/>
-          </a:xfrm>
-          <a:prstGeom prst="rect">
-            <a:avLst/>
-          </a:prstGeom>
-          <a:noFill/>
-          <a:ln>
-            <a:noFill/>
-          </a:ln>
-        </p:spPr>
-        <p:txBody>
-          <a:bodyPr spcFirstLastPara="1" wrap="square" lIns="91425" tIns="45700" rIns="91425" bIns="45700" anchor="t" anchorCtr="0">
-            <a:noAutofit/>
-          </a:bodyPr>
-          <a:lstStyle/>
-          <a:p>
-            <a:pPr marL="0" lvl="0" indent="0" algn="l" rtl="0">
-              <a:lnSpc>
-                <a:spcPct val="100000"/>
-              </a:lnSpc>
-              <a:spcBef>
-                <a:spcPts val="0"/>
-              </a:spcBef>
-              <a:spcAft>
-                <a:spcPts val="0"/>
-              </a:spcAft>
-              <a:buSzPts val="1400"/>
-              <a:buNone/>
-            </a:pPr>
-            <a:endParaRPr/>
-          </a:p>
-        </p:txBody>
-      </p:sp>
-      <p:sp>
-        <p:nvSpPr>
-          <p:cNvPr id="154" name="Google Shape;154;p11:notes"/>
-          <p:cNvSpPr>
-            <a:spLocks noGrp="1" noRot="1" noChangeAspect="1"/>
-          </p:cNvSpPr>
-          <p:nvPr>
-            <p:ph type="sldImg" idx="2"/>
-          </p:nvPr>
-        </p:nvSpPr>
-        <p:spPr>
-          <a:xfrm>
-            <a:off x="573088" y="1336675"/>
-            <a:ext cx="6413500" cy="3608388"/>
-          </a:xfrm>
-          <a:custGeom>
-            <a:avLst/>
-            <a:gdLst/>
-            <a:ahLst/>
-            <a:cxnLst/>
-            <a:rect l="l" t="t" r="r" b="b"/>
-            <a:pathLst>
-              <a:path w="120000" h="120000" extrusionOk="0">
-                <a:moveTo>
-                  <a:pt x="0" y="0"/>
-                </a:moveTo>
-                <a:lnTo>
-                  <a:pt x="120000" y="0"/>
-                </a:lnTo>
-                <a:lnTo>
-                  <a:pt x="120000" y="120000"/>
-                </a:lnTo>
-                <a:lnTo>
-                  <a:pt x="0" y="120000"/>
-                </a:lnTo>
-                <a:close/>
-              </a:path>
-            </a:pathLst>
-          </a:custGeom>
-          <a:noFill/>
-          <a:ln w="12700" cap="flat" cmpd="sng">
-            <a:solidFill>
-              <a:srgbClr val="000000"/>
-            </a:solidFill>
-            <a:prstDash val="solid"/>
-            <a:round/>
-            <a:headEnd type="none" w="sm" len="sm"/>
-            <a:tailEnd type="none" w="sm" len="sm"/>
-          </a:ln>
-        </p:spPr>
-      </p:sp>
-    </p:spTree>
-  </p:cSld>
-  <p:clrMapOvr>
-    <a:masterClrMapping/>
-  </p:clrMapOvr>
-</p:notes>
-</file>
-
-<file path=ppt/notesSlides/notesSlide9.xml><?xml version="1.0" encoding="utf-8"?>
-<p:notes xmlns:a="http://schemas.openxmlformats.org/drawingml/2006/main" xmlns:r="http://schemas.openxmlformats.org/officeDocument/2006/relationships" xmlns:p="http://schemas.openxmlformats.org/presentationml/2006/main" showMasterSp="0" showMasterPhAnim="0">
-  <p:cSld>
-    <p:spTree>
-      <p:nvGrpSpPr>
-        <p:cNvPr id="1" name="Shape 152"/>
-        <p:cNvGrpSpPr/>
-        <p:nvPr/>
-      </p:nvGrpSpPr>
-      <p:grpSpPr>
-        <a:xfrm>
-          <a:off x="0" y="0"/>
-          <a:ext cx="0" cy="0"/>
-          <a:chOff x="0" y="0"/>
-          <a:chExt cx="0" cy="0"/>
-        </a:xfrm>
-      </p:grpSpPr>
-      <p:sp>
-        <p:nvSpPr>
-          <p:cNvPr id="153" name="Google Shape;153;p11:notes"/>
-          <p:cNvSpPr txBox="1">
-            <a:spLocks noGrp="1"/>
-          </p:cNvSpPr>
-          <p:nvPr>
-            <p:ph type="body" idx="1"/>
-          </p:nvPr>
-        </p:nvSpPr>
-        <p:spPr>
-          <a:xfrm>
-            <a:off x="755650" y="5145088"/>
-            <a:ext cx="6048375" cy="4210050"/>
-          </a:xfrm>
-          <a:prstGeom prst="rect">
-            <a:avLst/>
-          </a:prstGeom>
-          <a:noFill/>
-          <a:ln>
-            <a:noFill/>
-          </a:ln>
-        </p:spPr>
-        <p:txBody>
-          <a:bodyPr spcFirstLastPara="1" wrap="square" lIns="91425" tIns="45700" rIns="91425" bIns="45700" anchor="t" anchorCtr="0">
-            <a:noAutofit/>
-          </a:bodyPr>
-          <a:lstStyle/>
-          <a:p>
-            <a:pPr marL="0" lvl="0" indent="0" algn="l" rtl="0">
-              <a:lnSpc>
-                <a:spcPct val="100000"/>
-              </a:lnSpc>
-              <a:spcBef>
-                <a:spcPts val="0"/>
-              </a:spcBef>
-              <a:spcAft>
-                <a:spcPts val="0"/>
-              </a:spcAft>
-              <a:buSzPts val="1400"/>
-              <a:buNone/>
-            </a:pPr>
-            <a:endParaRPr/>
-          </a:p>
-        </p:txBody>
-      </p:sp>
-      <p:sp>
-        <p:nvSpPr>
-          <p:cNvPr id="154" name="Google Shape;154;p11:notes"/>
-          <p:cNvSpPr>
-            <a:spLocks noGrp="1" noRot="1" noChangeAspect="1"/>
-          </p:cNvSpPr>
-          <p:nvPr>
-            <p:ph type="sldImg" idx="2"/>
-          </p:nvPr>
-        </p:nvSpPr>
-        <p:spPr>
-          <a:xfrm>
-            <a:off x="573088" y="1336675"/>
-            <a:ext cx="6413500" cy="3608388"/>
-          </a:xfrm>
-          <a:custGeom>
-            <a:avLst/>
-            <a:gdLst/>
-            <a:ahLst/>
-            <a:cxnLst/>
-            <a:rect l="l" t="t" r="r" b="b"/>
-            <a:pathLst>
-              <a:path w="120000" h="120000" extrusionOk="0">
-                <a:moveTo>
-                  <a:pt x="0" y="0"/>
-                </a:moveTo>
-                <a:lnTo>
-                  <a:pt x="120000" y="0"/>
-                </a:lnTo>
-                <a:lnTo>
-                  <a:pt x="120000" y="120000"/>
-                </a:lnTo>
-                <a:lnTo>
-                  <a:pt x="0" y="120000"/>
-                </a:lnTo>
-                <a:close/>
-              </a:path>
-            </a:pathLst>
-          </a:custGeom>
-          <a:noFill/>
-          <a:ln w="12700" cap="flat" cmpd="sng">
-            <a:solidFill>
-              <a:srgbClr val="000000"/>
-            </a:solidFill>
-            <a:prstDash val="solid"/>
-            <a:round/>
-            <a:headEnd type="none" w="sm" len="sm"/>
-            <a:tailEnd type="none" w="sm" len="sm"/>
-          </a:ln>
-        </p:spPr>
-      </p:sp>
-    </p:spTree>
-    <p:extLst>
-      <p:ext uri="{BB962C8B-B14F-4D97-AF65-F5344CB8AC3E}">
-        <p14:creationId xmlns:p14="http://schemas.microsoft.com/office/powerpoint/2010/main" val="38297046"/>
-      </p:ext>
-    </p:extLst>
   </p:cSld>
   <p:clrMapOvr>
     <a:masterClrMapping/>
@@ -9015,7 +9254,7 @@
           <a:p>
             <a:fld id="{97289056-467B-486C-AB8E-2F3D07D01401}" type="datetimeFigureOut">
               <a:rPr lang="pt-BR" smtClean="0"/>
-              <a:t>29/10/2021</a:t>
+              <a:t>07/09/2025</a:t>
             </a:fld>
             <a:endParaRPr lang="pt-BR"/>
           </a:p>
@@ -9069,7 +9308,7 @@
           <a:p>
             <a:fld id="{64A89B65-7951-45FF-88DC-A3789C7048DA}" type="slidenum">
               <a:rPr lang="pt-BR" smtClean="0"/>
-              <a:t>‹nº›</a:t>
+              <a:t>‹#›</a:t>
             </a:fld>
             <a:endParaRPr lang="pt-BR"/>
           </a:p>
@@ -9213,7 +9452,7 @@
           <a:p>
             <a:fld id="{97289056-467B-486C-AB8E-2F3D07D01401}" type="datetimeFigureOut">
               <a:rPr lang="pt-BR" smtClean="0"/>
-              <a:t>29/10/2021</a:t>
+              <a:t>07/09/2025</a:t>
             </a:fld>
             <a:endParaRPr lang="pt-BR"/>
           </a:p>
@@ -9267,7 +9506,7 @@
           <a:p>
             <a:fld id="{64A89B65-7951-45FF-88DC-A3789C7048DA}" type="slidenum">
               <a:rPr lang="pt-BR" smtClean="0"/>
-              <a:t>‹nº›</a:t>
+              <a:t>‹#›</a:t>
             </a:fld>
             <a:endParaRPr lang="pt-BR"/>
           </a:p>
@@ -9421,7 +9660,7 @@
           <a:p>
             <a:fld id="{97289056-467B-486C-AB8E-2F3D07D01401}" type="datetimeFigureOut">
               <a:rPr lang="pt-BR" smtClean="0"/>
-              <a:t>29/10/2021</a:t>
+              <a:t>07/09/2025</a:t>
             </a:fld>
             <a:endParaRPr lang="pt-BR"/>
           </a:p>
@@ -9475,7 +9714,7 @@
           <a:p>
             <a:fld id="{64A89B65-7951-45FF-88DC-A3789C7048DA}" type="slidenum">
               <a:rPr lang="pt-BR" smtClean="0"/>
-              <a:t>‹nº›</a:t>
+              <a:t>‹#›</a:t>
             </a:fld>
             <a:endParaRPr lang="pt-BR"/>
           </a:p>
@@ -9629,7 +9868,7 @@
           <a:p>
             <a:fld id="{97289056-467B-486C-AB8E-2F3D07D01401}" type="datetimeFigureOut">
               <a:rPr lang="pt-BR" smtClean="0"/>
-              <a:t>29/10/2021</a:t>
+              <a:t>07/09/2025</a:t>
             </a:fld>
             <a:endParaRPr lang="pt-BR"/>
           </a:p>
@@ -9683,7 +9922,7 @@
           <a:p>
             <a:fld id="{64A89B65-7951-45FF-88DC-A3789C7048DA}" type="slidenum">
               <a:rPr lang="pt-BR" smtClean="0"/>
-              <a:t>‹nº›</a:t>
+              <a:t>‹#›</a:t>
             </a:fld>
             <a:endParaRPr lang="pt-BR"/>
           </a:p>
@@ -9904,7 +10143,7 @@
           <a:p>
             <a:fld id="{97289056-467B-486C-AB8E-2F3D07D01401}" type="datetimeFigureOut">
               <a:rPr lang="pt-BR" smtClean="0"/>
-              <a:t>29/10/2021</a:t>
+              <a:t>07/09/2025</a:t>
             </a:fld>
             <a:endParaRPr lang="pt-BR"/>
           </a:p>
@@ -9958,7 +10197,7 @@
           <a:p>
             <a:fld id="{64A89B65-7951-45FF-88DC-A3789C7048DA}" type="slidenum">
               <a:rPr lang="pt-BR" smtClean="0"/>
-              <a:t>‹nº›</a:t>
+              <a:t>‹#›</a:t>
             </a:fld>
             <a:endParaRPr lang="pt-BR"/>
           </a:p>
@@ -10169,7 +10408,7 @@
           <a:p>
             <a:fld id="{97289056-467B-486C-AB8E-2F3D07D01401}" type="datetimeFigureOut">
               <a:rPr lang="pt-BR" smtClean="0"/>
-              <a:t>29/10/2021</a:t>
+              <a:t>07/09/2025</a:t>
             </a:fld>
             <a:endParaRPr lang="pt-BR"/>
           </a:p>
@@ -10223,7 +10462,7 @@
           <a:p>
             <a:fld id="{64A89B65-7951-45FF-88DC-A3789C7048DA}" type="slidenum">
               <a:rPr lang="pt-BR" smtClean="0"/>
-              <a:t>‹nº›</a:t>
+              <a:t>‹#›</a:t>
             </a:fld>
             <a:endParaRPr lang="pt-BR"/>
           </a:p>
@@ -10581,7 +10820,7 @@
           <a:p>
             <a:fld id="{97289056-467B-486C-AB8E-2F3D07D01401}" type="datetimeFigureOut">
               <a:rPr lang="pt-BR" smtClean="0"/>
-              <a:t>29/10/2021</a:t>
+              <a:t>07/09/2025</a:t>
             </a:fld>
             <a:endParaRPr lang="pt-BR"/>
           </a:p>
@@ -10635,7 +10874,7 @@
           <a:p>
             <a:fld id="{64A89B65-7951-45FF-88DC-A3789C7048DA}" type="slidenum">
               <a:rPr lang="pt-BR" smtClean="0"/>
-              <a:t>‹nº›</a:t>
+              <a:t>‹#›</a:t>
             </a:fld>
             <a:endParaRPr lang="pt-BR"/>
           </a:p>
@@ -10722,7 +10961,7 @@
           <a:p>
             <a:fld id="{97289056-467B-486C-AB8E-2F3D07D01401}" type="datetimeFigureOut">
               <a:rPr lang="pt-BR" smtClean="0"/>
-              <a:t>29/10/2021</a:t>
+              <a:t>07/09/2025</a:t>
             </a:fld>
             <a:endParaRPr lang="pt-BR"/>
           </a:p>
@@ -10776,7 +11015,7 @@
           <a:p>
             <a:fld id="{64A89B65-7951-45FF-88DC-A3789C7048DA}" type="slidenum">
               <a:rPr lang="pt-BR" smtClean="0"/>
-              <a:t>‹nº›</a:t>
+              <a:t>‹#›</a:t>
             </a:fld>
             <a:endParaRPr lang="pt-BR"/>
           </a:p>
@@ -10835,7 +11074,7 @@
           <a:p>
             <a:fld id="{97289056-467B-486C-AB8E-2F3D07D01401}" type="datetimeFigureOut">
               <a:rPr lang="pt-BR" smtClean="0"/>
-              <a:t>29/10/2021</a:t>
+              <a:t>07/09/2025</a:t>
             </a:fld>
             <a:endParaRPr lang="pt-BR"/>
           </a:p>
@@ -10889,7 +11128,7 @@
           <a:p>
             <a:fld id="{64A89B65-7951-45FF-88DC-A3789C7048DA}" type="slidenum">
               <a:rPr lang="pt-BR" smtClean="0"/>
-              <a:t>‹nº›</a:t>
+              <a:t>‹#›</a:t>
             </a:fld>
             <a:endParaRPr lang="pt-BR"/>
           </a:p>
@@ -11146,7 +11385,7 @@
           <a:p>
             <a:fld id="{97289056-467B-486C-AB8E-2F3D07D01401}" type="datetimeFigureOut">
               <a:rPr lang="pt-BR" smtClean="0"/>
-              <a:t>29/10/2021</a:t>
+              <a:t>07/09/2025</a:t>
             </a:fld>
             <a:endParaRPr lang="pt-BR"/>
           </a:p>
@@ -11200,7 +11439,7 @@
           <a:p>
             <a:fld id="{64A89B65-7951-45FF-88DC-A3789C7048DA}" type="slidenum">
               <a:rPr lang="pt-BR" smtClean="0"/>
-              <a:t>‹nº›</a:t>
+              <a:t>‹#›</a:t>
             </a:fld>
             <a:endParaRPr lang="pt-BR"/>
           </a:p>
@@ -11434,7 +11673,7 @@
           <a:p>
             <a:fld id="{97289056-467B-486C-AB8E-2F3D07D01401}" type="datetimeFigureOut">
               <a:rPr lang="pt-BR" smtClean="0"/>
-              <a:t>29/10/2021</a:t>
+              <a:t>07/09/2025</a:t>
             </a:fld>
             <a:endParaRPr lang="pt-BR"/>
           </a:p>
@@ -11488,7 +11727,7 @@
           <a:p>
             <a:fld id="{64A89B65-7951-45FF-88DC-A3789C7048DA}" type="slidenum">
               <a:rPr lang="pt-BR" smtClean="0"/>
-              <a:t>‹nº›</a:t>
+              <a:t>‹#›</a:t>
             </a:fld>
             <a:endParaRPr lang="pt-BR"/>
           </a:p>
@@ -11675,7 +11914,7 @@
           <a:p>
             <a:fld id="{97289056-467B-486C-AB8E-2F3D07D01401}" type="datetimeFigureOut">
               <a:rPr lang="pt-BR" smtClean="0"/>
-              <a:t>29/10/2021</a:t>
+              <a:t>07/09/2025</a:t>
             </a:fld>
             <a:endParaRPr lang="pt-BR"/>
           </a:p>
@@ -11765,7 +12004,7 @@
           <a:p>
             <a:fld id="{64A89B65-7951-45FF-88DC-A3789C7048DA}" type="slidenum">
               <a:rPr lang="pt-BR" smtClean="0"/>
-              <a:t>‹nº›</a:t>
+              <a:t>‹#›</a:t>
             </a:fld>
             <a:endParaRPr lang="pt-BR"/>
           </a:p>
@@ -12521,6 +12760,395 @@
   <p:cSld>
     <p:spTree>
       <p:nvGrpSpPr>
+        <p:cNvPr id="1" name="Shape 155"/>
+        <p:cNvGrpSpPr/>
+        <p:nvPr/>
+      </p:nvGrpSpPr>
+      <p:grpSpPr>
+        <a:xfrm>
+          <a:off x="0" y="0"/>
+          <a:ext cx="0" cy="0"/>
+          <a:chOff x="0" y="0"/>
+          <a:chExt cx="0" cy="0"/>
+        </a:xfrm>
+      </p:grpSpPr>
+      <p:sp>
+        <p:nvSpPr>
+          <p:cNvPr id="156" name="Google Shape;156;p11"/>
+          <p:cNvSpPr txBox="1">
+            <a:spLocks noGrp="1"/>
+          </p:cNvSpPr>
+          <p:nvPr>
+            <p:ph type="title"/>
+          </p:nvPr>
+        </p:nvSpPr>
+        <p:spPr>
+          <a:xfrm>
+            <a:off x="923924" y="132556"/>
+            <a:ext cx="11591925" cy="941161"/>
+          </a:xfrm>
+          <a:prstGeom prst="rect">
+            <a:avLst/>
+          </a:prstGeom>
+          <a:noFill/>
+          <a:ln>
+            <a:noFill/>
+          </a:ln>
+        </p:spPr>
+        <p:txBody>
+          <a:bodyPr spcFirstLastPara="1" wrap="square" lIns="91425" tIns="45700" rIns="91425" bIns="45700" anchor="ctr" anchorCtr="0">
+            <a:normAutofit/>
+          </a:bodyPr>
+          <a:lstStyle/>
+          <a:p>
+            <a:pPr marL="0" lvl="0" indent="0" algn="ctr" rtl="0">
+              <a:lnSpc>
+                <a:spcPct val="90000"/>
+              </a:lnSpc>
+              <a:spcBef>
+                <a:spcPts val="0"/>
+              </a:spcBef>
+              <a:spcAft>
+                <a:spcPts val="0"/>
+              </a:spcAft>
+              <a:buClr>
+                <a:srgbClr val="2F5496"/>
+              </a:buClr>
+              <a:buSzPts val="4400"/>
+              <a:buFont typeface="Calibri"/>
+              <a:buNone/>
+            </a:pPr>
+            <a:r>
+              <a:rPr lang="en-US"/>
+              <a:t>Series</a:t>
+            </a:r>
+            <a:endParaRPr/>
+          </a:p>
+        </p:txBody>
+      </p:sp>
+      <p:sp>
+        <p:nvSpPr>
+          <p:cNvPr id="157" name="Google Shape;157;p11"/>
+          <p:cNvSpPr txBox="1">
+            <a:spLocks noGrp="1"/>
+          </p:cNvSpPr>
+          <p:nvPr>
+            <p:ph idx="1"/>
+          </p:nvPr>
+        </p:nvSpPr>
+        <p:spPr>
+          <a:xfrm>
+            <a:off x="457200" y="1249989"/>
+            <a:ext cx="12374878" cy="6174114"/>
+          </a:xfrm>
+          <a:prstGeom prst="rect">
+            <a:avLst/>
+          </a:prstGeom>
+          <a:noFill/>
+          <a:ln>
+            <a:noFill/>
+          </a:ln>
+        </p:spPr>
+        <p:txBody>
+          <a:bodyPr spcFirstLastPara="1" wrap="square" lIns="91425" tIns="45700" rIns="91425" bIns="45700" anchor="t" anchorCtr="0">
+            <a:normAutofit/>
+          </a:bodyPr>
+          <a:lstStyle/>
+          <a:p>
+            <a:pPr marL="228600" lvl="0" indent="-228600" algn="l" rtl="0">
+              <a:lnSpc>
+                <a:spcPct val="90000"/>
+              </a:lnSpc>
+              <a:spcBef>
+                <a:spcPts val="0"/>
+              </a:spcBef>
+              <a:spcAft>
+                <a:spcPts val="0"/>
+              </a:spcAft>
+              <a:buClr>
+                <a:schemeClr val="dk1"/>
+              </a:buClr>
+              <a:buSzPts val="3600"/>
+              <a:buChar char="•"/>
+            </a:pPr>
+            <a:r>
+              <a:rPr lang="en-US" dirty="0"/>
+              <a:t>Use o índice para acessar o valor</a:t>
+            </a:r>
+          </a:p>
+          <a:p>
+            <a:pPr lvl="1">
+              <a:buClr>
+                <a:srgbClr val="0206BE"/>
+              </a:buClr>
+              <a:buSzPts val="3200"/>
+            </a:pPr>
+            <a:r>
+              <a:rPr lang="pt-BR" dirty="0"/>
+              <a:t>Pode ser usada em contextos onde você usaria um dicionário</a:t>
+            </a:r>
+          </a:p>
+        </p:txBody>
+      </p:sp>
+      <p:pic>
+        <p:nvPicPr>
+          <p:cNvPr id="158" name="Google Shape;158;p11"/>
+          <p:cNvPicPr preferRelativeResize="0"/>
+          <p:nvPr/>
+        </p:nvPicPr>
+        <p:blipFill rotWithShape="1">
+          <a:blip r:embed="rId3">
+            <a:alphaModFix/>
+          </a:blip>
+          <a:srcRect/>
+          <a:stretch/>
+        </p:blipFill>
+        <p:spPr>
+          <a:xfrm>
+            <a:off x="3568976" y="2365057"/>
+            <a:ext cx="6301819" cy="5194618"/>
+          </a:xfrm>
+          <a:prstGeom prst="rect">
+            <a:avLst/>
+          </a:prstGeom>
+          <a:noFill/>
+          <a:ln>
+            <a:noFill/>
+          </a:ln>
+        </p:spPr>
+      </p:pic>
+    </p:spTree>
+  </p:cSld>
+  <p:clrMapOvr>
+    <a:masterClrMapping/>
+  </p:clrMapOvr>
+</p:sld>
+</file>
+
+<file path=ppt/slides/slide11.xml><?xml version="1.0" encoding="utf-8"?>
+<p:sld xmlns:a="http://schemas.openxmlformats.org/drawingml/2006/main" xmlns:r="http://schemas.openxmlformats.org/officeDocument/2006/relationships" xmlns:p="http://schemas.openxmlformats.org/presentationml/2006/main">
+  <p:cSld>
+    <p:spTree>
+      <p:nvGrpSpPr>
+        <p:cNvPr id="1" name="Shape 155"/>
+        <p:cNvGrpSpPr/>
+        <p:nvPr/>
+      </p:nvGrpSpPr>
+      <p:grpSpPr>
+        <a:xfrm>
+          <a:off x="0" y="0"/>
+          <a:ext cx="0" cy="0"/>
+          <a:chOff x="0" y="0"/>
+          <a:chExt cx="0" cy="0"/>
+        </a:xfrm>
+      </p:grpSpPr>
+      <p:sp>
+        <p:nvSpPr>
+          <p:cNvPr id="156" name="Google Shape;156;p11"/>
+          <p:cNvSpPr txBox="1">
+            <a:spLocks noGrp="1"/>
+          </p:cNvSpPr>
+          <p:nvPr>
+            <p:ph type="title"/>
+          </p:nvPr>
+        </p:nvSpPr>
+        <p:spPr>
+          <a:xfrm>
+            <a:off x="923924" y="132556"/>
+            <a:ext cx="11591925" cy="941161"/>
+          </a:xfrm>
+          <a:prstGeom prst="rect">
+            <a:avLst/>
+          </a:prstGeom>
+          <a:noFill/>
+          <a:ln>
+            <a:noFill/>
+          </a:ln>
+        </p:spPr>
+        <p:txBody>
+          <a:bodyPr spcFirstLastPara="1" wrap="square" lIns="91425" tIns="45700" rIns="91425" bIns="45700" anchor="ctr" anchorCtr="0">
+            <a:normAutofit/>
+          </a:bodyPr>
+          <a:lstStyle/>
+          <a:p>
+            <a:pPr marL="0" lvl="0" indent="0" algn="ctr" rtl="0">
+              <a:lnSpc>
+                <a:spcPct val="90000"/>
+              </a:lnSpc>
+              <a:spcBef>
+                <a:spcPts val="0"/>
+              </a:spcBef>
+              <a:spcAft>
+                <a:spcPts val="0"/>
+              </a:spcAft>
+              <a:buClr>
+                <a:srgbClr val="2F5496"/>
+              </a:buClr>
+              <a:buSzPts val="4400"/>
+              <a:buFont typeface="Calibri"/>
+              <a:buNone/>
+            </a:pPr>
+            <a:r>
+              <a:rPr lang="pt-BR" dirty="0"/>
+              <a:t>Verificar se um elemento pertence a uma Serie</a:t>
+            </a:r>
+            <a:endParaRPr dirty="0"/>
+          </a:p>
+        </p:txBody>
+      </p:sp>
+      <p:sp>
+        <p:nvSpPr>
+          <p:cNvPr id="157" name="Google Shape;157;p11"/>
+          <p:cNvSpPr txBox="1">
+            <a:spLocks noGrp="1"/>
+          </p:cNvSpPr>
+          <p:nvPr>
+            <p:ph idx="1"/>
+          </p:nvPr>
+        </p:nvSpPr>
+        <p:spPr>
+          <a:xfrm>
+            <a:off x="457200" y="1249989"/>
+            <a:ext cx="12374878" cy="6174114"/>
+          </a:xfrm>
+          <a:prstGeom prst="rect">
+            <a:avLst/>
+          </a:prstGeom>
+          <a:noFill/>
+          <a:ln>
+            <a:noFill/>
+          </a:ln>
+        </p:spPr>
+        <p:txBody>
+          <a:bodyPr spcFirstLastPara="1" wrap="square" lIns="91425" tIns="45700" rIns="91425" bIns="45700" anchor="t" anchorCtr="0">
+            <a:normAutofit/>
+          </a:bodyPr>
+          <a:lstStyle/>
+          <a:p>
+            <a:pPr marL="228600" lvl="0" indent="-228600" algn="l" rtl="0">
+              <a:lnSpc>
+                <a:spcPct val="90000"/>
+              </a:lnSpc>
+              <a:spcBef>
+                <a:spcPts val="0"/>
+              </a:spcBef>
+              <a:spcAft>
+                <a:spcPts val="0"/>
+              </a:spcAft>
+              <a:buClr>
+                <a:schemeClr val="dk1"/>
+              </a:buClr>
+              <a:buSzPts val="3600"/>
+              <a:buChar char="•"/>
+            </a:pPr>
+            <a:r>
+              <a:rPr lang="en-US" dirty="0" err="1"/>
+              <a:t>Usando</a:t>
+            </a:r>
+            <a:r>
+              <a:rPr lang="en-US" dirty="0"/>
+              <a:t> o keyword in </a:t>
+            </a:r>
+          </a:p>
+          <a:p>
+            <a:pPr lvl="1">
+              <a:buClr>
+                <a:srgbClr val="0206BE"/>
+              </a:buClr>
+              <a:buSzPts val="3200"/>
+            </a:pPr>
+            <a:r>
+              <a:rPr lang="pt-BR" dirty="0"/>
+              <a:t>Pode-se verificar se um elemento pertence ao </a:t>
+            </a:r>
+            <a:r>
+              <a:rPr lang="pt-BR" b="1" dirty="0"/>
+              <a:t>índice</a:t>
+            </a:r>
+            <a:r>
+              <a:rPr lang="pt-BR" dirty="0"/>
+              <a:t> de um a Serie</a:t>
+            </a:r>
+          </a:p>
+        </p:txBody>
+      </p:sp>
+      <p:pic>
+        <p:nvPicPr>
+          <p:cNvPr id="3" name="Picture 2">
+            <a:extLst>
+              <a:ext uri="{FF2B5EF4-FFF2-40B4-BE49-F238E27FC236}">
+                <a16:creationId xmlns:a16="http://schemas.microsoft.com/office/drawing/2014/main" id="{8C12C7EA-433A-44DE-80EF-87C1A37E2EB1}"/>
+              </a:ext>
+            </a:extLst>
+          </p:cNvPr>
+          <p:cNvPicPr>
+            <a:picLocks noChangeAspect="1"/>
+          </p:cNvPicPr>
+          <p:nvPr/>
+        </p:nvPicPr>
+        <p:blipFill>
+          <a:blip r:embed="rId3"/>
+          <a:stretch>
+            <a:fillRect/>
+          </a:stretch>
+        </p:blipFill>
+        <p:spPr>
+          <a:xfrm>
+            <a:off x="1218371" y="3976482"/>
+            <a:ext cx="9774554" cy="1893376"/>
+          </a:xfrm>
+          <a:prstGeom prst="rect">
+            <a:avLst/>
+          </a:prstGeom>
+        </p:spPr>
+      </p:pic>
+      <p:pic>
+        <p:nvPicPr>
+          <p:cNvPr id="4" name="Picture 3">
+            <a:extLst>
+              <a:ext uri="{FF2B5EF4-FFF2-40B4-BE49-F238E27FC236}">
+                <a16:creationId xmlns:a16="http://schemas.microsoft.com/office/drawing/2014/main" id="{C8AD8CF6-F304-4E00-88F6-329ECF87936E}"/>
+              </a:ext>
+            </a:extLst>
+          </p:cNvPr>
+          <p:cNvPicPr>
+            <a:picLocks noChangeAspect="1"/>
+          </p:cNvPicPr>
+          <p:nvPr/>
+        </p:nvPicPr>
+        <p:blipFill rotWithShape="1">
+          <a:blip r:embed="rId4"/>
+          <a:srcRect l="13490" b="82698"/>
+          <a:stretch/>
+        </p:blipFill>
+        <p:spPr>
+          <a:xfrm>
+            <a:off x="1218371" y="2603348"/>
+            <a:ext cx="9667394" cy="626548"/>
+          </a:xfrm>
+          <a:prstGeom prst="rect">
+            <a:avLst/>
+          </a:prstGeom>
+        </p:spPr>
+      </p:pic>
+    </p:spTree>
+    <p:extLst>
+      <p:ext uri="{BB962C8B-B14F-4D97-AF65-F5344CB8AC3E}">
+        <p14:creationId xmlns:p14="http://schemas.microsoft.com/office/powerpoint/2010/main" val="1611291500"/>
+      </p:ext>
+    </p:extLst>
+  </p:cSld>
+  <p:clrMapOvr>
+    <a:masterClrMapping/>
+  </p:clrMapOvr>
+</p:sld>
+</file>
+
+<file path=ppt/slides/slide12.xml><?xml version="1.0" encoding="utf-8"?>
+<p:sld xmlns:a="http://schemas.openxmlformats.org/drawingml/2006/main" xmlns:r="http://schemas.openxmlformats.org/officeDocument/2006/relationships" xmlns:p="http://schemas.openxmlformats.org/presentationml/2006/main">
+  <p:cSld>
+    <p:spTree>
+      <p:nvGrpSpPr>
         <p:cNvPr id="1" name="Shape 169"/>
         <p:cNvGrpSpPr/>
         <p:nvPr/>
@@ -12838,7 +13466,7 @@
 </p:sld>
 </file>
 
-<file path=ppt/slides/slide11.xml><?xml version="1.0" encoding="utf-8"?>
+<file path=ppt/slides/slide13.xml><?xml version="1.0" encoding="utf-8"?>
 <p:sld xmlns:a="http://schemas.openxmlformats.org/drawingml/2006/main" xmlns:r="http://schemas.openxmlformats.org/officeDocument/2006/relationships" xmlns:p="http://schemas.openxmlformats.org/presentationml/2006/main">
   <p:cSld>
     <p:spTree>
@@ -13094,7 +13722,7 @@
 </p:sld>
 </file>
 
-<file path=ppt/slides/slide12.xml><?xml version="1.0" encoding="utf-8"?>
+<file path=ppt/slides/slide14.xml><?xml version="1.0" encoding="utf-8"?>
 <p:sld xmlns:a="http://schemas.openxmlformats.org/drawingml/2006/main" xmlns:r="http://schemas.openxmlformats.org/officeDocument/2006/relationships" xmlns:p="http://schemas.openxmlformats.org/presentationml/2006/main">
   <p:cSld>
     <p:spTree>
@@ -13392,7 +14020,7 @@
 </p:sld>
 </file>
 
-<file path=ppt/slides/slide13.xml><?xml version="1.0" encoding="utf-8"?>
+<file path=ppt/slides/slide15.xml><?xml version="1.0" encoding="utf-8"?>
 <p:sld xmlns:a="http://schemas.openxmlformats.org/drawingml/2006/main" xmlns:r="http://schemas.openxmlformats.org/officeDocument/2006/relationships" xmlns:p="http://schemas.openxmlformats.org/presentationml/2006/main">
   <p:cSld>
     <p:spTree>
@@ -13665,7 +14293,7 @@
 </p:sld>
 </file>
 
-<file path=ppt/slides/slide14.xml><?xml version="1.0" encoding="utf-8"?>
+<file path=ppt/slides/slide16.xml><?xml version="1.0" encoding="utf-8"?>
 <p:sld xmlns:a="http://schemas.openxmlformats.org/drawingml/2006/main" xmlns:r="http://schemas.openxmlformats.org/officeDocument/2006/relationships" xmlns:p="http://schemas.openxmlformats.org/presentationml/2006/main">
   <p:cSld>
     <p:spTree>
@@ -14099,7 +14727,7 @@
 </p:sld>
 </file>
 
-<file path=ppt/slides/slide15.xml><?xml version="1.0" encoding="utf-8"?>
+<file path=ppt/slides/slide17.xml><?xml version="1.0" encoding="utf-8"?>
 <p:sld xmlns:a="http://schemas.openxmlformats.org/drawingml/2006/main" xmlns:r="http://schemas.openxmlformats.org/officeDocument/2006/relationships" xmlns:p="http://schemas.openxmlformats.org/presentationml/2006/main">
   <p:cSld>
     <p:spTree>
@@ -14266,7 +14894,7 @@
 </p:sld>
 </file>
 
-<file path=ppt/slides/slide16.xml><?xml version="1.0" encoding="utf-8"?>
+<file path=ppt/slides/slide18.xml><?xml version="1.0" encoding="utf-8"?>
 <p:sld xmlns:a="http://schemas.openxmlformats.org/drawingml/2006/main" xmlns:r="http://schemas.openxmlformats.org/officeDocument/2006/relationships" xmlns:p="http://schemas.openxmlformats.org/presentationml/2006/main">
   <p:cSld>
     <p:spTree>
@@ -14574,7 +15202,7 @@
 </p:sld>
 </file>
 
-<file path=ppt/slides/slide17.xml><?xml version="1.0" encoding="utf-8"?>
+<file path=ppt/slides/slide19.xml><?xml version="1.0" encoding="utf-8"?>
 <p:sld xmlns:a="http://schemas.openxmlformats.org/drawingml/2006/main" xmlns:r="http://schemas.openxmlformats.org/officeDocument/2006/relationships" xmlns:p="http://schemas.openxmlformats.org/presentationml/2006/main">
   <p:cSld>
     <p:spTree>
@@ -14776,7 +15404,182 @@
 </p:sld>
 </file>
 
-<file path=ppt/slides/slide18.xml><?xml version="1.0" encoding="utf-8"?>
+<file path=ppt/slides/slide2.xml><?xml version="1.0" encoding="utf-8"?>
+<p:sld xmlns:a="http://schemas.openxmlformats.org/drawingml/2006/main" xmlns:r="http://schemas.openxmlformats.org/officeDocument/2006/relationships" xmlns:p="http://schemas.openxmlformats.org/presentationml/2006/main">
+  <p:cSld>
+    <p:spTree>
+      <p:nvGrpSpPr>
+        <p:cNvPr id="1" name="Shape 93"/>
+        <p:cNvGrpSpPr/>
+        <p:nvPr/>
+      </p:nvGrpSpPr>
+      <p:grpSpPr>
+        <a:xfrm>
+          <a:off x="0" y="0"/>
+          <a:ext cx="0" cy="0"/>
+          <a:chOff x="0" y="0"/>
+          <a:chExt cx="0" cy="0"/>
+        </a:xfrm>
+      </p:grpSpPr>
+      <p:sp>
+        <p:nvSpPr>
+          <p:cNvPr id="94" name="Google Shape;94;p2"/>
+          <p:cNvSpPr txBox="1">
+            <a:spLocks noGrp="1"/>
+          </p:cNvSpPr>
+          <p:nvPr>
+            <p:ph type="title"/>
+          </p:nvPr>
+        </p:nvSpPr>
+        <p:spPr>
+          <a:xfrm>
+            <a:off x="923925" y="22225"/>
+            <a:ext cx="11822591" cy="1460500"/>
+          </a:xfrm>
+          <a:prstGeom prst="rect">
+            <a:avLst/>
+          </a:prstGeom>
+          <a:noFill/>
+          <a:ln>
+            <a:noFill/>
+          </a:ln>
+        </p:spPr>
+        <p:txBody>
+          <a:bodyPr spcFirstLastPara="1" wrap="square" lIns="91425" tIns="45700" rIns="91425" bIns="45700" anchor="ctr" anchorCtr="0">
+            <a:normAutofit/>
+          </a:bodyPr>
+          <a:lstStyle/>
+          <a:p>
+            <a:pPr marL="0" lvl="0" indent="0" algn="ctr" rtl="0">
+              <a:lnSpc>
+                <a:spcPct val="90000"/>
+              </a:lnSpc>
+              <a:spcBef>
+                <a:spcPts val="0"/>
+              </a:spcBef>
+              <a:spcAft>
+                <a:spcPts val="0"/>
+              </a:spcAft>
+              <a:buClr>
+                <a:srgbClr val="2F5496"/>
+              </a:buClr>
+              <a:buSzPts val="4400"/>
+              <a:buFont typeface="Calibri"/>
+              <a:buNone/>
+            </a:pPr>
+            <a:r>
+              <a:rPr lang="en-US"/>
+              <a:t>Revisão</a:t>
+            </a:r>
+            <a:endParaRPr/>
+          </a:p>
+        </p:txBody>
+      </p:sp>
+      <p:sp>
+        <p:nvSpPr>
+          <p:cNvPr id="95" name="Google Shape;95;p2"/>
+          <p:cNvSpPr txBox="1">
+            <a:spLocks noGrp="1"/>
+          </p:cNvSpPr>
+          <p:nvPr>
+            <p:ph idx="1"/>
+          </p:nvPr>
+        </p:nvSpPr>
+        <p:spPr>
+          <a:prstGeom prst="rect">
+            <a:avLst/>
+          </a:prstGeom>
+          <a:noFill/>
+          <a:ln>
+            <a:noFill/>
+          </a:ln>
+        </p:spPr>
+        <p:txBody>
+          <a:bodyPr spcFirstLastPara="1" wrap="square" lIns="91425" tIns="45700" rIns="91425" bIns="45700" anchor="t" anchorCtr="0">
+            <a:normAutofit/>
+          </a:bodyPr>
+          <a:lstStyle/>
+          <a:p>
+            <a:pPr marL="228600" lvl="0" indent="0" algn="l" rtl="0">
+              <a:lnSpc>
+                <a:spcPct val="90000"/>
+              </a:lnSpc>
+              <a:spcBef>
+                <a:spcPts val="0"/>
+              </a:spcBef>
+              <a:spcAft>
+                <a:spcPts val="0"/>
+              </a:spcAft>
+              <a:buClr>
+                <a:schemeClr val="dk1"/>
+              </a:buClr>
+              <a:buSzPts val="3600"/>
+              <a:buNone/>
+            </a:pPr>
+            <a:endParaRPr/>
+          </a:p>
+          <a:p>
+            <a:pPr marL="228600" lvl="0" indent="0" algn="l" rtl="0">
+              <a:lnSpc>
+                <a:spcPct val="90000"/>
+              </a:lnSpc>
+              <a:spcBef>
+                <a:spcPts val="1000"/>
+              </a:spcBef>
+              <a:spcAft>
+                <a:spcPts val="0"/>
+              </a:spcAft>
+              <a:buClr>
+                <a:schemeClr val="dk1"/>
+              </a:buClr>
+              <a:buSzPts val="3600"/>
+              <a:buNone/>
+            </a:pPr>
+            <a:endParaRPr/>
+          </a:p>
+        </p:txBody>
+      </p:sp>
+      <p:pic>
+        <p:nvPicPr>
+          <p:cNvPr id="96" name="Google Shape;96;p2"/>
+          <p:cNvPicPr preferRelativeResize="0"/>
+          <p:nvPr/>
+        </p:nvPicPr>
+        <p:blipFill rotWithShape="1">
+          <a:blip r:embed="rId3">
+            <a:alphaModFix/>
+          </a:blip>
+          <a:srcRect/>
+          <a:stretch/>
+        </p:blipFill>
+        <p:spPr>
+          <a:xfrm>
+            <a:off x="297453" y="1042969"/>
+            <a:ext cx="12823635" cy="6445488"/>
+          </a:xfrm>
+          <a:prstGeom prst="rect">
+            <a:avLst/>
+          </a:prstGeom>
+          <a:noFill/>
+          <a:ln>
+            <a:noFill/>
+          </a:ln>
+        </p:spPr>
+      </p:pic>
+    </p:spTree>
+    <p:extLst>
+      <p:ext uri="{BB962C8B-B14F-4D97-AF65-F5344CB8AC3E}">
+        <p14:creationId xmlns:p14="http://schemas.microsoft.com/office/powerpoint/2010/main" val="4177486262"/>
+      </p:ext>
+    </p:extLst>
+  </p:cSld>
+  <p:clrMapOvr>
+    <a:masterClrMapping/>
+  </p:clrMapOvr>
+</p:sld>
+</file>
+
+<file path=ppt/slides/slide20.xml><?xml version="1.0" encoding="utf-8"?>
 <p:sld xmlns:a="http://schemas.openxmlformats.org/drawingml/2006/main" xmlns:r="http://schemas.openxmlformats.org/officeDocument/2006/relationships" xmlns:p="http://schemas.openxmlformats.org/presentationml/2006/main">
   <p:cSld>
     <p:spTree>
@@ -14882,7 +15685,7 @@
 </p:sld>
 </file>
 
-<file path=ppt/slides/slide19.xml><?xml version="1.0" encoding="utf-8"?>
+<file path=ppt/slides/slide21.xml><?xml version="1.0" encoding="utf-8"?>
 <p:sld xmlns:a="http://schemas.openxmlformats.org/drawingml/2006/main" xmlns:r="http://schemas.openxmlformats.org/officeDocument/2006/relationships" xmlns:p="http://schemas.openxmlformats.org/presentationml/2006/main">
   <p:cSld>
     <p:spTree>
@@ -15037,386 +15840,7 @@
 </p:sld>
 </file>
 
-<file path=ppt/slides/slide2.xml><?xml version="1.0" encoding="utf-8"?>
-<p:sld xmlns:a="http://schemas.openxmlformats.org/drawingml/2006/main" xmlns:r="http://schemas.openxmlformats.org/officeDocument/2006/relationships" xmlns:p="http://schemas.openxmlformats.org/presentationml/2006/main">
-  <p:cSld>
-    <p:spTree>
-      <p:nvGrpSpPr>
-        <p:cNvPr id="1" name="Shape 93"/>
-        <p:cNvGrpSpPr/>
-        <p:nvPr/>
-      </p:nvGrpSpPr>
-      <p:grpSpPr>
-        <a:xfrm>
-          <a:off x="0" y="0"/>
-          <a:ext cx="0" cy="0"/>
-          <a:chOff x="0" y="0"/>
-          <a:chExt cx="0" cy="0"/>
-        </a:xfrm>
-      </p:grpSpPr>
-      <p:sp>
-        <p:nvSpPr>
-          <p:cNvPr id="10" name="Google Shape;137;p8">
-            <a:extLst>
-              <a:ext uri="{FF2B5EF4-FFF2-40B4-BE49-F238E27FC236}">
-                <a16:creationId xmlns:a16="http://schemas.microsoft.com/office/drawing/2014/main" id="{15B11A61-6C83-4F43-9C89-91922EF953EF}"/>
-              </a:ext>
-            </a:extLst>
-          </p:cNvPr>
-          <p:cNvSpPr txBox="1">
-            <a:spLocks/>
-          </p:cNvSpPr>
-          <p:nvPr/>
-        </p:nvSpPr>
-        <p:spPr>
-          <a:xfrm>
-            <a:off x="371638" y="1336431"/>
-            <a:ext cx="12374878" cy="6037430"/>
-          </a:xfrm>
-          <a:prstGeom prst="rect">
-            <a:avLst/>
-          </a:prstGeom>
-          <a:noFill/>
-          <a:ln>
-            <a:noFill/>
-          </a:ln>
-        </p:spPr>
-        <p:txBody>
-          <a:bodyPr spcFirstLastPara="1" vert="horz" wrap="square" lIns="91425" tIns="45700" rIns="91425" bIns="45700" rtlCol="0" anchor="t" anchorCtr="0">
-            <a:normAutofit/>
-          </a:bodyPr>
-          <a:lstStyle>
-            <a:lvl1pPr marL="228600" indent="-228600" algn="l" defTabSz="914400" rtl="0" eaLnBrk="1" latinLnBrk="0" hangingPunct="1">
-              <a:lnSpc>
-                <a:spcPct val="90000"/>
-              </a:lnSpc>
-              <a:spcBef>
-                <a:spcPts val="1000"/>
-              </a:spcBef>
-              <a:buFont typeface="Arial" panose="020B0604020202020204" pitchFamily="34" charset="0"/>
-              <a:buChar char="•"/>
-              <a:defRPr lang="pt-BR" sz="3600" b="0" i="0" u="none" strike="noStrike" kern="1200" cap="none" smtClean="0">
-                <a:solidFill>
-                  <a:schemeClr val="dk1"/>
-                </a:solidFill>
-                <a:latin typeface="Calibri"/>
-                <a:ea typeface="+mn-ea"/>
-                <a:cs typeface="Calibri"/>
-                <a:sym typeface="Calibri"/>
-              </a:defRPr>
-            </a:lvl1pPr>
-            <a:lvl2pPr marL="685800" indent="-228600" algn="l" defTabSz="914400" rtl="0" eaLnBrk="1" latinLnBrk="0" hangingPunct="1">
-              <a:lnSpc>
-                <a:spcPct val="90000"/>
-              </a:lnSpc>
-              <a:spcBef>
-                <a:spcPts val="500"/>
-              </a:spcBef>
-              <a:buFont typeface="Arial" panose="020B0604020202020204" pitchFamily="34" charset="0"/>
-              <a:buChar char="•"/>
-              <a:defRPr lang="pt-BR" sz="3200" b="0" i="0" u="none" strike="noStrike" kern="1200" cap="none">
-                <a:solidFill>
-                  <a:srgbClr val="0000CC"/>
-                </a:solidFill>
-                <a:latin typeface="Calibri"/>
-                <a:ea typeface="+mn-ea"/>
-                <a:cs typeface="Calibri"/>
-                <a:sym typeface="Calibri"/>
-              </a:defRPr>
-            </a:lvl2pPr>
-            <a:lvl3pPr marL="1143000" indent="-228600" algn="l" defTabSz="914400" rtl="0" eaLnBrk="1" latinLnBrk="0" hangingPunct="1">
-              <a:lnSpc>
-                <a:spcPct val="90000"/>
-              </a:lnSpc>
-              <a:spcBef>
-                <a:spcPts val="500"/>
-              </a:spcBef>
-              <a:buFont typeface="Wingdings" panose="05000000000000000000" pitchFamily="2" charset="2"/>
-              <a:buChar char="ü"/>
-              <a:defRPr lang="pt-BR" sz="2800" b="0" i="0" u="none" strike="noStrike" kern="1200" cap="none" dirty="0" smtClean="0">
-                <a:solidFill>
-                  <a:srgbClr val="3F3F3F"/>
-                </a:solidFill>
-                <a:latin typeface="Calibri"/>
-                <a:ea typeface="+mn-ea"/>
-                <a:cs typeface="Calibri"/>
-                <a:sym typeface="Calibri"/>
-              </a:defRPr>
-            </a:lvl3pPr>
-            <a:lvl4pPr marL="1600200" indent="-228600" algn="l" defTabSz="914400" rtl="0" eaLnBrk="1" latinLnBrk="0" hangingPunct="1">
-              <a:lnSpc>
-                <a:spcPct val="90000"/>
-              </a:lnSpc>
-              <a:spcBef>
-                <a:spcPts val="500"/>
-              </a:spcBef>
-              <a:buFont typeface="Arial" panose="020B0604020202020204" pitchFamily="34" charset="0"/>
-              <a:buChar char="•"/>
-              <a:defRPr lang="pt-BR" sz="2800" b="0" i="0" u="none" strike="noStrike" kern="1200" cap="none" dirty="0" smtClean="0">
-                <a:solidFill>
-                  <a:schemeClr val="accent1">
-                    <a:lumMod val="50000"/>
-                  </a:schemeClr>
-                </a:solidFill>
-                <a:latin typeface="Calibri"/>
-                <a:ea typeface="+mn-ea"/>
-                <a:cs typeface="Calibri"/>
-                <a:sym typeface="Calibri"/>
-              </a:defRPr>
-            </a:lvl4pPr>
-            <a:lvl5pPr marL="2057400" indent="-228600" algn="l" defTabSz="914400" rtl="0" eaLnBrk="1" latinLnBrk="0" hangingPunct="1">
-              <a:lnSpc>
-                <a:spcPct val="90000"/>
-              </a:lnSpc>
-              <a:spcBef>
-                <a:spcPts val="500"/>
-              </a:spcBef>
-              <a:buFont typeface="Arial" panose="020B0604020202020204" pitchFamily="34" charset="0"/>
-              <a:buChar char="•"/>
-              <a:defRPr sz="2400" kern="1200">
-                <a:solidFill>
-                  <a:schemeClr val="accent2">
-                    <a:lumMod val="75000"/>
-                  </a:schemeClr>
-                </a:solidFill>
-                <a:latin typeface="+mn-lt"/>
-                <a:ea typeface="+mn-ea"/>
-                <a:cs typeface="+mn-cs"/>
-              </a:defRPr>
-            </a:lvl5pPr>
-            <a:lvl6pPr marL="2514600" indent="-228600" algn="l" defTabSz="914400" rtl="0" eaLnBrk="1" latinLnBrk="0" hangingPunct="1">
-              <a:lnSpc>
-                <a:spcPct val="90000"/>
-              </a:lnSpc>
-              <a:spcBef>
-                <a:spcPts val="500"/>
-              </a:spcBef>
-              <a:buFont typeface="Arial" panose="020B0604020202020204" pitchFamily="34" charset="0"/>
-              <a:buChar char="•"/>
-              <a:defRPr sz="1800" kern="1200">
-                <a:solidFill>
-                  <a:schemeClr val="tx1"/>
-                </a:solidFill>
-                <a:latin typeface="+mn-lt"/>
-                <a:ea typeface="+mn-ea"/>
-                <a:cs typeface="+mn-cs"/>
-              </a:defRPr>
-            </a:lvl6pPr>
-            <a:lvl7pPr marL="2971800" indent="-228600" algn="l" defTabSz="914400" rtl="0" eaLnBrk="1" latinLnBrk="0" hangingPunct="1">
-              <a:lnSpc>
-                <a:spcPct val="90000"/>
-              </a:lnSpc>
-              <a:spcBef>
-                <a:spcPts val="500"/>
-              </a:spcBef>
-              <a:buFont typeface="Arial" panose="020B0604020202020204" pitchFamily="34" charset="0"/>
-              <a:buChar char="•"/>
-              <a:defRPr sz="1800" kern="1200">
-                <a:solidFill>
-                  <a:schemeClr val="tx1"/>
-                </a:solidFill>
-                <a:latin typeface="+mn-lt"/>
-                <a:ea typeface="+mn-ea"/>
-                <a:cs typeface="+mn-cs"/>
-              </a:defRPr>
-            </a:lvl7pPr>
-            <a:lvl8pPr marL="3429000" indent="-228600" algn="l" defTabSz="914400" rtl="0" eaLnBrk="1" latinLnBrk="0" hangingPunct="1">
-              <a:lnSpc>
-                <a:spcPct val="90000"/>
-              </a:lnSpc>
-              <a:spcBef>
-                <a:spcPts val="500"/>
-              </a:spcBef>
-              <a:buFont typeface="Arial" panose="020B0604020202020204" pitchFamily="34" charset="0"/>
-              <a:buChar char="•"/>
-              <a:defRPr sz="1800" kern="1200">
-                <a:solidFill>
-                  <a:schemeClr val="tx1"/>
-                </a:solidFill>
-                <a:latin typeface="+mn-lt"/>
-                <a:ea typeface="+mn-ea"/>
-                <a:cs typeface="+mn-cs"/>
-              </a:defRPr>
-            </a:lvl8pPr>
-            <a:lvl9pPr marL="3886200" indent="-228600" algn="l" defTabSz="914400" rtl="0" eaLnBrk="1" latinLnBrk="0" hangingPunct="1">
-              <a:lnSpc>
-                <a:spcPct val="90000"/>
-              </a:lnSpc>
-              <a:spcBef>
-                <a:spcPts val="500"/>
-              </a:spcBef>
-              <a:buFont typeface="Arial" panose="020B0604020202020204" pitchFamily="34" charset="0"/>
-              <a:buChar char="•"/>
-              <a:defRPr sz="1800" kern="1200">
-                <a:solidFill>
-                  <a:schemeClr val="tx1"/>
-                </a:solidFill>
-                <a:latin typeface="+mn-lt"/>
-                <a:ea typeface="+mn-ea"/>
-                <a:cs typeface="+mn-cs"/>
-              </a:defRPr>
-            </a:lvl9pPr>
-          </a:lstStyle>
-          <a:p>
-            <a:pPr>
-              <a:spcBef>
-                <a:spcPts val="0"/>
-              </a:spcBef>
-              <a:buClr>
-                <a:schemeClr val="dk1"/>
-              </a:buClr>
-              <a:buSzPts val="3600"/>
-            </a:pPr>
-            <a:r>
-              <a:rPr lang="pt-BR" dirty="0"/>
-              <a:t>Histograma da quantidade de resultados no histórico do navegador dos alunos </a:t>
-            </a:r>
-          </a:p>
-          <a:p>
-            <a:pPr lvl="1">
-              <a:spcBef>
-                <a:spcPts val="0"/>
-              </a:spcBef>
-              <a:buClr>
-                <a:schemeClr val="dk1"/>
-              </a:buClr>
-              <a:buSzPts val="3600"/>
-            </a:pPr>
-            <a:r>
-              <a:rPr lang="pt-BR" dirty="0"/>
-              <a:t>filtrado por buscas ao portal pandas.pydata.org</a:t>
-            </a:r>
-          </a:p>
-          <a:p>
-            <a:pPr lvl="2">
-              <a:spcBef>
-                <a:spcPts val="0"/>
-              </a:spcBef>
-              <a:buClr>
-                <a:schemeClr val="dk1"/>
-              </a:buClr>
-              <a:buSzPts val="3600"/>
-            </a:pPr>
-            <a:r>
-              <a:rPr lang="pt-BR" dirty="0"/>
-              <a:t>Bons hábitos/comportamentos = Boost (impulso/turbo)</a:t>
-            </a:r>
-          </a:p>
-        </p:txBody>
-      </p:sp>
-      <p:sp>
-        <p:nvSpPr>
-          <p:cNvPr id="94" name="Google Shape;94;p2"/>
-          <p:cNvSpPr txBox="1">
-            <a:spLocks noGrp="1"/>
-          </p:cNvSpPr>
-          <p:nvPr>
-            <p:ph type="title"/>
-          </p:nvPr>
-        </p:nvSpPr>
-        <p:spPr>
-          <a:xfrm>
-            <a:off x="923925" y="22225"/>
-            <a:ext cx="11822591" cy="1460500"/>
-          </a:xfrm>
-          <a:prstGeom prst="rect">
-            <a:avLst/>
-          </a:prstGeom>
-          <a:noFill/>
-          <a:ln>
-            <a:noFill/>
-          </a:ln>
-        </p:spPr>
-        <p:txBody>
-          <a:bodyPr spcFirstLastPara="1" wrap="square" lIns="91425" tIns="45700" rIns="91425" bIns="45700" anchor="ctr" anchorCtr="0">
-            <a:normAutofit/>
-          </a:bodyPr>
-          <a:lstStyle/>
-          <a:p>
-            <a:pPr marL="0" lvl="0" indent="0" algn="ctr" rtl="0">
-              <a:lnSpc>
-                <a:spcPct val="90000"/>
-              </a:lnSpc>
-              <a:spcBef>
-                <a:spcPts val="0"/>
-              </a:spcBef>
-              <a:spcAft>
-                <a:spcPts val="0"/>
-              </a:spcAft>
-              <a:buClr>
-                <a:srgbClr val="2F5496"/>
-              </a:buClr>
-              <a:buSzPts val="4400"/>
-              <a:buFont typeface="Calibri"/>
-              <a:buNone/>
-            </a:pPr>
-            <a:r>
-              <a:rPr lang="en-US" dirty="0" err="1"/>
-              <a:t>Busca</a:t>
-            </a:r>
-            <a:r>
-              <a:rPr lang="en-US" dirty="0"/>
-              <a:t> de </a:t>
-            </a:r>
-            <a:r>
-              <a:rPr lang="en-US" dirty="0" err="1"/>
-              <a:t>Informação</a:t>
-            </a:r>
-            <a:r>
-              <a:rPr lang="en-US" dirty="0"/>
-              <a:t> (Bootcamp </a:t>
-            </a:r>
-            <a:r>
-              <a:rPr lang="en-US" dirty="0" err="1"/>
-              <a:t>Fev</a:t>
-            </a:r>
-            <a:r>
-              <a:rPr lang="en-US" dirty="0"/>
-              <a:t>/2021)</a:t>
-            </a:r>
-            <a:endParaRPr dirty="0"/>
-          </a:p>
-        </p:txBody>
-      </p:sp>
-      <p:pic>
-        <p:nvPicPr>
-          <p:cNvPr id="6" name="Picture 5">
-            <a:extLst>
-              <a:ext uri="{FF2B5EF4-FFF2-40B4-BE49-F238E27FC236}">
-                <a16:creationId xmlns:a16="http://schemas.microsoft.com/office/drawing/2014/main" id="{AC915141-D856-41C4-9D79-DE43C010F46A}"/>
-              </a:ext>
-            </a:extLst>
-          </p:cNvPr>
-          <p:cNvPicPr>
-            <a:picLocks noChangeAspect="1"/>
-          </p:cNvPicPr>
-          <p:nvPr/>
-        </p:nvPicPr>
-        <p:blipFill>
-          <a:blip r:embed="rId3"/>
-          <a:stretch>
-            <a:fillRect/>
-          </a:stretch>
-        </p:blipFill>
-        <p:spPr>
-          <a:xfrm>
-            <a:off x="4922892" y="3300964"/>
-            <a:ext cx="4072897" cy="4072897"/>
-          </a:xfrm>
-          <a:prstGeom prst="rect">
-            <a:avLst/>
-          </a:prstGeom>
-        </p:spPr>
-      </p:pic>
-    </p:spTree>
-  </p:cSld>
-  <p:clrMapOvr>
-    <a:masterClrMapping/>
-  </p:clrMapOvr>
-</p:sld>
-</file>
-
-<file path=ppt/slides/slide20.xml><?xml version="1.0" encoding="utf-8"?>
+<file path=ppt/slides/slide22.xml><?xml version="1.0" encoding="utf-8"?>
 <p:sld xmlns:a="http://schemas.openxmlformats.org/drawingml/2006/main" xmlns:r="http://schemas.openxmlformats.org/officeDocument/2006/relationships" xmlns:p="http://schemas.openxmlformats.org/presentationml/2006/main">
   <p:cSld>
     <p:spTree>
@@ -15549,7 +15973,7 @@
 </p:sld>
 </file>
 
-<file path=ppt/slides/slide21.xml><?xml version="1.0" encoding="utf-8"?>
+<file path=ppt/slides/slide23.xml><?xml version="1.0" encoding="utf-8"?>
 <p:sld xmlns:a="http://schemas.openxmlformats.org/drawingml/2006/main" xmlns:r="http://schemas.openxmlformats.org/officeDocument/2006/relationships" xmlns:p="http://schemas.openxmlformats.org/presentationml/2006/main">
   <p:cSld>
     <p:spTree>
@@ -15655,7 +16079,7 @@
 </p:sld>
 </file>
 
-<file path=ppt/slides/slide22.xml><?xml version="1.0" encoding="utf-8"?>
+<file path=ppt/slides/slide24.xml><?xml version="1.0" encoding="utf-8"?>
 <p:sld xmlns:a="http://schemas.openxmlformats.org/drawingml/2006/main" xmlns:r="http://schemas.openxmlformats.org/officeDocument/2006/relationships" xmlns:p="http://schemas.openxmlformats.org/presentationml/2006/main">
   <p:cSld>
     <p:spTree>
@@ -15842,7 +16266,7 @@
 </p:sld>
 </file>
 
-<file path=ppt/slides/slide23.xml><?xml version="1.0" encoding="utf-8"?>
+<file path=ppt/slides/slide25.xml><?xml version="1.0" encoding="utf-8"?>
 <p:sld xmlns:a="http://schemas.openxmlformats.org/drawingml/2006/main" xmlns:r="http://schemas.openxmlformats.org/officeDocument/2006/relationships" xmlns:p="http://schemas.openxmlformats.org/presentationml/2006/main">
   <p:cSld>
     <p:spTree>
@@ -16106,7 +16530,7 @@
 </p:sld>
 </file>
 
-<file path=ppt/slides/slide24.xml><?xml version="1.0" encoding="utf-8"?>
+<file path=ppt/slides/slide26.xml><?xml version="1.0" encoding="utf-8"?>
 <p:sld xmlns:a="http://schemas.openxmlformats.org/drawingml/2006/main" xmlns:r="http://schemas.openxmlformats.org/officeDocument/2006/relationships" xmlns:p="http://schemas.openxmlformats.org/presentationml/2006/main">
   <p:cSld>
     <p:spTree>
@@ -16420,7 +16844,7 @@
 </p:sld>
 </file>
 
-<file path=ppt/slides/slide25.xml><?xml version="1.0" encoding="utf-8"?>
+<file path=ppt/slides/slide27.xml><?xml version="1.0" encoding="utf-8"?>
 <p:sld xmlns:a="http://schemas.openxmlformats.org/drawingml/2006/main" xmlns:r="http://schemas.openxmlformats.org/officeDocument/2006/relationships" xmlns:p="http://schemas.openxmlformats.org/presentationml/2006/main">
   <p:cSld>
     <p:spTree>
@@ -16834,7 +17258,7 @@
 </p:sld>
 </file>
 
-<file path=ppt/slides/slide26.xml><?xml version="1.0" encoding="utf-8"?>
+<file path=ppt/slides/slide28.xml><?xml version="1.0" encoding="utf-8"?>
 <p:sld xmlns:a="http://schemas.openxmlformats.org/drawingml/2006/main" xmlns:r="http://schemas.openxmlformats.org/officeDocument/2006/relationships" xmlns:p="http://schemas.openxmlformats.org/presentationml/2006/main">
   <p:cSld>
     <p:spTree>
@@ -17233,7 +17657,7 @@
 </p:sld>
 </file>
 
-<file path=ppt/slides/slide27.xml><?xml version="1.0" encoding="utf-8"?>
+<file path=ppt/slides/slide29.xml><?xml version="1.0" encoding="utf-8"?>
 <p:sld xmlns:a="http://schemas.openxmlformats.org/drawingml/2006/main" xmlns:r="http://schemas.openxmlformats.org/officeDocument/2006/relationships" xmlns:p="http://schemas.openxmlformats.org/presentationml/2006/main">
   <p:cSld>
     <p:spTree>
@@ -17799,7 +18223,803 @@
 </p:sld>
 </file>
 
-<file path=ppt/slides/slide28.xml><?xml version="1.0" encoding="utf-8"?>
+<file path=ppt/slides/slide3.xml><?xml version="1.0" encoding="utf-8"?>
+<p:sld xmlns:a="http://schemas.openxmlformats.org/drawingml/2006/main" xmlns:r="http://schemas.openxmlformats.org/officeDocument/2006/relationships" xmlns:p="http://schemas.openxmlformats.org/presentationml/2006/main">
+  <p:cSld>
+    <p:spTree>
+      <p:nvGrpSpPr>
+        <p:cNvPr id="1" name="Shape 107"/>
+        <p:cNvGrpSpPr/>
+        <p:nvPr/>
+      </p:nvGrpSpPr>
+      <p:grpSpPr>
+        <a:xfrm>
+          <a:off x="0" y="0"/>
+          <a:ext cx="0" cy="0"/>
+          <a:chOff x="0" y="0"/>
+          <a:chExt cx="0" cy="0"/>
+        </a:xfrm>
+      </p:grpSpPr>
+      <p:sp>
+        <p:nvSpPr>
+          <p:cNvPr id="108" name="Google Shape;108;p4"/>
+          <p:cNvSpPr txBox="1">
+            <a:spLocks noGrp="1"/>
+          </p:cNvSpPr>
+          <p:nvPr>
+            <p:ph type="title"/>
+          </p:nvPr>
+        </p:nvSpPr>
+        <p:spPr>
+          <a:xfrm>
+            <a:off x="923924" y="132556"/>
+            <a:ext cx="11591925" cy="941161"/>
+          </a:xfrm>
+          <a:prstGeom prst="rect">
+            <a:avLst/>
+          </a:prstGeom>
+          <a:noFill/>
+          <a:ln>
+            <a:noFill/>
+          </a:ln>
+        </p:spPr>
+        <p:txBody>
+          <a:bodyPr spcFirstLastPara="1" wrap="square" lIns="91425" tIns="45700" rIns="91425" bIns="45700" anchor="ctr" anchorCtr="0">
+            <a:normAutofit/>
+          </a:bodyPr>
+          <a:lstStyle/>
+          <a:p>
+            <a:pPr marL="0" lvl="0" indent="0" algn="ctr" rtl="0">
+              <a:lnSpc>
+                <a:spcPct val="90000"/>
+              </a:lnSpc>
+              <a:spcBef>
+                <a:spcPts val="0"/>
+              </a:spcBef>
+              <a:spcAft>
+                <a:spcPts val="0"/>
+              </a:spcAft>
+              <a:buClr>
+                <a:srgbClr val="2F5496"/>
+              </a:buClr>
+              <a:buSzPts val="4400"/>
+              <a:buFont typeface="Calibri"/>
+              <a:buNone/>
+            </a:pPr>
+            <a:r>
+              <a:rPr lang="en-US" dirty="0"/>
+              <a:t>Funções Lambda (</a:t>
+            </a:r>
+            <a:r>
+              <a:rPr lang="en-US" dirty="0" err="1"/>
+              <a:t>Anônima</a:t>
+            </a:r>
+            <a:r>
+              <a:rPr lang="en-US" dirty="0"/>
+              <a:t>)</a:t>
+            </a:r>
+            <a:endParaRPr dirty="0"/>
+          </a:p>
+        </p:txBody>
+      </p:sp>
+      <p:sp>
+        <p:nvSpPr>
+          <p:cNvPr id="109" name="Google Shape;109;p4"/>
+          <p:cNvSpPr txBox="1">
+            <a:spLocks noGrp="1"/>
+          </p:cNvSpPr>
+          <p:nvPr>
+            <p:ph idx="1"/>
+          </p:nvPr>
+        </p:nvSpPr>
+        <p:spPr>
+          <a:xfrm>
+            <a:off x="457200" y="1249989"/>
+            <a:ext cx="12374878" cy="6174114"/>
+          </a:xfrm>
+          <a:prstGeom prst="rect">
+            <a:avLst/>
+          </a:prstGeom>
+          <a:noFill/>
+          <a:ln>
+            <a:noFill/>
+          </a:ln>
+        </p:spPr>
+        <p:txBody>
+          <a:bodyPr spcFirstLastPara="1" wrap="square" lIns="91425" tIns="45700" rIns="91425" bIns="45700" anchor="t" anchorCtr="0">
+            <a:normAutofit/>
+          </a:bodyPr>
+          <a:lstStyle/>
+          <a:p>
+            <a:pPr marL="228600" lvl="0" indent="-228600" algn="l" rtl="0">
+              <a:lnSpc>
+                <a:spcPct val="90000"/>
+              </a:lnSpc>
+              <a:spcBef>
+                <a:spcPts val="0"/>
+              </a:spcBef>
+              <a:spcAft>
+                <a:spcPts val="0"/>
+              </a:spcAft>
+              <a:buClr>
+                <a:schemeClr val="dk1"/>
+              </a:buClr>
+              <a:buSzPts val="3600"/>
+              <a:buChar char="•"/>
+            </a:pPr>
+            <a:r>
+              <a:rPr lang="en-US" dirty="0"/>
+              <a:t>São </a:t>
+            </a:r>
+            <a:r>
+              <a:rPr lang="en-US" dirty="0" err="1"/>
+              <a:t>funções</a:t>
+            </a:r>
+            <a:r>
+              <a:rPr lang="en-US" dirty="0"/>
+              <a:t> </a:t>
+            </a:r>
+            <a:r>
+              <a:rPr lang="en-US" dirty="0" err="1"/>
+              <a:t>definidas</a:t>
+            </a:r>
+            <a:r>
+              <a:rPr lang="en-US" dirty="0"/>
+              <a:t> em </a:t>
+            </a:r>
+            <a:r>
+              <a:rPr lang="en-US" dirty="0" err="1"/>
+              <a:t>uma</a:t>
+            </a:r>
+            <a:r>
+              <a:rPr lang="en-US" dirty="0"/>
+              <a:t> </a:t>
+            </a:r>
+            <a:r>
+              <a:rPr lang="en-US" dirty="0" err="1"/>
+              <a:t>única</a:t>
+            </a:r>
+            <a:r>
+              <a:rPr lang="en-US" dirty="0"/>
+              <a:t> </a:t>
+            </a:r>
+            <a:r>
+              <a:rPr lang="en-US" dirty="0" err="1"/>
+              <a:t>sentença</a:t>
+            </a:r>
+            <a:endParaRPr dirty="0"/>
+          </a:p>
+          <a:p>
+            <a:pPr marL="228600" lvl="0" indent="-228600" algn="l" rtl="0">
+              <a:lnSpc>
+                <a:spcPct val="90000"/>
+              </a:lnSpc>
+              <a:spcBef>
+                <a:spcPts val="1000"/>
+              </a:spcBef>
+              <a:spcAft>
+                <a:spcPts val="0"/>
+              </a:spcAft>
+              <a:buClr>
+                <a:schemeClr val="dk1"/>
+              </a:buClr>
+              <a:buSzPts val="3600"/>
+              <a:buChar char="•"/>
+            </a:pPr>
+            <a:r>
+              <a:rPr lang="en-US" dirty="0"/>
+              <a:t>O </a:t>
+            </a:r>
+            <a:r>
+              <a:rPr lang="en-US" dirty="0" err="1"/>
+              <a:t>resultado</a:t>
+            </a:r>
+            <a:r>
+              <a:rPr lang="en-US" dirty="0"/>
+              <a:t> é o </a:t>
+            </a:r>
+            <a:r>
+              <a:rPr lang="en-US" dirty="0" err="1"/>
+              <a:t>retorno</a:t>
+            </a:r>
+            <a:r>
+              <a:rPr lang="en-US" dirty="0"/>
+              <a:t> de um valor</a:t>
+            </a:r>
+            <a:endParaRPr dirty="0"/>
+          </a:p>
+          <a:p>
+            <a:pPr marL="228600" lvl="0" indent="-228600" algn="l" rtl="0">
+              <a:lnSpc>
+                <a:spcPct val="90000"/>
+              </a:lnSpc>
+              <a:spcBef>
+                <a:spcPts val="1000"/>
+              </a:spcBef>
+              <a:spcAft>
+                <a:spcPts val="0"/>
+              </a:spcAft>
+              <a:buClr>
+                <a:schemeClr val="dk1"/>
+              </a:buClr>
+              <a:buSzPts val="3600"/>
+              <a:buChar char="•"/>
+            </a:pPr>
+            <a:r>
+              <a:rPr lang="en-US" dirty="0"/>
+              <a:t>São </a:t>
+            </a:r>
+            <a:r>
+              <a:rPr lang="en-US" dirty="0" err="1"/>
+              <a:t>definidas</a:t>
+            </a:r>
+            <a:r>
+              <a:rPr lang="en-US" dirty="0"/>
+              <a:t> </a:t>
+            </a:r>
+            <a:r>
+              <a:rPr lang="en-US" dirty="0" err="1"/>
+              <a:t>pelo</a:t>
+            </a:r>
+            <a:r>
+              <a:rPr lang="en-US" dirty="0"/>
+              <a:t> keyword lambda</a:t>
+            </a:r>
+            <a:endParaRPr dirty="0"/>
+          </a:p>
+          <a:p>
+            <a:pPr lvl="1" algn="l" rtl="0">
+              <a:lnSpc>
+                <a:spcPct val="90000"/>
+              </a:lnSpc>
+              <a:spcBef>
+                <a:spcPts val="500"/>
+              </a:spcBef>
+              <a:spcAft>
+                <a:spcPts val="0"/>
+              </a:spcAft>
+              <a:buClr>
+                <a:srgbClr val="0206BE"/>
+              </a:buClr>
+              <a:buSzPts val="3200"/>
+            </a:pPr>
+            <a:r>
+              <a:rPr lang="en-US" dirty="0" err="1"/>
+              <a:t>Não</a:t>
+            </a:r>
+            <a:r>
+              <a:rPr lang="en-US" dirty="0"/>
+              <a:t> </a:t>
+            </a:r>
+            <a:r>
+              <a:rPr lang="en-US" dirty="0" err="1"/>
+              <a:t>há</a:t>
+            </a:r>
+            <a:r>
+              <a:rPr lang="en-US" dirty="0"/>
+              <a:t> um </a:t>
+            </a:r>
+            <a:r>
+              <a:rPr lang="en-US" dirty="0" err="1"/>
+              <a:t>significado</a:t>
+            </a:r>
+            <a:r>
+              <a:rPr lang="en-US" dirty="0"/>
+              <a:t> especial para o </a:t>
+            </a:r>
+            <a:r>
+              <a:rPr lang="en-US" dirty="0" err="1"/>
+              <a:t>termo</a:t>
+            </a:r>
+            <a:r>
+              <a:rPr lang="en-US" dirty="0"/>
+              <a:t> lambda</a:t>
+            </a:r>
+            <a:endParaRPr dirty="0"/>
+          </a:p>
+          <a:p>
+            <a:pPr lvl="2" indent="-457200" algn="l" rtl="0">
+              <a:lnSpc>
+                <a:spcPct val="90000"/>
+              </a:lnSpc>
+              <a:spcBef>
+                <a:spcPts val="500"/>
+              </a:spcBef>
+              <a:spcAft>
+                <a:spcPts val="0"/>
+              </a:spcAft>
+              <a:buClr>
+                <a:srgbClr val="3F3F3F"/>
+              </a:buClr>
+              <a:buSzPts val="2800"/>
+              <a:buFont typeface="Wingdings" panose="05000000000000000000" pitchFamily="2" charset="2"/>
+              <a:buChar char="ü"/>
+            </a:pPr>
+            <a:r>
+              <a:rPr lang="en-US" dirty="0"/>
+              <a:t>a </a:t>
+            </a:r>
+            <a:r>
+              <a:rPr lang="en-US" dirty="0" err="1"/>
+              <a:t>não</a:t>
+            </a:r>
+            <a:r>
+              <a:rPr lang="en-US" dirty="0"/>
+              <a:t> ser "Estamos </a:t>
+            </a:r>
+            <a:r>
+              <a:rPr lang="en-US" dirty="0" err="1"/>
+              <a:t>definindo</a:t>
+            </a:r>
+            <a:r>
+              <a:rPr lang="en-US" dirty="0"/>
+              <a:t> </a:t>
+            </a:r>
+            <a:r>
+              <a:rPr lang="en-US" dirty="0" err="1"/>
+              <a:t>uma</a:t>
+            </a:r>
+            <a:r>
+              <a:rPr lang="en-US" dirty="0"/>
+              <a:t> </a:t>
+            </a:r>
+            <a:r>
+              <a:rPr lang="en-US" dirty="0" err="1"/>
+              <a:t>função</a:t>
+            </a:r>
+            <a:r>
+              <a:rPr lang="en-US" dirty="0"/>
+              <a:t> </a:t>
+            </a:r>
+            <a:r>
+              <a:rPr lang="en-US" dirty="0" err="1"/>
+              <a:t>anônima</a:t>
+            </a:r>
+            <a:r>
+              <a:rPr lang="en-US" dirty="0"/>
+              <a:t>"</a:t>
+            </a:r>
+            <a:endParaRPr dirty="0"/>
+          </a:p>
+          <a:p>
+            <a:pPr marL="228600" lvl="0" indent="-228600" algn="l" rtl="0">
+              <a:lnSpc>
+                <a:spcPct val="90000"/>
+              </a:lnSpc>
+              <a:spcBef>
+                <a:spcPts val="1000"/>
+              </a:spcBef>
+              <a:spcAft>
+                <a:spcPts val="0"/>
+              </a:spcAft>
+              <a:buClr>
+                <a:schemeClr val="dk1"/>
+              </a:buClr>
+              <a:buSzPts val="3600"/>
+              <a:buChar char="•"/>
+            </a:pPr>
+            <a:r>
+              <a:rPr lang="en-US" dirty="0"/>
+              <a:t>A </a:t>
+            </a:r>
+            <a:r>
+              <a:rPr lang="en-US" dirty="0" err="1"/>
+              <a:t>função</a:t>
+            </a:r>
+            <a:r>
+              <a:rPr lang="en-US" dirty="0"/>
+              <a:t> é </a:t>
+            </a:r>
+            <a:r>
+              <a:rPr lang="en-US" dirty="0" err="1"/>
+              <a:t>dita</a:t>
+            </a:r>
+            <a:r>
+              <a:rPr lang="en-US" dirty="0"/>
+              <a:t> </a:t>
+            </a:r>
+            <a:r>
+              <a:rPr lang="en-US" dirty="0" err="1"/>
+              <a:t>anônima</a:t>
+            </a:r>
+            <a:r>
+              <a:rPr lang="en-US" dirty="0"/>
+              <a:t> </a:t>
+            </a:r>
+            <a:r>
+              <a:rPr lang="en-US" dirty="0" err="1"/>
+              <a:t>porque</a:t>
+            </a:r>
+            <a:r>
+              <a:rPr lang="en-US" dirty="0"/>
+              <a:t> </a:t>
+            </a:r>
+            <a:r>
+              <a:rPr lang="en-US" dirty="0" err="1"/>
+              <a:t>não</a:t>
+            </a:r>
+            <a:r>
+              <a:rPr lang="en-US" dirty="0"/>
+              <a:t> </a:t>
+            </a:r>
+            <a:r>
+              <a:rPr lang="en-US" dirty="0" err="1"/>
+              <a:t>damos</a:t>
+            </a:r>
+            <a:r>
+              <a:rPr lang="en-US" dirty="0"/>
+              <a:t> um </a:t>
+            </a:r>
+            <a:r>
+              <a:rPr lang="en-US" dirty="0" err="1"/>
+              <a:t>nome</a:t>
+            </a:r>
+            <a:r>
+              <a:rPr lang="en-US" dirty="0"/>
+              <a:t> a </a:t>
+            </a:r>
+            <a:r>
+              <a:rPr lang="en-US" dirty="0" err="1"/>
+              <a:t>ela</a:t>
+            </a:r>
+            <a:endParaRPr dirty="0"/>
+          </a:p>
+          <a:p>
+            <a:pPr marL="228600" lvl="0" indent="0" algn="l" rtl="0">
+              <a:lnSpc>
+                <a:spcPct val="90000"/>
+              </a:lnSpc>
+              <a:spcBef>
+                <a:spcPts val="1000"/>
+              </a:spcBef>
+              <a:spcAft>
+                <a:spcPts val="0"/>
+              </a:spcAft>
+              <a:buClr>
+                <a:schemeClr val="dk1"/>
+              </a:buClr>
+              <a:buSzPts val="3600"/>
+              <a:buNone/>
+            </a:pPr>
+            <a:endParaRPr dirty="0"/>
+          </a:p>
+        </p:txBody>
+      </p:sp>
+      <p:sp>
+        <p:nvSpPr>
+          <p:cNvPr id="110" name="Google Shape;110;p4"/>
+          <p:cNvSpPr txBox="1"/>
+          <p:nvPr/>
+        </p:nvSpPr>
+        <p:spPr>
+          <a:xfrm>
+            <a:off x="1471412" y="4728328"/>
+            <a:ext cx="10586269" cy="2665538"/>
+          </a:xfrm>
+          <a:prstGeom prst="rect">
+            <a:avLst/>
+          </a:prstGeom>
+          <a:solidFill>
+            <a:srgbClr val="FFF2CC"/>
+          </a:solidFill>
+          <a:ln>
+            <a:noFill/>
+          </a:ln>
+        </p:spPr>
+        <p:txBody>
+          <a:bodyPr spcFirstLastPara="1" wrap="square" lIns="91425" tIns="45700" rIns="91425" bIns="45700" anchor="t" anchorCtr="0">
+            <a:spAutoFit/>
+          </a:bodyPr>
+          <a:lstStyle/>
+          <a:p>
+            <a:pPr marL="0" marR="0" lvl="0" indent="0" algn="l" rtl="0">
+              <a:lnSpc>
+                <a:spcPct val="150000"/>
+              </a:lnSpc>
+              <a:spcBef>
+                <a:spcPts val="0"/>
+              </a:spcBef>
+              <a:spcAft>
+                <a:spcPts val="0"/>
+              </a:spcAft>
+              <a:buClr>
+                <a:srgbClr val="000000"/>
+              </a:buClr>
+              <a:buSzPts val="2400"/>
+              <a:buFont typeface="Arial"/>
+              <a:buNone/>
+            </a:pPr>
+            <a:r>
+              <a:rPr lang="en-US" sz="2400" b="0" i="0" u="none" strike="noStrike" cap="none" dirty="0">
+                <a:solidFill>
+                  <a:schemeClr val="dk1"/>
+                </a:solidFill>
+                <a:latin typeface="Source Code Pro"/>
+                <a:ea typeface="Source Code Pro"/>
+                <a:cs typeface="Source Code Pro"/>
+                <a:sym typeface="Source Code Pro"/>
+              </a:rPr>
+              <a:t>def exemplo(x):</a:t>
+            </a:r>
+            <a:endParaRPr sz="1400" b="0" i="0" u="none" strike="noStrike" cap="none" dirty="0">
+              <a:solidFill>
+                <a:srgbClr val="000000"/>
+              </a:solidFill>
+              <a:latin typeface="Arial"/>
+              <a:ea typeface="Arial"/>
+              <a:cs typeface="Arial"/>
+              <a:sym typeface="Arial"/>
+            </a:endParaRPr>
+          </a:p>
+          <a:p>
+            <a:pPr marL="0" marR="0" lvl="0" indent="0" algn="l" rtl="0">
+              <a:lnSpc>
+                <a:spcPct val="150000"/>
+              </a:lnSpc>
+              <a:spcBef>
+                <a:spcPts val="0"/>
+              </a:spcBef>
+              <a:spcAft>
+                <a:spcPts val="0"/>
+              </a:spcAft>
+              <a:buClr>
+                <a:srgbClr val="000000"/>
+              </a:buClr>
+              <a:buSzPts val="2400"/>
+              <a:buFont typeface="Arial"/>
+              <a:buNone/>
+            </a:pPr>
+            <a:r>
+              <a:rPr lang="en-US" sz="2400" b="0" i="0" u="none" strike="noStrike" cap="none" dirty="0">
+                <a:solidFill>
+                  <a:schemeClr val="dk1"/>
+                </a:solidFill>
+                <a:latin typeface="Source Code Pro"/>
+                <a:ea typeface="Source Code Pro"/>
+                <a:cs typeface="Source Code Pro"/>
+                <a:sym typeface="Source Code Pro"/>
+              </a:rPr>
+              <a:t>	return x * 2</a:t>
+            </a:r>
+            <a:endParaRPr sz="1400" b="0" i="0" u="none" strike="noStrike" cap="none" dirty="0">
+              <a:solidFill>
+                <a:srgbClr val="000000"/>
+              </a:solidFill>
+              <a:latin typeface="Arial"/>
+              <a:ea typeface="Arial"/>
+              <a:cs typeface="Arial"/>
+              <a:sym typeface="Arial"/>
+            </a:endParaRPr>
+          </a:p>
+          <a:p>
+            <a:pPr marL="0" marR="0" lvl="0" indent="0" algn="l" rtl="0">
+              <a:lnSpc>
+                <a:spcPct val="150000"/>
+              </a:lnSpc>
+              <a:spcBef>
+                <a:spcPts val="0"/>
+              </a:spcBef>
+              <a:spcAft>
+                <a:spcPts val="0"/>
+              </a:spcAft>
+              <a:buClr>
+                <a:srgbClr val="000000"/>
+              </a:buClr>
+              <a:buSzPts val="1400"/>
+              <a:buFont typeface="Arial"/>
+              <a:buNone/>
+            </a:pPr>
+            <a:endParaRPr sz="1400" b="0" i="0" u="none" strike="noStrike" cap="none" dirty="0">
+              <a:solidFill>
+                <a:schemeClr val="dk1"/>
+              </a:solidFill>
+              <a:latin typeface="Source Code Pro"/>
+              <a:ea typeface="Source Code Pro"/>
+              <a:cs typeface="Source Code Pro"/>
+              <a:sym typeface="Source Code Pro"/>
+            </a:endParaRPr>
+          </a:p>
+          <a:p>
+            <a:pPr marL="0" marR="0" lvl="0" indent="0" algn="l" rtl="0">
+              <a:lnSpc>
+                <a:spcPct val="150000"/>
+              </a:lnSpc>
+              <a:spcBef>
+                <a:spcPts val="0"/>
+              </a:spcBef>
+              <a:spcAft>
+                <a:spcPts val="0"/>
+              </a:spcAft>
+              <a:buClr>
+                <a:srgbClr val="000000"/>
+              </a:buClr>
+              <a:buSzPts val="2400"/>
+              <a:buFont typeface="Arial"/>
+              <a:buNone/>
+            </a:pPr>
+            <a:r>
+              <a:rPr lang="en-US" sz="2400" b="0" i="0" u="none" strike="noStrike" cap="none" dirty="0">
+                <a:solidFill>
+                  <a:schemeClr val="dk1"/>
+                </a:solidFill>
+                <a:latin typeface="Source Code Pro"/>
+                <a:ea typeface="Source Code Pro"/>
+                <a:cs typeface="Source Code Pro"/>
+                <a:sym typeface="Source Code Pro"/>
+              </a:rPr>
+              <a:t># </a:t>
+            </a:r>
+            <a:r>
+              <a:rPr lang="en-US" sz="2400" b="0" i="0" u="none" strike="noStrike" cap="none" dirty="0" err="1">
+                <a:solidFill>
+                  <a:schemeClr val="dk1"/>
+                </a:solidFill>
+                <a:latin typeface="Source Code Pro"/>
+                <a:ea typeface="Source Code Pro"/>
+                <a:cs typeface="Source Code Pro"/>
+                <a:sym typeface="Source Code Pro"/>
+              </a:rPr>
+              <a:t>Função</a:t>
+            </a:r>
+            <a:r>
+              <a:rPr lang="en-US" sz="2400" b="0" i="0" u="none" strike="noStrike" cap="none" dirty="0">
+                <a:solidFill>
+                  <a:schemeClr val="dk1"/>
+                </a:solidFill>
+                <a:latin typeface="Source Code Pro"/>
+                <a:ea typeface="Source Code Pro"/>
+                <a:cs typeface="Source Code Pro"/>
+                <a:sym typeface="Source Code Pro"/>
+              </a:rPr>
+              <a:t> lambda </a:t>
+            </a:r>
+            <a:r>
+              <a:rPr lang="en-US" sz="2400" b="0" i="0" u="none" strike="noStrike" cap="none" dirty="0" err="1">
+                <a:solidFill>
+                  <a:schemeClr val="dk1"/>
+                </a:solidFill>
+                <a:latin typeface="Source Code Pro"/>
+                <a:ea typeface="Source Code Pro"/>
+                <a:cs typeface="Source Code Pro"/>
+                <a:sym typeface="Source Code Pro"/>
+              </a:rPr>
+              <a:t>equivalente</a:t>
+            </a:r>
+            <a:endParaRPr sz="2400" b="0" i="0" u="none" strike="noStrike" cap="none" dirty="0">
+              <a:solidFill>
+                <a:schemeClr val="dk1"/>
+              </a:solidFill>
+              <a:latin typeface="Source Code Pro"/>
+              <a:ea typeface="Source Code Pro"/>
+              <a:cs typeface="Source Code Pro"/>
+              <a:sym typeface="Source Code Pro"/>
+            </a:endParaRPr>
+          </a:p>
+          <a:p>
+            <a:pPr marL="0" marR="0" lvl="0" indent="0" algn="l" rtl="0">
+              <a:lnSpc>
+                <a:spcPct val="150000"/>
+              </a:lnSpc>
+              <a:spcBef>
+                <a:spcPts val="0"/>
+              </a:spcBef>
+              <a:spcAft>
+                <a:spcPts val="0"/>
+              </a:spcAft>
+              <a:buClr>
+                <a:srgbClr val="000000"/>
+              </a:buClr>
+              <a:buSzPts val="2400"/>
+              <a:buFont typeface="Arial"/>
+              <a:buNone/>
+            </a:pPr>
+            <a:r>
+              <a:rPr lang="en-US" sz="2400" b="0" i="0" u="none" strike="noStrike" cap="none" dirty="0" err="1">
+                <a:solidFill>
+                  <a:schemeClr val="dk1"/>
+                </a:solidFill>
+                <a:latin typeface="Source Code Pro"/>
+                <a:ea typeface="Source Code Pro"/>
+                <a:cs typeface="Source Code Pro"/>
+                <a:sym typeface="Source Code Pro"/>
+              </a:rPr>
+              <a:t>equiv_anon</a:t>
+            </a:r>
+            <a:r>
+              <a:rPr lang="en-US" sz="2400" b="0" i="0" u="none" strike="noStrike" cap="none" dirty="0">
+                <a:solidFill>
+                  <a:schemeClr val="dk1"/>
+                </a:solidFill>
+                <a:latin typeface="Source Code Pro"/>
+                <a:ea typeface="Source Code Pro"/>
+                <a:cs typeface="Source Code Pro"/>
+                <a:sym typeface="Source Code Pro"/>
+              </a:rPr>
+              <a:t> = lambda x: x * 2</a:t>
+            </a:r>
+            <a:endParaRPr sz="2400" b="1" i="0" u="none" strike="noStrike" cap="none" dirty="0">
+              <a:solidFill>
+                <a:schemeClr val="dk1"/>
+              </a:solidFill>
+              <a:latin typeface="Source Code Pro"/>
+              <a:ea typeface="Source Code Pro"/>
+              <a:cs typeface="Source Code Pro"/>
+              <a:sym typeface="Source Code Pro"/>
+            </a:endParaRPr>
+          </a:p>
+        </p:txBody>
+      </p:sp>
+      <p:sp>
+        <p:nvSpPr>
+          <p:cNvPr id="5" name="CustomShape 3">
+            <a:extLst>
+              <a:ext uri="{FF2B5EF4-FFF2-40B4-BE49-F238E27FC236}">
+                <a16:creationId xmlns:a16="http://schemas.microsoft.com/office/drawing/2014/main" id="{1D20080D-6DF1-4875-BA6B-C2E3B515172E}"/>
+              </a:ext>
+            </a:extLst>
+          </p:cNvPr>
+          <p:cNvSpPr/>
+          <p:nvPr/>
+        </p:nvSpPr>
+        <p:spPr>
+          <a:xfrm>
+            <a:off x="9941040" y="7157160"/>
+            <a:ext cx="3022920" cy="401400"/>
+          </a:xfrm>
+          <a:prstGeom prst="rect">
+            <a:avLst/>
+          </a:prstGeom>
+          <a:noFill/>
+          <a:ln>
+            <a:noFill/>
+          </a:ln>
+        </p:spPr>
+        <p:style>
+          <a:lnRef idx="0">
+            <a:scrgbClr r="0" g="0" b="0"/>
+          </a:lnRef>
+          <a:fillRef idx="0">
+            <a:scrgbClr r="0" g="0" b="0"/>
+          </a:fillRef>
+          <a:effectRef idx="0">
+            <a:scrgbClr r="0" g="0" b="0"/>
+          </a:effectRef>
+          <a:fontRef idx="minor"/>
+        </p:style>
+        <p:txBody>
+          <a:bodyPr lIns="90000" tIns="45000" rIns="90000" bIns="45000" anchor="ctr"/>
+          <a:lstStyle/>
+          <a:p>
+            <a:pPr algn="r">
+              <a:lnSpc>
+                <a:spcPct val="100000"/>
+              </a:lnSpc>
+            </a:pPr>
+            <a:fld id="{E41630A5-50A0-42D1-9024-10A5D4502CEA}" type="slidenum">
+              <a:rPr lang="pt-BR" sz="1330" b="0" strike="noStrike" spc="-1">
+                <a:solidFill>
+                  <a:srgbClr val="8B8B8B"/>
+                </a:solidFill>
+                <a:latin typeface="Calibri"/>
+                <a:ea typeface="DejaVu Sans"/>
+              </a:rPr>
+              <a:t>3</a:t>
+            </a:fld>
+            <a:endParaRPr lang="pt-BR" sz="1330" b="0" strike="noStrike" spc="-1">
+              <a:latin typeface="Arial"/>
+            </a:endParaRPr>
+          </a:p>
+        </p:txBody>
+      </p:sp>
+    </p:spTree>
+  </p:cSld>
+  <p:clrMapOvr>
+    <a:masterClrMapping/>
+  </p:clrMapOvr>
+</p:sld>
+</file>
+
+<file path=ppt/slides/slide30.xml><?xml version="1.0" encoding="utf-8"?>
 <p:sld xmlns:a="http://schemas.openxmlformats.org/drawingml/2006/main" xmlns:r="http://schemas.openxmlformats.org/officeDocument/2006/relationships" xmlns:p="http://schemas.openxmlformats.org/presentationml/2006/main">
   <p:cSld>
     <p:spTree>
@@ -18010,7 +19230,7 @@
 </p:sld>
 </file>
 
-<file path=ppt/slides/slide29.xml><?xml version="1.0" encoding="utf-8"?>
+<file path=ppt/slides/slide31.xml><?xml version="1.0" encoding="utf-8"?>
 <p:sld xmlns:a="http://schemas.openxmlformats.org/drawingml/2006/main" xmlns:r="http://schemas.openxmlformats.org/officeDocument/2006/relationships" xmlns:p="http://schemas.openxmlformats.org/presentationml/2006/main">
   <p:cSld>
     <p:spTree>
@@ -18316,12 +19536,12 @@
 </p:sld>
 </file>
 
-<file path=ppt/slides/slide3.xml><?xml version="1.0" encoding="utf-8"?>
+<file path=ppt/slides/slide4.xml><?xml version="1.0" encoding="utf-8"?>
 <p:sld xmlns:a="http://schemas.openxmlformats.org/drawingml/2006/main" xmlns:r="http://schemas.openxmlformats.org/officeDocument/2006/relationships" xmlns:p="http://schemas.openxmlformats.org/presentationml/2006/main">
   <p:cSld>
     <p:spTree>
       <p:nvGrpSpPr>
-        <p:cNvPr id="1" name="Shape 93"/>
+        <p:cNvPr id="1" name="Shape 114"/>
         <p:cNvGrpSpPr/>
         <p:nvPr/>
       </p:nvGrpSpPr>
@@ -18335,7 +19555,7 @@
       </p:grpSpPr>
       <p:sp>
         <p:nvSpPr>
-          <p:cNvPr id="94" name="Google Shape;94;p2"/>
+          <p:cNvPr id="115" name="Google Shape;115;p5"/>
           <p:cNvSpPr txBox="1">
             <a:spLocks noGrp="1"/>
           </p:cNvSpPr>
@@ -18345,8 +19565,8 @@
         </p:nvSpPr>
         <p:spPr>
           <a:xfrm>
-            <a:off x="923925" y="22225"/>
-            <a:ext cx="11822591" cy="1460500"/>
+            <a:off x="923924" y="132556"/>
+            <a:ext cx="11591925" cy="941161"/>
           </a:xfrm>
           <a:prstGeom prst="rect">
             <a:avLst/>
@@ -18380,16 +19600,723 @@
               <a:buNone/>
             </a:pPr>
             <a:r>
-              <a:rPr lang="en-US"/>
-              <a:t>Revisão</a:t>
-            </a:r>
-            <a:endParaRPr/>
+              <a:rPr lang="en-US" dirty="0"/>
+              <a:t>Funções Lambda (</a:t>
+            </a:r>
+            <a:r>
+              <a:rPr lang="en-US" dirty="0" err="1"/>
+              <a:t>Anônima</a:t>
+            </a:r>
+            <a:r>
+              <a:rPr lang="en-US" dirty="0"/>
+              <a:t>)</a:t>
+            </a:r>
+            <a:endParaRPr dirty="0"/>
           </a:p>
         </p:txBody>
       </p:sp>
       <p:sp>
         <p:nvSpPr>
-          <p:cNvPr id="95" name="Google Shape;95;p2"/>
+          <p:cNvPr id="116" name="Google Shape;116;p5"/>
+          <p:cNvSpPr txBox="1"/>
+          <p:nvPr/>
+        </p:nvSpPr>
+        <p:spPr>
+          <a:xfrm>
+            <a:off x="1351503" y="1147402"/>
+            <a:ext cx="10586269" cy="5355272"/>
+          </a:xfrm>
+          <a:prstGeom prst="rect">
+            <a:avLst/>
+          </a:prstGeom>
+          <a:solidFill>
+            <a:srgbClr val="FFF2CC"/>
+          </a:solidFill>
+          <a:ln>
+            <a:noFill/>
+          </a:ln>
+        </p:spPr>
+        <p:txBody>
+          <a:bodyPr spcFirstLastPara="1" wrap="square" lIns="91425" tIns="45700" rIns="91425" bIns="45700" anchor="t" anchorCtr="0">
+            <a:spAutoFit/>
+          </a:bodyPr>
+          <a:lstStyle/>
+          <a:p>
+            <a:pPr marL="0" marR="0" lvl="0" indent="0" algn="l" rtl="0">
+              <a:lnSpc>
+                <a:spcPct val="150000"/>
+              </a:lnSpc>
+              <a:spcBef>
+                <a:spcPts val="0"/>
+              </a:spcBef>
+              <a:spcAft>
+                <a:spcPts val="0"/>
+              </a:spcAft>
+              <a:buClr>
+                <a:srgbClr val="000000"/>
+              </a:buClr>
+              <a:buSzPts val="2400"/>
+              <a:buFont typeface="Arial"/>
+              <a:buNone/>
+            </a:pPr>
+            <a:r>
+              <a:rPr lang="en-US" sz="2400" b="0" i="0" u="none" strike="noStrike" cap="none" dirty="0">
+                <a:solidFill>
+                  <a:schemeClr val="dk1"/>
+                </a:solidFill>
+                <a:latin typeface="Source Code Pro"/>
+                <a:ea typeface="Source Code Pro"/>
+                <a:cs typeface="Source Code Pro"/>
+                <a:sym typeface="Source Code Pro"/>
+              </a:rPr>
+              <a:t>def exemplo(x):</a:t>
+            </a:r>
+            <a:endParaRPr sz="1400" b="0" i="0" u="none" strike="noStrike" cap="none" dirty="0">
+              <a:solidFill>
+                <a:srgbClr val="000000"/>
+              </a:solidFill>
+              <a:latin typeface="Arial"/>
+              <a:ea typeface="Arial"/>
+              <a:cs typeface="Arial"/>
+              <a:sym typeface="Arial"/>
+            </a:endParaRPr>
+          </a:p>
+          <a:p>
+            <a:pPr marL="0" marR="0" lvl="0" indent="0" algn="l" rtl="0">
+              <a:lnSpc>
+                <a:spcPct val="150000"/>
+              </a:lnSpc>
+              <a:spcBef>
+                <a:spcPts val="0"/>
+              </a:spcBef>
+              <a:spcAft>
+                <a:spcPts val="0"/>
+              </a:spcAft>
+              <a:buClr>
+                <a:srgbClr val="000000"/>
+              </a:buClr>
+              <a:buSzPts val="2400"/>
+              <a:buFont typeface="Arial"/>
+              <a:buNone/>
+            </a:pPr>
+            <a:r>
+              <a:rPr lang="en-US" sz="2400" b="0" i="0" u="none" strike="noStrike" cap="none" dirty="0">
+                <a:solidFill>
+                  <a:schemeClr val="dk1"/>
+                </a:solidFill>
+                <a:latin typeface="Source Code Pro"/>
+                <a:ea typeface="Source Code Pro"/>
+                <a:cs typeface="Source Code Pro"/>
+                <a:sym typeface="Source Code Pro"/>
+              </a:rPr>
+              <a:t>	return x * 2</a:t>
+            </a:r>
+            <a:endParaRPr sz="1400" b="0" i="0" u="none" strike="noStrike" cap="none" dirty="0">
+              <a:solidFill>
+                <a:srgbClr val="000000"/>
+              </a:solidFill>
+              <a:latin typeface="Arial"/>
+              <a:ea typeface="Arial"/>
+              <a:cs typeface="Arial"/>
+              <a:sym typeface="Arial"/>
+            </a:endParaRPr>
+          </a:p>
+          <a:p>
+            <a:pPr marL="0" marR="0" lvl="0" indent="0" algn="l" rtl="0">
+              <a:lnSpc>
+                <a:spcPct val="150000"/>
+              </a:lnSpc>
+              <a:spcBef>
+                <a:spcPts val="0"/>
+              </a:spcBef>
+              <a:spcAft>
+                <a:spcPts val="0"/>
+              </a:spcAft>
+              <a:buClr>
+                <a:srgbClr val="000000"/>
+              </a:buClr>
+              <a:buSzPts val="1800"/>
+              <a:buFont typeface="Arial"/>
+              <a:buNone/>
+            </a:pPr>
+            <a:endParaRPr sz="1800" b="0" i="0" u="none" strike="noStrike" cap="none" dirty="0">
+              <a:solidFill>
+                <a:schemeClr val="dk1"/>
+              </a:solidFill>
+              <a:latin typeface="Source Code Pro"/>
+              <a:ea typeface="Source Code Pro"/>
+              <a:cs typeface="Source Code Pro"/>
+              <a:sym typeface="Source Code Pro"/>
+            </a:endParaRPr>
+          </a:p>
+          <a:p>
+            <a:pPr marL="0" marR="0" lvl="0" indent="0" algn="l" rtl="0">
+              <a:lnSpc>
+                <a:spcPct val="150000"/>
+              </a:lnSpc>
+              <a:spcBef>
+                <a:spcPts val="0"/>
+              </a:spcBef>
+              <a:spcAft>
+                <a:spcPts val="0"/>
+              </a:spcAft>
+              <a:buClr>
+                <a:srgbClr val="000000"/>
+              </a:buClr>
+              <a:buSzPts val="2400"/>
+              <a:buFont typeface="Arial"/>
+              <a:buNone/>
+            </a:pPr>
+            <a:r>
+              <a:rPr lang="en-US" sz="2400" b="0" i="0" u="none" strike="noStrike" cap="none" dirty="0">
+                <a:solidFill>
+                  <a:schemeClr val="dk1"/>
+                </a:solidFill>
+                <a:latin typeface="Source Code Pro"/>
+                <a:ea typeface="Source Code Pro"/>
+                <a:cs typeface="Source Code Pro"/>
+                <a:sym typeface="Source Code Pro"/>
+              </a:rPr>
+              <a:t>def apply_to_list(some_list, f):</a:t>
+            </a:r>
+            <a:endParaRPr sz="1400" b="0" i="0" u="none" strike="noStrike" cap="none" dirty="0">
+              <a:solidFill>
+                <a:srgbClr val="000000"/>
+              </a:solidFill>
+              <a:latin typeface="Arial"/>
+              <a:ea typeface="Arial"/>
+              <a:cs typeface="Arial"/>
+              <a:sym typeface="Arial"/>
+            </a:endParaRPr>
+          </a:p>
+          <a:p>
+            <a:pPr marL="0" marR="0" lvl="0" indent="0" algn="l" rtl="0">
+              <a:lnSpc>
+                <a:spcPct val="150000"/>
+              </a:lnSpc>
+              <a:spcBef>
+                <a:spcPts val="0"/>
+              </a:spcBef>
+              <a:spcAft>
+                <a:spcPts val="0"/>
+              </a:spcAft>
+              <a:buClr>
+                <a:srgbClr val="000000"/>
+              </a:buClr>
+              <a:buSzPts val="2400"/>
+              <a:buFont typeface="Arial"/>
+              <a:buNone/>
+            </a:pPr>
+            <a:r>
+              <a:rPr lang="en-US" sz="2400" b="0" i="0" u="none" strike="noStrike" cap="none" dirty="0">
+                <a:solidFill>
+                  <a:schemeClr val="dk1"/>
+                </a:solidFill>
+                <a:latin typeface="Source Code Pro"/>
+                <a:ea typeface="Source Code Pro"/>
+                <a:cs typeface="Source Code Pro"/>
+                <a:sym typeface="Source Code Pro"/>
+              </a:rPr>
+              <a:t>	return [f(x) for x in some_list]</a:t>
+            </a:r>
+            <a:endParaRPr sz="1400" b="0" i="0" u="none" strike="noStrike" cap="none" dirty="0">
+              <a:solidFill>
+                <a:srgbClr val="000000"/>
+              </a:solidFill>
+              <a:latin typeface="Arial"/>
+              <a:ea typeface="Arial"/>
+              <a:cs typeface="Arial"/>
+              <a:sym typeface="Arial"/>
+            </a:endParaRPr>
+          </a:p>
+          <a:p>
+            <a:pPr marL="0" marR="0" lvl="0" indent="0" algn="l" rtl="0">
+              <a:lnSpc>
+                <a:spcPct val="150000"/>
+              </a:lnSpc>
+              <a:spcBef>
+                <a:spcPts val="0"/>
+              </a:spcBef>
+              <a:spcAft>
+                <a:spcPts val="0"/>
+              </a:spcAft>
+              <a:buClr>
+                <a:srgbClr val="000000"/>
+              </a:buClr>
+              <a:buSzPts val="1800"/>
+              <a:buFont typeface="Arial"/>
+              <a:buNone/>
+            </a:pPr>
+            <a:endParaRPr sz="1800" b="0" i="0" u="none" strike="noStrike" cap="none" dirty="0">
+              <a:solidFill>
+                <a:schemeClr val="dk1"/>
+              </a:solidFill>
+              <a:latin typeface="Source Code Pro"/>
+              <a:ea typeface="Source Code Pro"/>
+              <a:cs typeface="Source Code Pro"/>
+              <a:sym typeface="Source Code Pro"/>
+            </a:endParaRPr>
+          </a:p>
+          <a:p>
+            <a:pPr marL="0" marR="0" lvl="0" indent="0" algn="l" rtl="0">
+              <a:lnSpc>
+                <a:spcPct val="150000"/>
+              </a:lnSpc>
+              <a:spcBef>
+                <a:spcPts val="0"/>
+              </a:spcBef>
+              <a:spcAft>
+                <a:spcPts val="0"/>
+              </a:spcAft>
+              <a:buClr>
+                <a:srgbClr val="000000"/>
+              </a:buClr>
+              <a:buSzPts val="2400"/>
+              <a:buFont typeface="Arial"/>
+              <a:buNone/>
+            </a:pPr>
+            <a:r>
+              <a:rPr lang="en-US" sz="2400" b="0" i="0" u="none" strike="noStrike" cap="none" dirty="0">
+                <a:solidFill>
+                  <a:schemeClr val="dk1"/>
+                </a:solidFill>
+                <a:latin typeface="Source Code Pro"/>
+                <a:ea typeface="Source Code Pro"/>
+                <a:cs typeface="Source Code Pro"/>
+                <a:sym typeface="Source Code Pro"/>
+              </a:rPr>
+              <a:t>ints = [4, 0, 1, 5, 6]</a:t>
+            </a:r>
+            <a:endParaRPr sz="1400" b="0" i="0" u="none" strike="noStrike" cap="none" dirty="0">
+              <a:solidFill>
+                <a:srgbClr val="000000"/>
+              </a:solidFill>
+              <a:latin typeface="Arial"/>
+              <a:ea typeface="Arial"/>
+              <a:cs typeface="Arial"/>
+              <a:sym typeface="Arial"/>
+            </a:endParaRPr>
+          </a:p>
+          <a:p>
+            <a:pPr marL="0" marR="0" lvl="0" indent="0" algn="l" rtl="0">
+              <a:lnSpc>
+                <a:spcPct val="150000"/>
+              </a:lnSpc>
+              <a:spcBef>
+                <a:spcPts val="0"/>
+              </a:spcBef>
+              <a:spcAft>
+                <a:spcPts val="0"/>
+              </a:spcAft>
+              <a:buClr>
+                <a:srgbClr val="000000"/>
+              </a:buClr>
+              <a:buSzPts val="2400"/>
+              <a:buFont typeface="Arial"/>
+              <a:buNone/>
+            </a:pPr>
+            <a:r>
+              <a:rPr lang="en-US" sz="2400" b="0" i="0" u="none" strike="noStrike" cap="none" dirty="0">
+                <a:solidFill>
+                  <a:schemeClr val="dk1"/>
+                </a:solidFill>
+                <a:latin typeface="Source Code Pro"/>
+                <a:ea typeface="Source Code Pro"/>
+                <a:cs typeface="Source Code Pro"/>
+                <a:sym typeface="Source Code Pro"/>
+              </a:rPr>
+              <a:t>r1 = apply_to_list(ints, lambda x: x * 2)</a:t>
+            </a:r>
+            <a:endParaRPr sz="1400" b="0" i="0" u="none" strike="noStrike" cap="none" dirty="0">
+              <a:solidFill>
+                <a:srgbClr val="000000"/>
+              </a:solidFill>
+              <a:latin typeface="Arial"/>
+              <a:ea typeface="Arial"/>
+              <a:cs typeface="Arial"/>
+              <a:sym typeface="Arial"/>
+            </a:endParaRPr>
+          </a:p>
+          <a:p>
+            <a:pPr marL="0" marR="0" lvl="0" indent="0" algn="l" rtl="0">
+              <a:lnSpc>
+                <a:spcPct val="150000"/>
+              </a:lnSpc>
+              <a:spcBef>
+                <a:spcPts val="0"/>
+              </a:spcBef>
+              <a:spcAft>
+                <a:spcPts val="0"/>
+              </a:spcAft>
+              <a:buClr>
+                <a:srgbClr val="000000"/>
+              </a:buClr>
+              <a:buSzPts val="2400"/>
+              <a:buFont typeface="Arial"/>
+              <a:buNone/>
+            </a:pPr>
+            <a:r>
+              <a:rPr lang="en-US" sz="2400" b="0" i="0" u="none" strike="noStrike" cap="none" dirty="0">
+                <a:solidFill>
+                  <a:schemeClr val="dk1"/>
+                </a:solidFill>
+                <a:latin typeface="Source Code Pro"/>
+                <a:ea typeface="Source Code Pro"/>
+                <a:cs typeface="Source Code Pro"/>
+                <a:sym typeface="Source Code Pro"/>
+              </a:rPr>
+              <a:t>r2 = apply_to_list(ints, exemplo)</a:t>
+            </a:r>
+          </a:p>
+          <a:p>
+            <a:pPr marL="0" marR="0" lvl="0" indent="0" algn="l" rtl="0">
+              <a:lnSpc>
+                <a:spcPct val="150000"/>
+              </a:lnSpc>
+              <a:spcBef>
+                <a:spcPts val="0"/>
+              </a:spcBef>
+              <a:spcAft>
+                <a:spcPts val="0"/>
+              </a:spcAft>
+              <a:buClr>
+                <a:srgbClr val="000000"/>
+              </a:buClr>
+              <a:buSzPts val="2400"/>
+              <a:buFont typeface="Arial"/>
+              <a:buNone/>
+            </a:pPr>
+            <a:r>
+              <a:rPr lang="en-US" sz="2400" dirty="0">
+                <a:solidFill>
+                  <a:schemeClr val="dk1"/>
+                </a:solidFill>
+                <a:latin typeface="Source Code Pro"/>
+                <a:ea typeface="Source Code Pro"/>
+                <a:cs typeface="Source Code Pro"/>
+                <a:sym typeface="Source Code Pro"/>
+              </a:rPr>
+              <a:t>print(r1, r2)</a:t>
+            </a:r>
+            <a:endParaRPr sz="2400" b="1" i="0" u="none" strike="noStrike" cap="none" dirty="0">
+              <a:solidFill>
+                <a:schemeClr val="dk1"/>
+              </a:solidFill>
+              <a:latin typeface="Source Code Pro"/>
+              <a:ea typeface="Source Code Pro"/>
+              <a:cs typeface="Source Code Pro"/>
+              <a:sym typeface="Source Code Pro"/>
+            </a:endParaRPr>
+          </a:p>
+        </p:txBody>
+      </p:sp>
+      <p:sp>
+        <p:nvSpPr>
+          <p:cNvPr id="117" name="Google Shape;117;p5"/>
+          <p:cNvSpPr/>
+          <p:nvPr/>
+        </p:nvSpPr>
+        <p:spPr>
+          <a:xfrm>
+            <a:off x="1351504" y="6571686"/>
+            <a:ext cx="10586269" cy="833292"/>
+          </a:xfrm>
+          <a:prstGeom prst="rect">
+            <a:avLst/>
+          </a:prstGeom>
+          <a:solidFill>
+            <a:srgbClr val="EDEDED"/>
+          </a:solidFill>
+          <a:ln>
+            <a:noFill/>
+          </a:ln>
+        </p:spPr>
+        <p:txBody>
+          <a:bodyPr spcFirstLastPara="1" wrap="square" lIns="91425" tIns="45700" rIns="91425" bIns="45700" anchor="ctr" anchorCtr="0">
+            <a:noAutofit/>
+          </a:bodyPr>
+          <a:lstStyle/>
+          <a:p>
+            <a:pPr marL="0" marR="0" lvl="0" indent="0" algn="l" rtl="0">
+              <a:lnSpc>
+                <a:spcPct val="100000"/>
+              </a:lnSpc>
+              <a:spcBef>
+                <a:spcPts val="0"/>
+              </a:spcBef>
+              <a:spcAft>
+                <a:spcPts val="0"/>
+              </a:spcAft>
+              <a:buClr>
+                <a:srgbClr val="000000"/>
+              </a:buClr>
+              <a:buSzPts val="2400"/>
+              <a:buFont typeface="Arial"/>
+              <a:buNone/>
+            </a:pPr>
+            <a:r>
+              <a:rPr lang="en-US" sz="2400" b="0" i="0" u="none" strike="noStrike" cap="none" dirty="0">
+                <a:solidFill>
+                  <a:schemeClr val="dk1"/>
+                </a:solidFill>
+                <a:latin typeface="Calibri"/>
+                <a:ea typeface="Calibri"/>
+                <a:cs typeface="Calibri"/>
+                <a:sym typeface="Calibri"/>
+              </a:rPr>
+              <a:t>[8, 0, 2, 10, 12]   [8, 0, 2, 10, 12]</a:t>
+            </a:r>
+            <a:endParaRPr sz="2400" b="0" i="0" u="none" strike="noStrike" cap="none" dirty="0">
+              <a:solidFill>
+                <a:schemeClr val="dk1"/>
+              </a:solidFill>
+              <a:latin typeface="Calibri"/>
+              <a:ea typeface="Calibri"/>
+              <a:cs typeface="Calibri"/>
+              <a:sym typeface="Calibri"/>
+            </a:endParaRPr>
+          </a:p>
+        </p:txBody>
+      </p:sp>
+      <p:sp>
+        <p:nvSpPr>
+          <p:cNvPr id="5" name="CustomShape 3">
+            <a:extLst>
+              <a:ext uri="{FF2B5EF4-FFF2-40B4-BE49-F238E27FC236}">
+                <a16:creationId xmlns:a16="http://schemas.microsoft.com/office/drawing/2014/main" id="{39812C7D-9FC5-4A6E-B057-DCA85BC1EB3A}"/>
+              </a:ext>
+            </a:extLst>
+          </p:cNvPr>
+          <p:cNvSpPr/>
+          <p:nvPr/>
+        </p:nvSpPr>
+        <p:spPr>
+          <a:xfrm>
+            <a:off x="9941040" y="7157160"/>
+            <a:ext cx="3022920" cy="401400"/>
+          </a:xfrm>
+          <a:prstGeom prst="rect">
+            <a:avLst/>
+          </a:prstGeom>
+          <a:noFill/>
+          <a:ln>
+            <a:noFill/>
+          </a:ln>
+        </p:spPr>
+        <p:style>
+          <a:lnRef idx="0">
+            <a:scrgbClr r="0" g="0" b="0"/>
+          </a:lnRef>
+          <a:fillRef idx="0">
+            <a:scrgbClr r="0" g="0" b="0"/>
+          </a:fillRef>
+          <a:effectRef idx="0">
+            <a:scrgbClr r="0" g="0" b="0"/>
+          </a:effectRef>
+          <a:fontRef idx="minor"/>
+        </p:style>
+        <p:txBody>
+          <a:bodyPr lIns="90000" tIns="45000" rIns="90000" bIns="45000" anchor="ctr"/>
+          <a:lstStyle/>
+          <a:p>
+            <a:pPr algn="r">
+              <a:lnSpc>
+                <a:spcPct val="100000"/>
+              </a:lnSpc>
+            </a:pPr>
+            <a:fld id="{E41630A5-50A0-42D1-9024-10A5D4502CEA}" type="slidenum">
+              <a:rPr lang="pt-BR" sz="1330" b="0" strike="noStrike" spc="-1">
+                <a:solidFill>
+                  <a:srgbClr val="8B8B8B"/>
+                </a:solidFill>
+                <a:latin typeface="Calibri"/>
+                <a:ea typeface="DejaVu Sans"/>
+              </a:rPr>
+              <a:t>4</a:t>
+            </a:fld>
+            <a:endParaRPr lang="pt-BR" sz="1330" b="0" strike="noStrike" spc="-1">
+              <a:latin typeface="Arial"/>
+            </a:endParaRPr>
+          </a:p>
+        </p:txBody>
+      </p:sp>
+    </p:spTree>
+  </p:cSld>
+  <p:clrMapOvr>
+    <a:masterClrMapping/>
+  </p:clrMapOvr>
+  <p:timing>
+    <p:tnLst>
+      <p:par>
+        <p:cTn id="1" dur="indefinite" restart="never" nodeType="tmRoot">
+          <p:childTnLst>
+            <p:seq concurrent="1" nextAc="seek">
+              <p:cTn id="2" dur="indefinite" nodeType="mainSeq">
+                <p:childTnLst>
+                  <p:par>
+                    <p:cTn id="3" fill="hold">
+                      <p:stCondLst>
+                        <p:cond delay="indefinite"/>
+                      </p:stCondLst>
+                      <p:childTnLst>
+                        <p:par>
+                          <p:cTn id="4" fill="hold">
+                            <p:stCondLst>
+                              <p:cond delay="0"/>
+                            </p:stCondLst>
+                            <p:childTnLst>
+                              <p:par>
+                                <p:cTn id="5" presetID="1" presetClass="entr" presetSubtype="0" fill="hold" nodeType="clickEffect">
+                                  <p:stCondLst>
+                                    <p:cond delay="0"/>
+                                  </p:stCondLst>
+                                  <p:childTnLst>
+                                    <p:set>
+                                      <p:cBhvr>
+                                        <p:cTn id="6" dur="1" fill="hold">
+                                          <p:stCondLst>
+                                            <p:cond delay="0"/>
+                                          </p:stCondLst>
+                                        </p:cTn>
+                                        <p:tgtEl>
+                                          <p:spTgt spid="117"/>
+                                        </p:tgtEl>
+                                        <p:attrNameLst>
+                                          <p:attrName>style.visibility</p:attrName>
+                                        </p:attrNameLst>
+                                      </p:cBhvr>
+                                      <p:to>
+                                        <p:strVal val="visible"/>
+                                      </p:to>
+                                    </p:set>
+                                  </p:childTnLst>
+                                </p:cTn>
+                              </p:par>
+                            </p:childTnLst>
+                          </p:cTn>
+                        </p:par>
+                      </p:childTnLst>
+                    </p:cTn>
+                  </p:par>
+                </p:childTnLst>
+              </p:cTn>
+              <p:prevCondLst>
+                <p:cond evt="onPrev" delay="0">
+                  <p:tgtEl>
+                    <p:sldTgt/>
+                  </p:tgtEl>
+                </p:cond>
+              </p:prevCondLst>
+              <p:nextCondLst>
+                <p:cond evt="onNext" delay="0">
+                  <p:tgtEl>
+                    <p:sldTgt/>
+                  </p:tgtEl>
+                </p:cond>
+              </p:nextCondLst>
+            </p:seq>
+          </p:childTnLst>
+        </p:cTn>
+      </p:par>
+    </p:tnLst>
+  </p:timing>
+</p:sld>
+</file>
+
+<file path=ppt/slides/slide5.xml><?xml version="1.0" encoding="utf-8"?>
+<p:sld xmlns:a="http://schemas.openxmlformats.org/drawingml/2006/main" xmlns:r="http://schemas.openxmlformats.org/officeDocument/2006/relationships" xmlns:p="http://schemas.openxmlformats.org/presentationml/2006/main">
+  <p:cSld>
+    <p:spTree>
+      <p:nvGrpSpPr>
+        <p:cNvPr id="1" name="Shape 121"/>
+        <p:cNvGrpSpPr/>
+        <p:nvPr/>
+      </p:nvGrpSpPr>
+      <p:grpSpPr>
+        <a:xfrm>
+          <a:off x="0" y="0"/>
+          <a:ext cx="0" cy="0"/>
+          <a:chOff x="0" y="0"/>
+          <a:chExt cx="0" cy="0"/>
+        </a:xfrm>
+      </p:grpSpPr>
+      <p:sp>
+        <p:nvSpPr>
+          <p:cNvPr id="122" name="Google Shape;122;p6"/>
+          <p:cNvSpPr txBox="1">
+            <a:spLocks noGrp="1"/>
+          </p:cNvSpPr>
+          <p:nvPr>
+            <p:ph type="title"/>
+          </p:nvPr>
+        </p:nvSpPr>
+        <p:spPr>
+          <a:prstGeom prst="rect">
+            <a:avLst/>
+          </a:prstGeom>
+          <a:noFill/>
+          <a:ln>
+            <a:noFill/>
+          </a:ln>
+        </p:spPr>
+        <p:txBody>
+          <a:bodyPr spcFirstLastPara="1" wrap="square" lIns="91425" tIns="45700" rIns="91425" bIns="45700" anchor="ctr" anchorCtr="0">
+            <a:normAutofit/>
+          </a:bodyPr>
+          <a:lstStyle/>
+          <a:p>
+            <a:pPr marL="0" lvl="0" indent="0" algn="ctr" rtl="0">
+              <a:lnSpc>
+                <a:spcPct val="90000"/>
+              </a:lnSpc>
+              <a:spcBef>
+                <a:spcPts val="0"/>
+              </a:spcBef>
+              <a:spcAft>
+                <a:spcPts val="0"/>
+              </a:spcAft>
+              <a:buClr>
+                <a:srgbClr val="2F5496"/>
+              </a:buClr>
+              <a:buSzPts val="4400"/>
+              <a:buFont typeface="Calibri"/>
+              <a:buNone/>
+            </a:pPr>
+            <a:r>
+              <a:rPr lang="en-US" dirty="0" err="1"/>
+              <a:t>Função</a:t>
+            </a:r>
+            <a:r>
+              <a:rPr lang="en-US" dirty="0"/>
+              <a:t> Lambda para </a:t>
+            </a:r>
+            <a:r>
+              <a:rPr lang="en-US" dirty="0" err="1"/>
+              <a:t>ordenar</a:t>
+            </a:r>
+            <a:r>
+              <a:rPr lang="en-US" dirty="0"/>
+              <a:t> </a:t>
+            </a:r>
+            <a:r>
+              <a:rPr lang="en-US" dirty="0" err="1"/>
+              <a:t>uma</a:t>
+            </a:r>
+            <a:r>
+              <a:rPr lang="en-US" dirty="0"/>
+              <a:t> </a:t>
+            </a:r>
+            <a:r>
+              <a:rPr lang="en-US" dirty="0" err="1"/>
+              <a:t>lista</a:t>
+            </a:r>
+            <a:endParaRPr dirty="0"/>
+          </a:p>
+        </p:txBody>
+      </p:sp>
+      <p:sp>
+        <p:nvSpPr>
+          <p:cNvPr id="123" name="Google Shape;123;p6"/>
           <p:cNvSpPr txBox="1">
             <a:spLocks noGrp="1"/>
           </p:cNvSpPr>
@@ -18412,7 +20339,7 @@
           </a:bodyPr>
           <a:lstStyle/>
           <a:p>
-            <a:pPr marL="228600" lvl="0" indent="0" algn="l" rtl="0">
+            <a:pPr marL="228600" lvl="0" indent="-228600" algn="l" rtl="0">
               <a:lnSpc>
                 <a:spcPct val="90000"/>
               </a:lnSpc>
@@ -18426,48 +20353,477 @@
                 <a:schemeClr val="dk1"/>
               </a:buClr>
               <a:buSzPts val="3600"/>
+              <a:buChar char="•"/>
+            </a:pPr>
+            <a:r>
+              <a:rPr lang="en-US" dirty="0" err="1"/>
+              <a:t>Criar</a:t>
+            </a:r>
+            <a:r>
+              <a:rPr lang="en-US" dirty="0"/>
+              <a:t> </a:t>
+            </a:r>
+            <a:r>
+              <a:rPr lang="en-US" dirty="0" err="1"/>
+              <a:t>uma</a:t>
+            </a:r>
+            <a:r>
+              <a:rPr lang="en-US" dirty="0"/>
+              <a:t> </a:t>
+            </a:r>
+            <a:r>
+              <a:rPr lang="en-US" dirty="0" err="1"/>
+              <a:t>função</a:t>
+            </a:r>
+            <a:r>
+              <a:rPr lang="en-US" dirty="0"/>
+              <a:t> lambda para </a:t>
+            </a:r>
+            <a:r>
+              <a:rPr lang="en-US" dirty="0" err="1"/>
+              <a:t>ordenar</a:t>
+            </a:r>
+            <a:r>
+              <a:rPr lang="en-US" dirty="0"/>
+              <a:t> </a:t>
+            </a:r>
+            <a:r>
+              <a:rPr lang="en-US" dirty="0" err="1"/>
+              <a:t>uma</a:t>
+            </a:r>
+            <a:r>
+              <a:rPr lang="en-US" dirty="0"/>
+              <a:t> </a:t>
+            </a:r>
+            <a:r>
+              <a:rPr lang="en-US" dirty="0" err="1"/>
+              <a:t>lista</a:t>
+            </a:r>
+            <a:r>
+              <a:rPr lang="en-US" dirty="0"/>
+              <a:t> de strings</a:t>
+            </a:r>
+            <a:endParaRPr dirty="0"/>
+          </a:p>
+          <a:p>
+            <a:pPr lvl="1">
+              <a:buClr>
+                <a:srgbClr val="0206BE"/>
+              </a:buClr>
+              <a:buSzPts val="3200"/>
+            </a:pPr>
+            <a:r>
+              <a:rPr lang="en-US" dirty="0" err="1"/>
+              <a:t>pelo</a:t>
+            </a:r>
+            <a:r>
+              <a:rPr lang="en-US" dirty="0"/>
+              <a:t> </a:t>
+            </a:r>
+            <a:r>
+              <a:rPr lang="en-US" dirty="0" err="1"/>
+              <a:t>tamanho</a:t>
+            </a:r>
+            <a:r>
+              <a:rPr lang="en-US" dirty="0"/>
+              <a:t> dos </a:t>
+            </a:r>
+            <a:r>
+              <a:rPr lang="en-US" dirty="0" err="1"/>
+              <a:t>seus</a:t>
+            </a:r>
+            <a:r>
+              <a:rPr lang="en-US" dirty="0"/>
+              <a:t> </a:t>
+            </a:r>
+            <a:r>
+              <a:rPr lang="en-US" dirty="0" err="1"/>
+              <a:t>elementos</a:t>
+            </a:r>
+            <a:endParaRPr lang="pt-BR" dirty="0"/>
+          </a:p>
+          <a:p>
+            <a:pPr lvl="2" indent="-457200">
+              <a:buClr>
+                <a:srgbClr val="3F3F3F"/>
+              </a:buClr>
+              <a:buSzPts val="2800"/>
+            </a:pPr>
+            <a:r>
+              <a:rPr lang="en-US" dirty="0"/>
+              <a:t>do </a:t>
+            </a:r>
+            <a:r>
+              <a:rPr lang="en-US" dirty="0" err="1"/>
+              <a:t>menor</a:t>
+            </a:r>
+            <a:r>
+              <a:rPr lang="en-US" dirty="0"/>
+              <a:t> para o </a:t>
+            </a:r>
+            <a:r>
+              <a:rPr lang="en-US" dirty="0" err="1"/>
+              <a:t>maior</a:t>
+            </a:r>
+            <a:endParaRPr lang="pt-BR" dirty="0"/>
+          </a:p>
+        </p:txBody>
+      </p:sp>
+      <p:sp>
+        <p:nvSpPr>
+          <p:cNvPr id="124" name="Google Shape;124;p6"/>
+          <p:cNvSpPr txBox="1"/>
+          <p:nvPr/>
+        </p:nvSpPr>
+        <p:spPr>
+          <a:xfrm>
+            <a:off x="1751468" y="3855579"/>
+            <a:ext cx="9936837" cy="1754286"/>
+          </a:xfrm>
+          <a:prstGeom prst="rect">
+            <a:avLst/>
+          </a:prstGeom>
+          <a:solidFill>
+            <a:srgbClr val="FFF2CC"/>
+          </a:solidFill>
+          <a:ln>
+            <a:noFill/>
+          </a:ln>
+        </p:spPr>
+        <p:txBody>
+          <a:bodyPr spcFirstLastPara="1" wrap="square" lIns="91425" tIns="45700" rIns="91425" bIns="45700" anchor="t" anchorCtr="0">
+            <a:spAutoFit/>
+          </a:bodyPr>
+          <a:lstStyle/>
+          <a:p>
+            <a:pPr marL="0" marR="0" lvl="0" indent="0" algn="l" rtl="0">
+              <a:lnSpc>
+                <a:spcPct val="150000"/>
+              </a:lnSpc>
+              <a:spcBef>
+                <a:spcPts val="0"/>
+              </a:spcBef>
+              <a:spcAft>
+                <a:spcPts val="0"/>
+              </a:spcAft>
+              <a:buClr>
+                <a:srgbClr val="000000"/>
+              </a:buClr>
+              <a:buSzPts val="2400"/>
+              <a:buFont typeface="Arial"/>
               <a:buNone/>
             </a:pPr>
-            <a:endParaRPr/>
-          </a:p>
-          <a:p>
-            <a:pPr marL="228600" lvl="0" indent="0" algn="l" rtl="0">
+            <a:r>
+              <a:rPr lang="en-US" sz="2400" b="0" i="0" u="none" strike="noStrike" cap="none" dirty="0">
+                <a:solidFill>
+                  <a:schemeClr val="dk1"/>
+                </a:solidFill>
+                <a:latin typeface="Source Code Pro"/>
+                <a:ea typeface="Source Code Pro"/>
+                <a:cs typeface="Source Code Pro"/>
+                <a:sym typeface="Source Code Pro"/>
+              </a:rPr>
+              <a:t>strings = ['</a:t>
+            </a:r>
+            <a:r>
+              <a:rPr lang="en-US" sz="2400" b="0" i="0" u="none" strike="noStrike" cap="none" dirty="0" err="1">
+                <a:solidFill>
+                  <a:schemeClr val="dk1"/>
+                </a:solidFill>
+                <a:latin typeface="Source Code Pro"/>
+                <a:ea typeface="Source Code Pro"/>
+                <a:cs typeface="Source Code Pro"/>
+                <a:sym typeface="Source Code Pro"/>
+              </a:rPr>
+              <a:t>fo</a:t>
+            </a:r>
+            <a:r>
+              <a:rPr lang="en-US" sz="2400" b="0" i="0" u="none" strike="noStrike" cap="none" dirty="0">
+                <a:solidFill>
+                  <a:schemeClr val="dk1"/>
+                </a:solidFill>
+                <a:latin typeface="Source Code Pro"/>
+                <a:ea typeface="Source Code Pro"/>
+                <a:cs typeface="Source Code Pro"/>
+                <a:sym typeface="Source Code Pro"/>
+              </a:rPr>
+              <a:t>', 'card', 'bar', 'aaa2222a', '</a:t>
+            </a:r>
+            <a:r>
+              <a:rPr lang="en-US" sz="2400" b="0" i="0" u="none" strike="noStrike" cap="none" dirty="0" err="1">
+                <a:solidFill>
+                  <a:schemeClr val="dk1"/>
+                </a:solidFill>
+                <a:latin typeface="Source Code Pro"/>
+                <a:ea typeface="Source Code Pro"/>
+                <a:cs typeface="Source Code Pro"/>
+                <a:sym typeface="Source Code Pro"/>
+              </a:rPr>
+              <a:t>abasb</a:t>
+            </a:r>
+            <a:r>
+              <a:rPr lang="en-US" sz="2400" b="0" i="0" u="none" strike="noStrike" cap="none" dirty="0">
+                <a:solidFill>
+                  <a:schemeClr val="dk1"/>
+                </a:solidFill>
+                <a:latin typeface="Source Code Pro"/>
+                <a:ea typeface="Source Code Pro"/>
+                <a:cs typeface="Source Code Pro"/>
+                <a:sym typeface="Source Code Pro"/>
+              </a:rPr>
+              <a:t>']</a:t>
+            </a:r>
+            <a:endParaRPr sz="1400" b="0" i="0" u="none" strike="noStrike" cap="none" dirty="0">
+              <a:solidFill>
+                <a:srgbClr val="000000"/>
+              </a:solidFill>
+              <a:latin typeface="Arial"/>
+              <a:ea typeface="Arial"/>
+              <a:cs typeface="Arial"/>
+              <a:sym typeface="Arial"/>
+            </a:endParaRPr>
+          </a:p>
+          <a:p>
+            <a:pPr marL="0" marR="0" lvl="0" indent="0" algn="l" rtl="0">
               <a:lnSpc>
-                <a:spcPct val="90000"/>
+                <a:spcPct val="150000"/>
               </a:lnSpc>
               <a:spcBef>
-                <a:spcPts val="1000"/>
+                <a:spcPts val="0"/>
               </a:spcBef>
               <a:spcAft>
                 <a:spcPts val="0"/>
               </a:spcAft>
               <a:buClr>
-                <a:schemeClr val="dk1"/>
+                <a:srgbClr val="000000"/>
               </a:buClr>
-              <a:buSzPts val="3600"/>
+              <a:buSzPts val="2400"/>
+              <a:buFont typeface="Arial"/>
               <a:buNone/>
             </a:pPr>
-            <a:endParaRPr/>
+            <a:r>
+              <a:rPr lang="en-US" sz="2400" b="0" i="0" u="none" strike="noStrike" cap="none" dirty="0" err="1">
+                <a:solidFill>
+                  <a:schemeClr val="dk1"/>
+                </a:solidFill>
+                <a:latin typeface="Source Code Pro"/>
+                <a:ea typeface="Source Code Pro"/>
+                <a:cs typeface="Source Code Pro"/>
+                <a:sym typeface="Source Code Pro"/>
+              </a:rPr>
+              <a:t>strings.sort</a:t>
+            </a:r>
+            <a:r>
+              <a:rPr lang="en-US" sz="2400" b="0" i="0" u="none" strike="noStrike" cap="none" dirty="0">
+                <a:solidFill>
+                  <a:schemeClr val="dk1"/>
+                </a:solidFill>
+                <a:latin typeface="Source Code Pro"/>
+                <a:ea typeface="Source Code Pro"/>
+                <a:cs typeface="Source Code Pro"/>
+                <a:sym typeface="Source Code Pro"/>
+              </a:rPr>
+              <a:t>(key=lambda x: </a:t>
+            </a:r>
+            <a:r>
+              <a:rPr lang="en-US" sz="2400" b="0" i="0" u="none" strike="noStrike" cap="none" dirty="0" err="1">
+                <a:solidFill>
+                  <a:schemeClr val="dk1"/>
+                </a:solidFill>
+                <a:latin typeface="Source Code Pro"/>
+                <a:ea typeface="Source Code Pro"/>
+                <a:cs typeface="Source Code Pro"/>
+                <a:sym typeface="Source Code Pro"/>
+              </a:rPr>
+              <a:t>len</a:t>
+            </a:r>
+            <a:r>
+              <a:rPr lang="en-US" sz="2400" b="0" i="0" u="none" strike="noStrike" cap="none" dirty="0">
+                <a:solidFill>
+                  <a:schemeClr val="dk1"/>
+                </a:solidFill>
+                <a:latin typeface="Source Code Pro"/>
+                <a:ea typeface="Source Code Pro"/>
+                <a:cs typeface="Source Code Pro"/>
+                <a:sym typeface="Source Code Pro"/>
+              </a:rPr>
+              <a:t>(x))</a:t>
+            </a:r>
+          </a:p>
+          <a:p>
+            <a:pPr marL="0" marR="0" lvl="0" indent="0" algn="l" rtl="0">
+              <a:lnSpc>
+                <a:spcPct val="150000"/>
+              </a:lnSpc>
+              <a:spcBef>
+                <a:spcPts val="0"/>
+              </a:spcBef>
+              <a:spcAft>
+                <a:spcPts val="0"/>
+              </a:spcAft>
+              <a:buClr>
+                <a:srgbClr val="000000"/>
+              </a:buClr>
+              <a:buSzPts val="2400"/>
+              <a:buFont typeface="Arial"/>
+              <a:buNone/>
+            </a:pPr>
+            <a:r>
+              <a:rPr lang="en-US" sz="2400" dirty="0">
+                <a:solidFill>
+                  <a:schemeClr val="dk1"/>
+                </a:solidFill>
+                <a:latin typeface="Source Code Pro"/>
+                <a:ea typeface="Source Code Pro"/>
+                <a:cs typeface="Arial"/>
+                <a:sym typeface="Source Code Pro"/>
+              </a:rPr>
+              <a:t>print(strings)</a:t>
+            </a:r>
+            <a:endParaRPr sz="1400" b="0" i="0" u="none" strike="noStrike" cap="none" dirty="0">
+              <a:solidFill>
+                <a:srgbClr val="000000"/>
+              </a:solidFill>
+              <a:latin typeface="Arial"/>
+              <a:ea typeface="Arial"/>
+              <a:cs typeface="Arial"/>
+              <a:sym typeface="Arial"/>
+            </a:endParaRPr>
           </a:p>
         </p:txBody>
       </p:sp>
-      <p:pic>
-        <p:nvPicPr>
-          <p:cNvPr id="96" name="Google Shape;96;p2"/>
-          <p:cNvPicPr preferRelativeResize="0"/>
+      <p:sp>
+        <p:nvSpPr>
+          <p:cNvPr id="125" name="Google Shape;125;p6"/>
+          <p:cNvSpPr/>
           <p:nvPr/>
-        </p:nvPicPr>
-        <p:blipFill rotWithShape="1">
-          <a:blip r:embed="rId3">
-            <a:alphaModFix/>
-          </a:blip>
-          <a:srcRect/>
-          <a:stretch/>
-        </p:blipFill>
+        </p:nvSpPr>
         <p:spPr>
           <a:xfrm>
-            <a:off x="297453" y="1042969"/>
-            <a:ext cx="12823635" cy="6445488"/>
+            <a:off x="1751468" y="5718946"/>
+            <a:ext cx="9936837" cy="1106527"/>
+          </a:xfrm>
+          <a:prstGeom prst="rect">
+            <a:avLst/>
+          </a:prstGeom>
+          <a:solidFill>
+            <a:srgbClr val="EDEDED"/>
+          </a:solidFill>
+          <a:ln>
+            <a:noFill/>
+          </a:ln>
+        </p:spPr>
+        <p:txBody>
+          <a:bodyPr spcFirstLastPara="1" wrap="square" lIns="91425" tIns="45700" rIns="91425" bIns="45700" anchor="ctr" anchorCtr="0">
+            <a:noAutofit/>
+          </a:bodyPr>
+          <a:lstStyle/>
+          <a:p>
+            <a:pPr marL="0" marR="0" lvl="0" indent="0" algn="l" rtl="0">
+              <a:lnSpc>
+                <a:spcPct val="100000"/>
+              </a:lnSpc>
+              <a:spcBef>
+                <a:spcPts val="0"/>
+              </a:spcBef>
+              <a:spcAft>
+                <a:spcPts val="0"/>
+              </a:spcAft>
+              <a:buClr>
+                <a:srgbClr val="000000"/>
+              </a:buClr>
+              <a:buSzPts val="2400"/>
+              <a:buFont typeface="Arial"/>
+              <a:buNone/>
+            </a:pPr>
+            <a:r>
+              <a:rPr lang="en-US" sz="2400" b="0" i="0" u="none" strike="noStrike" cap="none" dirty="0">
+                <a:solidFill>
+                  <a:schemeClr val="dk1"/>
+                </a:solidFill>
+                <a:latin typeface="Calibri"/>
+                <a:ea typeface="Calibri"/>
+                <a:cs typeface="Calibri"/>
+                <a:sym typeface="Calibri"/>
+              </a:rPr>
+              <a:t>['</a:t>
+            </a:r>
+            <a:r>
+              <a:rPr lang="en-US" sz="2400" b="0" i="0" u="none" strike="noStrike" cap="none" dirty="0" err="1">
+                <a:solidFill>
+                  <a:schemeClr val="dk1"/>
+                </a:solidFill>
+                <a:latin typeface="Calibri"/>
+                <a:ea typeface="Calibri"/>
+                <a:cs typeface="Calibri"/>
+                <a:sym typeface="Calibri"/>
+              </a:rPr>
+              <a:t>fo</a:t>
+            </a:r>
+            <a:r>
+              <a:rPr lang="en-US" sz="2400" b="0" i="0" u="none" strike="noStrike" cap="none" dirty="0">
+                <a:solidFill>
+                  <a:schemeClr val="dk1"/>
+                </a:solidFill>
+                <a:latin typeface="Calibri"/>
+                <a:ea typeface="Calibri"/>
+                <a:cs typeface="Calibri"/>
+                <a:sym typeface="Calibri"/>
+              </a:rPr>
+              <a:t>', 'bar', 'card', '</a:t>
+            </a:r>
+            <a:r>
+              <a:rPr lang="en-US" sz="2400" b="0" i="0" u="none" strike="noStrike" cap="none" dirty="0" err="1">
+                <a:solidFill>
+                  <a:schemeClr val="dk1"/>
+                </a:solidFill>
+                <a:latin typeface="Calibri"/>
+                <a:ea typeface="Calibri"/>
+                <a:cs typeface="Calibri"/>
+                <a:sym typeface="Calibri"/>
+              </a:rPr>
+              <a:t>abasb</a:t>
+            </a:r>
+            <a:r>
+              <a:rPr lang="en-US" sz="2400" b="0" i="0" u="none" strike="noStrike" cap="none" dirty="0">
+                <a:solidFill>
+                  <a:schemeClr val="dk1"/>
+                </a:solidFill>
+                <a:latin typeface="Calibri"/>
+                <a:ea typeface="Calibri"/>
+                <a:cs typeface="Calibri"/>
+                <a:sym typeface="Calibri"/>
+              </a:rPr>
+              <a:t>', 'aaa2222a']</a:t>
+            </a:r>
+            <a:endParaRPr sz="2400" b="0" i="0" u="none" strike="noStrike" cap="none" dirty="0">
+              <a:solidFill>
+                <a:schemeClr val="dk1"/>
+              </a:solidFill>
+              <a:latin typeface="Calibri"/>
+              <a:ea typeface="Calibri"/>
+              <a:cs typeface="Calibri"/>
+              <a:sym typeface="Calibri"/>
+            </a:endParaRPr>
+          </a:p>
+        </p:txBody>
+      </p:sp>
+      <p:sp>
+        <p:nvSpPr>
+          <p:cNvPr id="6" name="CustomShape 3">
+            <a:extLst>
+              <a:ext uri="{FF2B5EF4-FFF2-40B4-BE49-F238E27FC236}">
+                <a16:creationId xmlns:a16="http://schemas.microsoft.com/office/drawing/2014/main" id="{1E072C1A-883F-4BC1-A5B3-11487D385D8C}"/>
+              </a:ext>
+            </a:extLst>
+          </p:cNvPr>
+          <p:cNvSpPr/>
+          <p:nvPr/>
+        </p:nvSpPr>
+        <p:spPr>
+          <a:xfrm>
+            <a:off x="9941040" y="7157160"/>
+            <a:ext cx="3022920" cy="401400"/>
           </a:xfrm>
           <a:prstGeom prst="rect">
             <a:avLst/>
@@ -18477,21 +20833,127 @@
             <a:noFill/>
           </a:ln>
         </p:spPr>
-      </p:pic>
+        <p:style>
+          <a:lnRef idx="0">
+            <a:scrgbClr r="0" g="0" b="0"/>
+          </a:lnRef>
+          <a:fillRef idx="0">
+            <a:scrgbClr r="0" g="0" b="0"/>
+          </a:fillRef>
+          <a:effectRef idx="0">
+            <a:scrgbClr r="0" g="0" b="0"/>
+          </a:effectRef>
+          <a:fontRef idx="minor"/>
+        </p:style>
+        <p:txBody>
+          <a:bodyPr lIns="90000" tIns="45000" rIns="90000" bIns="45000" anchor="ctr"/>
+          <a:lstStyle/>
+          <a:p>
+            <a:pPr algn="r">
+              <a:lnSpc>
+                <a:spcPct val="100000"/>
+              </a:lnSpc>
+            </a:pPr>
+            <a:fld id="{E41630A5-50A0-42D1-9024-10A5D4502CEA}" type="slidenum">
+              <a:rPr lang="pt-BR" sz="1330" b="0" strike="noStrike" spc="-1">
+                <a:solidFill>
+                  <a:srgbClr val="8B8B8B"/>
+                </a:solidFill>
+                <a:latin typeface="Calibri"/>
+                <a:ea typeface="DejaVu Sans"/>
+              </a:rPr>
+              <a:t>5</a:t>
+            </a:fld>
+            <a:endParaRPr lang="pt-BR" sz="1330" b="0" strike="noStrike" spc="-1">
+              <a:latin typeface="Arial"/>
+            </a:endParaRPr>
+          </a:p>
+        </p:txBody>
+      </p:sp>
     </p:spTree>
-    <p:extLst>
-      <p:ext uri="{BB962C8B-B14F-4D97-AF65-F5344CB8AC3E}">
-        <p14:creationId xmlns:p14="http://schemas.microsoft.com/office/powerpoint/2010/main" val="4177486262"/>
-      </p:ext>
-    </p:extLst>
   </p:cSld>
   <p:clrMapOvr>
     <a:masterClrMapping/>
   </p:clrMapOvr>
+  <p:timing>
+    <p:tnLst>
+      <p:par>
+        <p:cTn id="1" dur="indefinite" restart="never" nodeType="tmRoot">
+          <p:childTnLst>
+            <p:seq concurrent="1" nextAc="seek">
+              <p:cTn id="2" dur="indefinite" nodeType="mainSeq">
+                <p:childTnLst>
+                  <p:par>
+                    <p:cTn id="3" fill="hold">
+                      <p:stCondLst>
+                        <p:cond delay="indefinite"/>
+                      </p:stCondLst>
+                      <p:childTnLst>
+                        <p:par>
+                          <p:cTn id="4" fill="hold">
+                            <p:stCondLst>
+                              <p:cond delay="0"/>
+                            </p:stCondLst>
+                            <p:childTnLst>
+                              <p:par>
+                                <p:cTn id="5" presetID="1" presetClass="entr" presetSubtype="0" fill="hold" nodeType="clickEffect">
+                                  <p:stCondLst>
+                                    <p:cond delay="0"/>
+                                  </p:stCondLst>
+                                  <p:childTnLst>
+                                    <p:set>
+                                      <p:cBhvr>
+                                        <p:cTn id="6" dur="1" fill="hold">
+                                          <p:stCondLst>
+                                            <p:cond delay="0"/>
+                                          </p:stCondLst>
+                                        </p:cTn>
+                                        <p:tgtEl>
+                                          <p:spTgt spid="125"/>
+                                        </p:tgtEl>
+                                        <p:attrNameLst>
+                                          <p:attrName>style.visibility</p:attrName>
+                                        </p:attrNameLst>
+                                      </p:cBhvr>
+                                      <p:to>
+                                        <p:strVal val="visible"/>
+                                      </p:to>
+                                    </p:set>
+                                  </p:childTnLst>
+                                </p:cTn>
+                              </p:par>
+                            </p:childTnLst>
+                          </p:cTn>
+                        </p:par>
+                      </p:childTnLst>
+                    </p:cTn>
+                  </p:par>
+                </p:childTnLst>
+              </p:cTn>
+              <p:prevCondLst>
+                <p:cond evt="onPrev" delay="0">
+                  <p:tgtEl>
+                    <p:sldTgt/>
+                  </p:tgtEl>
+                </p:cond>
+              </p:prevCondLst>
+              <p:nextCondLst>
+                <p:cond evt="onNext" delay="0">
+                  <p:tgtEl>
+                    <p:sldTgt/>
+                  </p:tgtEl>
+                </p:cond>
+              </p:nextCondLst>
+            </p:seq>
+          </p:childTnLst>
+        </p:cTn>
+      </p:par>
+    </p:tnLst>
+  </p:timing>
 </p:sld>
 </file>
 
-<file path=ppt/slides/slide4.xml><?xml version="1.0" encoding="utf-8"?>
+<file path=ppt/slides/slide6.xml><?xml version="1.0" encoding="utf-8"?>
 <p:sld xmlns:a="http://schemas.openxmlformats.org/drawingml/2006/main" xmlns:r="http://schemas.openxmlformats.org/officeDocument/2006/relationships" xmlns:p="http://schemas.openxmlformats.org/presentationml/2006/main">
   <p:cSld>
     <p:spTree>
@@ -18664,51 +21126,6 @@
           </a:p>
         </p:txBody>
       </p:sp>
-      <p:sp>
-        <p:nvSpPr>
-          <p:cNvPr id="2" name="TextBox 1">
-            <a:extLst>
-              <a:ext uri="{FF2B5EF4-FFF2-40B4-BE49-F238E27FC236}">
-                <a16:creationId xmlns:a16="http://schemas.microsoft.com/office/drawing/2014/main" id="{E687E371-090D-4088-B498-BB113992463C}"/>
-              </a:ext>
-            </a:extLst>
-          </p:cNvPr>
-          <p:cNvSpPr txBox="1"/>
-          <p:nvPr/>
-        </p:nvSpPr>
-        <p:spPr>
-          <a:xfrm>
-            <a:off x="1286189" y="6611815"/>
-            <a:ext cx="7710765" cy="523220"/>
-          </a:xfrm>
-          <a:prstGeom prst="rect">
-            <a:avLst/>
-          </a:prstGeom>
-          <a:noFill/>
-        </p:spPr>
-        <p:txBody>
-          <a:bodyPr wrap="none" rtlCol="0">
-            <a:spAutoFit/>
-          </a:bodyPr>
-          <a:lstStyle/>
-          <a:p>
-            <a:pPr marL="285750" indent="-285750">
-              <a:buFont typeface="Arial" panose="020B0604020202020204" pitchFamily="34" charset="0"/>
-              <a:buChar char="•"/>
-            </a:pPr>
-            <a:r>
-              <a:rPr lang="pt-BR" sz="2800" dirty="0">
-                <a:hlinkClick r:id="rId3"/>
-              </a:rPr>
-              <a:t>https://deepnote.com </a:t>
-            </a:r>
-            <a:r>
-              <a:rPr lang="pt-BR" sz="2800" dirty="0"/>
-              <a:t>: Notebook colaborativo</a:t>
-            </a:r>
-          </a:p>
-        </p:txBody>
-      </p:sp>
     </p:spTree>
   </p:cSld>
   <p:clrMapOvr>
@@ -18717,7 +21134,7 @@
 </p:sld>
 </file>
 
-<file path=ppt/slides/slide5.xml><?xml version="1.0" encoding="utf-8"?>
+<file path=ppt/slides/slide7.xml><?xml version="1.0" encoding="utf-8"?>
 <p:sld xmlns:a="http://schemas.openxmlformats.org/drawingml/2006/main" xmlns:r="http://schemas.openxmlformats.org/officeDocument/2006/relationships" xmlns:p="http://schemas.openxmlformats.org/presentationml/2006/main">
   <p:cSld>
     <p:spTree>
@@ -18975,7 +21392,7 @@
 </p:sld>
 </file>
 
-<file path=ppt/slides/slide6.xml><?xml version="1.0" encoding="utf-8"?>
+<file path=ppt/slides/slide8.xml><?xml version="1.0" encoding="utf-8"?>
 <p:sld xmlns:a="http://schemas.openxmlformats.org/drawingml/2006/main" xmlns:r="http://schemas.openxmlformats.org/officeDocument/2006/relationships" xmlns:p="http://schemas.openxmlformats.org/presentationml/2006/main">
   <p:cSld>
     <p:spTree>
@@ -19262,7 +21679,7 @@
 </p:sld>
 </file>
 
-<file path=ppt/slides/slide7.xml><?xml version="1.0" encoding="utf-8"?>
+<file path=ppt/slides/slide9.xml><?xml version="1.0" encoding="utf-8"?>
 <p:sld xmlns:a="http://schemas.openxmlformats.org/drawingml/2006/main" xmlns:r="http://schemas.openxmlformats.org/officeDocument/2006/relationships" xmlns:p="http://schemas.openxmlformats.org/presentationml/2006/main">
   <p:cSld>
     <p:spTree>
@@ -19414,395 +21831,6 @@
         </p:spPr>
       </p:pic>
     </p:spTree>
-  </p:cSld>
-  <p:clrMapOvr>
-    <a:masterClrMapping/>
-  </p:clrMapOvr>
-</p:sld>
-</file>
-
-<file path=ppt/slides/slide8.xml><?xml version="1.0" encoding="utf-8"?>
-<p:sld xmlns:a="http://schemas.openxmlformats.org/drawingml/2006/main" xmlns:r="http://schemas.openxmlformats.org/officeDocument/2006/relationships" xmlns:p="http://schemas.openxmlformats.org/presentationml/2006/main">
-  <p:cSld>
-    <p:spTree>
-      <p:nvGrpSpPr>
-        <p:cNvPr id="1" name="Shape 155"/>
-        <p:cNvGrpSpPr/>
-        <p:nvPr/>
-      </p:nvGrpSpPr>
-      <p:grpSpPr>
-        <a:xfrm>
-          <a:off x="0" y="0"/>
-          <a:ext cx="0" cy="0"/>
-          <a:chOff x="0" y="0"/>
-          <a:chExt cx="0" cy="0"/>
-        </a:xfrm>
-      </p:grpSpPr>
-      <p:sp>
-        <p:nvSpPr>
-          <p:cNvPr id="156" name="Google Shape;156;p11"/>
-          <p:cNvSpPr txBox="1">
-            <a:spLocks noGrp="1"/>
-          </p:cNvSpPr>
-          <p:nvPr>
-            <p:ph type="title"/>
-          </p:nvPr>
-        </p:nvSpPr>
-        <p:spPr>
-          <a:xfrm>
-            <a:off x="923924" y="132556"/>
-            <a:ext cx="11591925" cy="941161"/>
-          </a:xfrm>
-          <a:prstGeom prst="rect">
-            <a:avLst/>
-          </a:prstGeom>
-          <a:noFill/>
-          <a:ln>
-            <a:noFill/>
-          </a:ln>
-        </p:spPr>
-        <p:txBody>
-          <a:bodyPr spcFirstLastPara="1" wrap="square" lIns="91425" tIns="45700" rIns="91425" bIns="45700" anchor="ctr" anchorCtr="0">
-            <a:normAutofit/>
-          </a:bodyPr>
-          <a:lstStyle/>
-          <a:p>
-            <a:pPr marL="0" lvl="0" indent="0" algn="ctr" rtl="0">
-              <a:lnSpc>
-                <a:spcPct val="90000"/>
-              </a:lnSpc>
-              <a:spcBef>
-                <a:spcPts val="0"/>
-              </a:spcBef>
-              <a:spcAft>
-                <a:spcPts val="0"/>
-              </a:spcAft>
-              <a:buClr>
-                <a:srgbClr val="2F5496"/>
-              </a:buClr>
-              <a:buSzPts val="4400"/>
-              <a:buFont typeface="Calibri"/>
-              <a:buNone/>
-            </a:pPr>
-            <a:r>
-              <a:rPr lang="en-US"/>
-              <a:t>Series</a:t>
-            </a:r>
-            <a:endParaRPr/>
-          </a:p>
-        </p:txBody>
-      </p:sp>
-      <p:sp>
-        <p:nvSpPr>
-          <p:cNvPr id="157" name="Google Shape;157;p11"/>
-          <p:cNvSpPr txBox="1">
-            <a:spLocks noGrp="1"/>
-          </p:cNvSpPr>
-          <p:nvPr>
-            <p:ph idx="1"/>
-          </p:nvPr>
-        </p:nvSpPr>
-        <p:spPr>
-          <a:xfrm>
-            <a:off x="457200" y="1249989"/>
-            <a:ext cx="12374878" cy="6174114"/>
-          </a:xfrm>
-          <a:prstGeom prst="rect">
-            <a:avLst/>
-          </a:prstGeom>
-          <a:noFill/>
-          <a:ln>
-            <a:noFill/>
-          </a:ln>
-        </p:spPr>
-        <p:txBody>
-          <a:bodyPr spcFirstLastPara="1" wrap="square" lIns="91425" tIns="45700" rIns="91425" bIns="45700" anchor="t" anchorCtr="0">
-            <a:normAutofit/>
-          </a:bodyPr>
-          <a:lstStyle/>
-          <a:p>
-            <a:pPr marL="228600" lvl="0" indent="-228600" algn="l" rtl="0">
-              <a:lnSpc>
-                <a:spcPct val="90000"/>
-              </a:lnSpc>
-              <a:spcBef>
-                <a:spcPts val="0"/>
-              </a:spcBef>
-              <a:spcAft>
-                <a:spcPts val="0"/>
-              </a:spcAft>
-              <a:buClr>
-                <a:schemeClr val="dk1"/>
-              </a:buClr>
-              <a:buSzPts val="3600"/>
-              <a:buChar char="•"/>
-            </a:pPr>
-            <a:r>
-              <a:rPr lang="en-US" dirty="0"/>
-              <a:t>Use o índice para acessar o valor</a:t>
-            </a:r>
-          </a:p>
-          <a:p>
-            <a:pPr lvl="1">
-              <a:buClr>
-                <a:srgbClr val="0206BE"/>
-              </a:buClr>
-              <a:buSzPts val="3200"/>
-            </a:pPr>
-            <a:r>
-              <a:rPr lang="pt-BR" dirty="0"/>
-              <a:t>Pode ser usada em contextos onde você usaria um dicionário</a:t>
-            </a:r>
-          </a:p>
-        </p:txBody>
-      </p:sp>
-      <p:pic>
-        <p:nvPicPr>
-          <p:cNvPr id="158" name="Google Shape;158;p11"/>
-          <p:cNvPicPr preferRelativeResize="0"/>
-          <p:nvPr/>
-        </p:nvPicPr>
-        <p:blipFill rotWithShape="1">
-          <a:blip r:embed="rId3">
-            <a:alphaModFix/>
-          </a:blip>
-          <a:srcRect/>
-          <a:stretch/>
-        </p:blipFill>
-        <p:spPr>
-          <a:xfrm>
-            <a:off x="3568976" y="2365057"/>
-            <a:ext cx="6301819" cy="5194618"/>
-          </a:xfrm>
-          <a:prstGeom prst="rect">
-            <a:avLst/>
-          </a:prstGeom>
-          <a:noFill/>
-          <a:ln>
-            <a:noFill/>
-          </a:ln>
-        </p:spPr>
-      </p:pic>
-    </p:spTree>
-  </p:cSld>
-  <p:clrMapOvr>
-    <a:masterClrMapping/>
-  </p:clrMapOvr>
-</p:sld>
-</file>
-
-<file path=ppt/slides/slide9.xml><?xml version="1.0" encoding="utf-8"?>
-<p:sld xmlns:a="http://schemas.openxmlformats.org/drawingml/2006/main" xmlns:r="http://schemas.openxmlformats.org/officeDocument/2006/relationships" xmlns:p="http://schemas.openxmlformats.org/presentationml/2006/main">
-  <p:cSld>
-    <p:spTree>
-      <p:nvGrpSpPr>
-        <p:cNvPr id="1" name="Shape 155"/>
-        <p:cNvGrpSpPr/>
-        <p:nvPr/>
-      </p:nvGrpSpPr>
-      <p:grpSpPr>
-        <a:xfrm>
-          <a:off x="0" y="0"/>
-          <a:ext cx="0" cy="0"/>
-          <a:chOff x="0" y="0"/>
-          <a:chExt cx="0" cy="0"/>
-        </a:xfrm>
-      </p:grpSpPr>
-      <p:sp>
-        <p:nvSpPr>
-          <p:cNvPr id="156" name="Google Shape;156;p11"/>
-          <p:cNvSpPr txBox="1">
-            <a:spLocks noGrp="1"/>
-          </p:cNvSpPr>
-          <p:nvPr>
-            <p:ph type="title"/>
-          </p:nvPr>
-        </p:nvSpPr>
-        <p:spPr>
-          <a:xfrm>
-            <a:off x="923924" y="132556"/>
-            <a:ext cx="11591925" cy="941161"/>
-          </a:xfrm>
-          <a:prstGeom prst="rect">
-            <a:avLst/>
-          </a:prstGeom>
-          <a:noFill/>
-          <a:ln>
-            <a:noFill/>
-          </a:ln>
-        </p:spPr>
-        <p:txBody>
-          <a:bodyPr spcFirstLastPara="1" wrap="square" lIns="91425" tIns="45700" rIns="91425" bIns="45700" anchor="ctr" anchorCtr="0">
-            <a:normAutofit/>
-          </a:bodyPr>
-          <a:lstStyle/>
-          <a:p>
-            <a:pPr marL="0" lvl="0" indent="0" algn="ctr" rtl="0">
-              <a:lnSpc>
-                <a:spcPct val="90000"/>
-              </a:lnSpc>
-              <a:spcBef>
-                <a:spcPts val="0"/>
-              </a:spcBef>
-              <a:spcAft>
-                <a:spcPts val="0"/>
-              </a:spcAft>
-              <a:buClr>
-                <a:srgbClr val="2F5496"/>
-              </a:buClr>
-              <a:buSzPts val="4400"/>
-              <a:buFont typeface="Calibri"/>
-              <a:buNone/>
-            </a:pPr>
-            <a:r>
-              <a:rPr lang="pt-BR" dirty="0"/>
-              <a:t>Verificar se um elemento pertence a uma Serie</a:t>
-            </a:r>
-            <a:endParaRPr dirty="0"/>
-          </a:p>
-        </p:txBody>
-      </p:sp>
-      <p:sp>
-        <p:nvSpPr>
-          <p:cNvPr id="157" name="Google Shape;157;p11"/>
-          <p:cNvSpPr txBox="1">
-            <a:spLocks noGrp="1"/>
-          </p:cNvSpPr>
-          <p:nvPr>
-            <p:ph idx="1"/>
-          </p:nvPr>
-        </p:nvSpPr>
-        <p:spPr>
-          <a:xfrm>
-            <a:off x="457200" y="1249989"/>
-            <a:ext cx="12374878" cy="6174114"/>
-          </a:xfrm>
-          <a:prstGeom prst="rect">
-            <a:avLst/>
-          </a:prstGeom>
-          <a:noFill/>
-          <a:ln>
-            <a:noFill/>
-          </a:ln>
-        </p:spPr>
-        <p:txBody>
-          <a:bodyPr spcFirstLastPara="1" wrap="square" lIns="91425" tIns="45700" rIns="91425" bIns="45700" anchor="t" anchorCtr="0">
-            <a:normAutofit/>
-          </a:bodyPr>
-          <a:lstStyle/>
-          <a:p>
-            <a:pPr marL="228600" lvl="0" indent="-228600" algn="l" rtl="0">
-              <a:lnSpc>
-                <a:spcPct val="90000"/>
-              </a:lnSpc>
-              <a:spcBef>
-                <a:spcPts val="0"/>
-              </a:spcBef>
-              <a:spcAft>
-                <a:spcPts val="0"/>
-              </a:spcAft>
-              <a:buClr>
-                <a:schemeClr val="dk1"/>
-              </a:buClr>
-              <a:buSzPts val="3600"/>
-              <a:buChar char="•"/>
-            </a:pPr>
-            <a:r>
-              <a:rPr lang="en-US" dirty="0" err="1"/>
-              <a:t>Usando</a:t>
-            </a:r>
-            <a:r>
-              <a:rPr lang="en-US" dirty="0"/>
-              <a:t> o keyword in </a:t>
-            </a:r>
-          </a:p>
-          <a:p>
-            <a:pPr lvl="1">
-              <a:buClr>
-                <a:srgbClr val="0206BE"/>
-              </a:buClr>
-              <a:buSzPts val="3200"/>
-            </a:pPr>
-            <a:r>
-              <a:rPr lang="pt-BR" dirty="0"/>
-              <a:t>Pode-se verificar se um elemento pertence ao </a:t>
-            </a:r>
-            <a:r>
-              <a:rPr lang="pt-BR" b="1" dirty="0"/>
-              <a:t>índice</a:t>
-            </a:r>
-            <a:r>
-              <a:rPr lang="pt-BR" dirty="0"/>
-              <a:t> de um a Serie</a:t>
-            </a:r>
-          </a:p>
-        </p:txBody>
-      </p:sp>
-      <p:pic>
-        <p:nvPicPr>
-          <p:cNvPr id="3" name="Picture 2">
-            <a:extLst>
-              <a:ext uri="{FF2B5EF4-FFF2-40B4-BE49-F238E27FC236}">
-                <a16:creationId xmlns:a16="http://schemas.microsoft.com/office/drawing/2014/main" id="{8C12C7EA-433A-44DE-80EF-87C1A37E2EB1}"/>
-              </a:ext>
-            </a:extLst>
-          </p:cNvPr>
-          <p:cNvPicPr>
-            <a:picLocks noChangeAspect="1"/>
-          </p:cNvPicPr>
-          <p:nvPr/>
-        </p:nvPicPr>
-        <p:blipFill>
-          <a:blip r:embed="rId3"/>
-          <a:stretch>
-            <a:fillRect/>
-          </a:stretch>
-        </p:blipFill>
-        <p:spPr>
-          <a:xfrm>
-            <a:off x="1218371" y="3976482"/>
-            <a:ext cx="9774554" cy="1893376"/>
-          </a:xfrm>
-          <a:prstGeom prst="rect">
-            <a:avLst/>
-          </a:prstGeom>
-        </p:spPr>
-      </p:pic>
-      <p:pic>
-        <p:nvPicPr>
-          <p:cNvPr id="4" name="Picture 3">
-            <a:extLst>
-              <a:ext uri="{FF2B5EF4-FFF2-40B4-BE49-F238E27FC236}">
-                <a16:creationId xmlns:a16="http://schemas.microsoft.com/office/drawing/2014/main" id="{C8AD8CF6-F304-4E00-88F6-329ECF87936E}"/>
-              </a:ext>
-            </a:extLst>
-          </p:cNvPr>
-          <p:cNvPicPr>
-            <a:picLocks noChangeAspect="1"/>
-          </p:cNvPicPr>
-          <p:nvPr/>
-        </p:nvPicPr>
-        <p:blipFill rotWithShape="1">
-          <a:blip r:embed="rId4"/>
-          <a:srcRect l="13490" b="82698"/>
-          <a:stretch/>
-        </p:blipFill>
-        <p:spPr>
-          <a:xfrm>
-            <a:off x="1218371" y="2603348"/>
-            <a:ext cx="9667394" cy="626548"/>
-          </a:xfrm>
-          <a:prstGeom prst="rect">
-            <a:avLst/>
-          </a:prstGeom>
-        </p:spPr>
-      </p:pic>
-    </p:spTree>
-    <p:extLst>
-      <p:ext uri="{BB962C8B-B14F-4D97-AF65-F5344CB8AC3E}">
-        <p14:creationId xmlns:p14="http://schemas.microsoft.com/office/powerpoint/2010/main" val="1611291500"/>
-      </p:ext>
-    </p:extLst>
   </p:cSld>
   <p:clrMapOvr>
     <a:masterClrMapping/>
